--- a/amy-lectures/State_Space_Models.pptx
+++ b/amy-lectures/State_Space_Models.pptx
@@ -5,12 +5,13 @@
     <p:sldMasterId id="2147483648" r:id="rId1"/>
   </p:sldMasterIdLst>
   <p:notesMasterIdLst>
-    <p:notesMasterId r:id="rId5"/>
+    <p:notesMasterId r:id="rId6"/>
   </p:notesMasterIdLst>
   <p:sldIdLst>
     <p:sldId id="256" r:id="rId2"/>
     <p:sldId id="302" r:id="rId3"/>
-    <p:sldId id="303" r:id="rId4"/>
+    <p:sldId id="304" r:id="rId4"/>
+    <p:sldId id="303" r:id="rId5"/>
   </p:sldIdLst>
   <p:sldSz cx="12192000" cy="6858000"/>
   <p:notesSz cx="6858000" cy="9144000"/>
@@ -3919,7 +3920,23 @@
           <a:bodyPr/>
           <a:lstStyle/>
           <a:p>
-            <a:endParaRPr lang="en-US"/>
+            <a:pPr marL="0" indent="0">
+              <a:buNone/>
+            </a:pPr>
+            <a:r>
+              <a:rPr lang="en-US" u="sng" dirty="0"/>
+              <a:t>Latent variables</a:t>
+            </a:r>
+            <a:r>
+              <a:rPr lang="en-US" dirty="0"/>
+              <a:t>: The variable of interest is unobserved or estimated with uncertainty</a:t>
+            </a:r>
+          </a:p>
+          <a:p>
+            <a:pPr marL="0" indent="0">
+              <a:buNone/>
+            </a:pPr>
+            <a:endParaRPr lang="en-US" dirty="0"/>
           </a:p>
         </p:txBody>
       </p:sp>
@@ -3937,6 +3954,146 @@
 </file>
 
 <file path=ppt/slides/slide3.xml><?xml version="1.0" encoding="utf-8"?>
+<p:sld xmlns:a="http://schemas.openxmlformats.org/drawingml/2006/main" xmlns:r="http://schemas.openxmlformats.org/officeDocument/2006/relationships" xmlns:p="http://schemas.openxmlformats.org/presentationml/2006/main">
+  <p:cSld>
+    <p:spTree>
+      <p:nvGrpSpPr>
+        <p:cNvPr id="1" name=""/>
+        <p:cNvGrpSpPr/>
+        <p:nvPr/>
+      </p:nvGrpSpPr>
+      <p:grpSpPr>
+        <a:xfrm>
+          <a:off x="0" y="0"/>
+          <a:ext cx="0" cy="0"/>
+          <a:chOff x="0" y="0"/>
+          <a:chExt cx="0" cy="0"/>
+        </a:xfrm>
+      </p:grpSpPr>
+      <p:sp>
+        <p:nvSpPr>
+          <p:cNvPr id="2" name="Title 1">
+            <a:extLst>
+              <a:ext uri="{FF2B5EF4-FFF2-40B4-BE49-F238E27FC236}">
+                <a16:creationId xmlns:a16="http://schemas.microsoft.com/office/drawing/2014/main" id="{ABC2D099-3FE6-2F4E-AFD9-4863CFE68BDE}"/>
+              </a:ext>
+            </a:extLst>
+          </p:cNvPr>
+          <p:cNvSpPr>
+            <a:spLocks noGrp="1"/>
+          </p:cNvSpPr>
+          <p:nvPr>
+            <p:ph type="title"/>
+          </p:nvPr>
+        </p:nvSpPr>
+        <p:spPr/>
+        <p:txBody>
+          <a:bodyPr/>
+          <a:lstStyle/>
+          <a:p>
+            <a:r>
+              <a:rPr lang="en-US" dirty="0"/>
+              <a:t>Latent variables</a:t>
+            </a:r>
+          </a:p>
+        </p:txBody>
+      </p:sp>
+      <p:sp>
+        <p:nvSpPr>
+          <p:cNvPr id="3" name="Content Placeholder 2">
+            <a:extLst>
+              <a:ext uri="{FF2B5EF4-FFF2-40B4-BE49-F238E27FC236}">
+                <a16:creationId xmlns:a16="http://schemas.microsoft.com/office/drawing/2014/main" id="{B6F5DEE7-F0EE-C14E-AE23-D09D047F99E3}"/>
+              </a:ext>
+            </a:extLst>
+          </p:cNvPr>
+          <p:cNvSpPr>
+            <a:spLocks noGrp="1"/>
+          </p:cNvSpPr>
+          <p:nvPr>
+            <p:ph idx="1"/>
+          </p:nvPr>
+        </p:nvSpPr>
+        <p:spPr>
+          <a:xfrm>
+            <a:off x="228600" y="1485900"/>
+            <a:ext cx="11750040" cy="4631565"/>
+          </a:xfrm>
+        </p:spPr>
+        <p:txBody>
+          <a:bodyPr/>
+          <a:lstStyle/>
+          <a:p>
+            <a:pPr marL="0" indent="0">
+              <a:buNone/>
+            </a:pPr>
+            <a:r>
+              <a:rPr lang="en-US" u="sng" dirty="0"/>
+              <a:t>Latent variables</a:t>
+            </a:r>
+            <a:r>
+              <a:rPr lang="en-US" dirty="0"/>
+              <a:t>: The variable of interest is unobserved or estimated with uncertainty</a:t>
+            </a:r>
+          </a:p>
+          <a:p>
+            <a:pPr marL="742950" indent="-742950">
+              <a:buAutoNum type="arabicPeriod"/>
+            </a:pPr>
+            <a:r>
+              <a:rPr lang="en-US" dirty="0"/>
+              <a:t>Random and systematic observation errors</a:t>
+            </a:r>
+          </a:p>
+          <a:p>
+            <a:pPr marL="742950" indent="-742950">
+              <a:buAutoNum type="arabicPeriod"/>
+            </a:pPr>
+            <a:r>
+              <a:rPr lang="en-US" dirty="0"/>
+              <a:t>Proxy data</a:t>
+            </a:r>
+          </a:p>
+          <a:p>
+            <a:pPr marL="742950" indent="-742950">
+              <a:buAutoNum type="arabicPeriod"/>
+            </a:pPr>
+            <a:r>
+              <a:rPr lang="en-US" dirty="0"/>
+              <a:t>Missing data</a:t>
+            </a:r>
+          </a:p>
+          <a:p>
+            <a:pPr marL="742950" indent="-742950">
+              <a:buAutoNum type="arabicPeriod"/>
+            </a:pPr>
+            <a:r>
+              <a:rPr lang="en-US" dirty="0"/>
+              <a:t>Unobserved variables</a:t>
+            </a:r>
+          </a:p>
+          <a:p>
+            <a:pPr marL="0" indent="0">
+              <a:buNone/>
+            </a:pPr>
+            <a:endParaRPr lang="en-US" dirty="0"/>
+          </a:p>
+        </p:txBody>
+      </p:sp>
+    </p:spTree>
+    <p:extLst>
+      <p:ext uri="{BB962C8B-B14F-4D97-AF65-F5344CB8AC3E}">
+        <p14:creationId xmlns:p14="http://schemas.microsoft.com/office/powerpoint/2010/main" val="4272290209"/>
+      </p:ext>
+    </p:extLst>
+  </p:cSld>
+  <p:clrMapOvr>
+    <a:masterClrMapping/>
+  </p:clrMapOvr>
+</p:sld>
+</file>
+
+<file path=ppt/slides/slide4.xml><?xml version="1.0" encoding="utf-8"?>
 <p:sld xmlns:a="http://schemas.openxmlformats.org/drawingml/2006/main" xmlns:r="http://schemas.openxmlformats.org/officeDocument/2006/relationships" xmlns:p="http://schemas.openxmlformats.org/presentationml/2006/main">
   <p:cSld>
     <p:spTree>

--- a/amy-lectures/State_Space_Models.pptx
+++ b/amy-lectures/State_Space_Models.pptx
@@ -5,13 +5,24 @@
     <p:sldMasterId id="2147483648" r:id="rId1"/>
   </p:sldMasterIdLst>
   <p:notesMasterIdLst>
-    <p:notesMasterId r:id="rId6"/>
+    <p:notesMasterId r:id="rId17"/>
   </p:notesMasterIdLst>
   <p:sldIdLst>
     <p:sldId id="256" r:id="rId2"/>
     <p:sldId id="302" r:id="rId3"/>
     <p:sldId id="304" r:id="rId4"/>
     <p:sldId id="303" r:id="rId5"/>
+    <p:sldId id="310" r:id="rId6"/>
+    <p:sldId id="305" r:id="rId7"/>
+    <p:sldId id="306" r:id="rId8"/>
+    <p:sldId id="307" r:id="rId9"/>
+    <p:sldId id="308" r:id="rId10"/>
+    <p:sldId id="309" r:id="rId11"/>
+    <p:sldId id="311" r:id="rId12"/>
+    <p:sldId id="312" r:id="rId13"/>
+    <p:sldId id="313" r:id="rId14"/>
+    <p:sldId id="314" r:id="rId15"/>
+    <p:sldId id="315" r:id="rId16"/>
   </p:sldIdLst>
   <p:sldSz cx="12192000" cy="6858000"/>
   <p:notesSz cx="6858000" cy="9144000"/>
@@ -3854,6 +3865,528 @@
 </p:sld>
 </file>
 
+<file path=ppt/slides/slide10.xml><?xml version="1.0" encoding="utf-8"?>
+<p:sld xmlns:a="http://schemas.openxmlformats.org/drawingml/2006/main" xmlns:r="http://schemas.openxmlformats.org/officeDocument/2006/relationships" xmlns:p="http://schemas.openxmlformats.org/presentationml/2006/main">
+  <p:cSld>
+    <p:spTree>
+      <p:nvGrpSpPr>
+        <p:cNvPr id="1" name=""/>
+        <p:cNvGrpSpPr/>
+        <p:nvPr/>
+      </p:nvGrpSpPr>
+      <p:grpSpPr>
+        <a:xfrm>
+          <a:off x="0" y="0"/>
+          <a:ext cx="0" cy="0"/>
+          <a:chOff x="0" y="0"/>
+          <a:chExt cx="0" cy="0"/>
+        </a:xfrm>
+      </p:grpSpPr>
+      <p:sp>
+        <p:nvSpPr>
+          <p:cNvPr id="2" name="Title 1">
+            <a:extLst>
+              <a:ext uri="{FF2B5EF4-FFF2-40B4-BE49-F238E27FC236}">
+                <a16:creationId xmlns:a16="http://schemas.microsoft.com/office/drawing/2014/main" id="{66C419D4-E718-18DB-B37E-2B1EC7276BD0}"/>
+              </a:ext>
+            </a:extLst>
+          </p:cNvPr>
+          <p:cNvSpPr>
+            <a:spLocks noGrp="1"/>
+          </p:cNvSpPr>
+          <p:nvPr>
+            <p:ph type="title"/>
+          </p:nvPr>
+        </p:nvSpPr>
+        <p:spPr/>
+        <p:txBody>
+          <a:bodyPr/>
+          <a:lstStyle/>
+          <a:p>
+            <a:r>
+              <a:rPr lang="en-US" dirty="0"/>
+              <a:t>Key concepts</a:t>
+            </a:r>
+          </a:p>
+        </p:txBody>
+      </p:sp>
+      <p:sp>
+        <p:nvSpPr>
+          <p:cNvPr id="3" name="Content Placeholder 2">
+            <a:extLst>
+              <a:ext uri="{FF2B5EF4-FFF2-40B4-BE49-F238E27FC236}">
+                <a16:creationId xmlns:a16="http://schemas.microsoft.com/office/drawing/2014/main" id="{A1EC2447-5293-18EC-FFB2-0007413CC04F}"/>
+              </a:ext>
+            </a:extLst>
+          </p:cNvPr>
+          <p:cNvSpPr>
+            <a:spLocks noGrp="1"/>
+          </p:cNvSpPr>
+          <p:nvPr>
+            <p:ph idx="1"/>
+          </p:nvPr>
+        </p:nvSpPr>
+        <p:spPr/>
+        <p:txBody>
+          <a:bodyPr/>
+          <a:lstStyle/>
+          <a:p>
+            <a:pPr marL="0" indent="0">
+              <a:buNone/>
+            </a:pPr>
+            <a:r>
+              <a:rPr lang="en-US" dirty="0"/>
+              <a:t>3. Because of their capacity to flexibly capture and partition a wide range of uncertainties and address the complexities of real data, Dietz recommends state space models as the basis of forecasting.</a:t>
+            </a:r>
+          </a:p>
+          <a:p>
+            <a:pPr marL="0" indent="0">
+              <a:buNone/>
+            </a:pPr>
+            <a:r>
+              <a:rPr lang="en-US" dirty="0"/>
+              <a:t>5. Missing data gaps and irregularly spaced data are handled automatically with uncertainties increasing with distance to the nearest observation.</a:t>
+            </a:r>
+          </a:p>
+        </p:txBody>
+      </p:sp>
+    </p:spTree>
+    <p:extLst>
+      <p:ext uri="{BB962C8B-B14F-4D97-AF65-F5344CB8AC3E}">
+        <p14:creationId xmlns:p14="http://schemas.microsoft.com/office/powerpoint/2010/main" val="1730632547"/>
+      </p:ext>
+    </p:extLst>
+  </p:cSld>
+  <p:clrMapOvr>
+    <a:masterClrMapping/>
+  </p:clrMapOvr>
+</p:sld>
+</file>
+
+<file path=ppt/slides/slide11.xml><?xml version="1.0" encoding="utf-8"?>
+<p:sld xmlns:a="http://schemas.openxmlformats.org/drawingml/2006/main" xmlns:r="http://schemas.openxmlformats.org/officeDocument/2006/relationships" xmlns:p="http://schemas.openxmlformats.org/presentationml/2006/main">
+  <p:cSld>
+    <p:spTree>
+      <p:nvGrpSpPr>
+        <p:cNvPr id="1" name=""/>
+        <p:cNvGrpSpPr/>
+        <p:nvPr/>
+      </p:nvGrpSpPr>
+      <p:grpSpPr>
+        <a:xfrm>
+          <a:off x="0" y="0"/>
+          <a:ext cx="0" cy="0"/>
+          <a:chOff x="0" y="0"/>
+          <a:chExt cx="0" cy="0"/>
+        </a:xfrm>
+      </p:grpSpPr>
+      <p:sp>
+        <p:nvSpPr>
+          <p:cNvPr id="2" name="Title 1">
+            <a:extLst>
+              <a:ext uri="{FF2B5EF4-FFF2-40B4-BE49-F238E27FC236}">
+                <a16:creationId xmlns:a16="http://schemas.microsoft.com/office/drawing/2014/main" id="{31B7AC8E-9009-9E4D-4E56-AC6250D6362E}"/>
+              </a:ext>
+            </a:extLst>
+          </p:cNvPr>
+          <p:cNvSpPr>
+            <a:spLocks noGrp="1"/>
+          </p:cNvSpPr>
+          <p:nvPr>
+            <p:ph type="title"/>
+          </p:nvPr>
+        </p:nvSpPr>
+        <p:spPr/>
+        <p:txBody>
+          <a:bodyPr/>
+          <a:lstStyle/>
+          <a:p>
+            <a:r>
+              <a:rPr lang="en-US" dirty="0"/>
+              <a:t>Ch 9 Fusing Data Sources</a:t>
+            </a:r>
+          </a:p>
+        </p:txBody>
+      </p:sp>
+      <p:sp>
+        <p:nvSpPr>
+          <p:cNvPr id="3" name="Content Placeholder 2">
+            <a:extLst>
+              <a:ext uri="{FF2B5EF4-FFF2-40B4-BE49-F238E27FC236}">
+                <a16:creationId xmlns:a16="http://schemas.microsoft.com/office/drawing/2014/main" id="{E3D20841-03CF-76A8-A9C1-794B21793860}"/>
+              </a:ext>
+            </a:extLst>
+          </p:cNvPr>
+          <p:cNvSpPr>
+            <a:spLocks noGrp="1"/>
+          </p:cNvSpPr>
+          <p:nvPr>
+            <p:ph idx="1"/>
+          </p:nvPr>
+        </p:nvSpPr>
+        <p:spPr>
+          <a:xfrm>
+            <a:off x="1545465" y="2207116"/>
+            <a:ext cx="8551572" cy="3073221"/>
+          </a:xfrm>
+        </p:spPr>
+        <p:txBody>
+          <a:bodyPr/>
+          <a:lstStyle/>
+          <a:p>
+            <a:pPr marL="0" indent="0">
+              <a:buNone/>
+            </a:pPr>
+            <a:r>
+              <a:rPr lang="en-US" i="1" dirty="0"/>
+              <a:t>“Balancing the information provided by different data sources remains among the most debated topics in ecological model-data fusion”</a:t>
+            </a:r>
+          </a:p>
+        </p:txBody>
+      </p:sp>
+    </p:spTree>
+    <p:extLst>
+      <p:ext uri="{BB962C8B-B14F-4D97-AF65-F5344CB8AC3E}">
+        <p14:creationId xmlns:p14="http://schemas.microsoft.com/office/powerpoint/2010/main" val="3694380036"/>
+      </p:ext>
+    </p:extLst>
+  </p:cSld>
+  <p:clrMapOvr>
+    <a:masterClrMapping/>
+  </p:clrMapOvr>
+</p:sld>
+</file>
+
+<file path=ppt/slides/slide12.xml><?xml version="1.0" encoding="utf-8"?>
+<p:sld xmlns:a="http://schemas.openxmlformats.org/drawingml/2006/main" xmlns:r="http://schemas.openxmlformats.org/officeDocument/2006/relationships" xmlns:p="http://schemas.openxmlformats.org/presentationml/2006/main">
+  <p:cSld>
+    <p:spTree>
+      <p:nvGrpSpPr>
+        <p:cNvPr id="1" name=""/>
+        <p:cNvGrpSpPr/>
+        <p:nvPr/>
+      </p:nvGrpSpPr>
+      <p:grpSpPr>
+        <a:xfrm>
+          <a:off x="0" y="0"/>
+          <a:ext cx="0" cy="0"/>
+          <a:chOff x="0" y="0"/>
+          <a:chExt cx="0" cy="0"/>
+        </a:xfrm>
+      </p:grpSpPr>
+      <p:sp>
+        <p:nvSpPr>
+          <p:cNvPr id="2" name="Title 1">
+            <a:extLst>
+              <a:ext uri="{FF2B5EF4-FFF2-40B4-BE49-F238E27FC236}">
+                <a16:creationId xmlns:a16="http://schemas.microsoft.com/office/drawing/2014/main" id="{E5700A19-12D5-B59A-3D6B-0B1E023348C9}"/>
+              </a:ext>
+            </a:extLst>
+          </p:cNvPr>
+          <p:cNvSpPr>
+            <a:spLocks noGrp="1"/>
+          </p:cNvSpPr>
+          <p:nvPr>
+            <p:ph type="title"/>
+          </p:nvPr>
+        </p:nvSpPr>
+        <p:spPr/>
+        <p:txBody>
+          <a:bodyPr/>
+          <a:lstStyle/>
+          <a:p>
+            <a:r>
+              <a:rPr lang="en-US" dirty="0"/>
+              <a:t>Fusing data sources</a:t>
+            </a:r>
+          </a:p>
+        </p:txBody>
+      </p:sp>
+      <p:sp>
+        <p:nvSpPr>
+          <p:cNvPr id="3" name="Content Placeholder 2">
+            <a:extLst>
+              <a:ext uri="{FF2B5EF4-FFF2-40B4-BE49-F238E27FC236}">
+                <a16:creationId xmlns:a16="http://schemas.microsoft.com/office/drawing/2014/main" id="{25EDDDB5-F4D2-E3AA-306D-ECECA1A12FAF}"/>
+              </a:ext>
+            </a:extLst>
+          </p:cNvPr>
+          <p:cNvSpPr>
+            <a:spLocks noGrp="1"/>
+          </p:cNvSpPr>
+          <p:nvPr>
+            <p:ph idx="1"/>
+          </p:nvPr>
+        </p:nvSpPr>
+        <p:spPr/>
+        <p:txBody>
+          <a:bodyPr/>
+          <a:lstStyle/>
+          <a:p>
+            <a:r>
+              <a:rPr lang="en-US" dirty="0"/>
+              <a:t>Fusing data involves more than joining data sources</a:t>
+            </a:r>
+          </a:p>
+          <a:p>
+            <a:r>
+              <a:rPr lang="en-US" dirty="0"/>
+              <a:t>Naïve interpolation or extrapolation can lead to biased and overconfident results</a:t>
+            </a:r>
+          </a:p>
+          <a:p>
+            <a:r>
+              <a:rPr lang="en-US" dirty="0"/>
+              <a:t>Covariances are critical to leverage complementary data types</a:t>
+            </a:r>
+          </a:p>
+        </p:txBody>
+      </p:sp>
+    </p:spTree>
+    <p:extLst>
+      <p:ext uri="{BB962C8B-B14F-4D97-AF65-F5344CB8AC3E}">
+        <p14:creationId xmlns:p14="http://schemas.microsoft.com/office/powerpoint/2010/main" val="1355424866"/>
+      </p:ext>
+    </p:extLst>
+  </p:cSld>
+  <p:clrMapOvr>
+    <a:masterClrMapping/>
+  </p:clrMapOvr>
+</p:sld>
+</file>
+
+<file path=ppt/slides/slide13.xml><?xml version="1.0" encoding="utf-8"?>
+<p:sld xmlns:a="http://schemas.openxmlformats.org/drawingml/2006/main" xmlns:r="http://schemas.openxmlformats.org/officeDocument/2006/relationships" xmlns:p="http://schemas.openxmlformats.org/presentationml/2006/main">
+  <p:cSld>
+    <p:spTree>
+      <p:nvGrpSpPr>
+        <p:cNvPr id="1" name=""/>
+        <p:cNvGrpSpPr/>
+        <p:nvPr/>
+      </p:nvGrpSpPr>
+      <p:grpSpPr>
+        <a:xfrm>
+          <a:off x="0" y="0"/>
+          <a:ext cx="0" cy="0"/>
+          <a:chOff x="0" y="0"/>
+          <a:chExt cx="0" cy="0"/>
+        </a:xfrm>
+      </p:grpSpPr>
+      <p:sp>
+        <p:nvSpPr>
+          <p:cNvPr id="2" name="Title 1">
+            <a:extLst>
+              <a:ext uri="{FF2B5EF4-FFF2-40B4-BE49-F238E27FC236}">
+                <a16:creationId xmlns:a16="http://schemas.microsoft.com/office/drawing/2014/main" id="{E5700A19-12D5-B59A-3D6B-0B1E023348C9}"/>
+              </a:ext>
+            </a:extLst>
+          </p:cNvPr>
+          <p:cNvSpPr>
+            <a:spLocks noGrp="1"/>
+          </p:cNvSpPr>
+          <p:nvPr>
+            <p:ph type="title"/>
+          </p:nvPr>
+        </p:nvSpPr>
+        <p:spPr/>
+        <p:txBody>
+          <a:bodyPr/>
+          <a:lstStyle/>
+          <a:p>
+            <a:r>
+              <a:rPr lang="en-US" dirty="0"/>
+              <a:t>Meta-analysis</a:t>
+            </a:r>
+          </a:p>
+        </p:txBody>
+      </p:sp>
+      <p:sp>
+        <p:nvSpPr>
+          <p:cNvPr id="3" name="Content Placeholder 2">
+            <a:extLst>
+              <a:ext uri="{FF2B5EF4-FFF2-40B4-BE49-F238E27FC236}">
+                <a16:creationId xmlns:a16="http://schemas.microsoft.com/office/drawing/2014/main" id="{25EDDDB5-F4D2-E3AA-306D-ECECA1A12FAF}"/>
+              </a:ext>
+            </a:extLst>
+          </p:cNvPr>
+          <p:cNvSpPr>
+            <a:spLocks noGrp="1"/>
+          </p:cNvSpPr>
+          <p:nvPr>
+            <p:ph idx="1"/>
+          </p:nvPr>
+        </p:nvSpPr>
+        <p:spPr/>
+        <p:txBody>
+          <a:bodyPr/>
+          <a:lstStyle/>
+          <a:p>
+            <a:r>
+              <a:rPr lang="en-US" dirty="0"/>
+              <a:t>Meta-analyses combine information, usually in the form of summary statistics from independent studies</a:t>
+            </a:r>
+          </a:p>
+          <a:p>
+            <a:r>
+              <a:rPr lang="en-US" dirty="0"/>
+              <a:t>Reporting bias is a challenge for high quality meta-analyses; that is that negative results are not reported</a:t>
+            </a:r>
+          </a:p>
+        </p:txBody>
+      </p:sp>
+    </p:spTree>
+    <p:extLst>
+      <p:ext uri="{BB962C8B-B14F-4D97-AF65-F5344CB8AC3E}">
+        <p14:creationId xmlns:p14="http://schemas.microsoft.com/office/powerpoint/2010/main" val="3907890477"/>
+      </p:ext>
+    </p:extLst>
+  </p:cSld>
+  <p:clrMapOvr>
+    <a:masterClrMapping/>
+  </p:clrMapOvr>
+</p:sld>
+</file>
+
+<file path=ppt/slides/slide14.xml><?xml version="1.0" encoding="utf-8"?>
+<p:sld xmlns:a="http://schemas.openxmlformats.org/drawingml/2006/main" xmlns:r="http://schemas.openxmlformats.org/officeDocument/2006/relationships" xmlns:p="http://schemas.openxmlformats.org/presentationml/2006/main">
+  <p:cSld>
+    <p:spTree>
+      <p:nvGrpSpPr>
+        <p:cNvPr id="1" name=""/>
+        <p:cNvGrpSpPr/>
+        <p:nvPr/>
+      </p:nvGrpSpPr>
+      <p:grpSpPr>
+        <a:xfrm>
+          <a:off x="0" y="0"/>
+          <a:ext cx="0" cy="0"/>
+          <a:chOff x="0" y="0"/>
+          <a:chExt cx="0" cy="0"/>
+        </a:xfrm>
+      </p:grpSpPr>
+      <p:pic>
+        <p:nvPicPr>
+          <p:cNvPr id="5" name="Picture 4">
+            <a:extLst>
+              <a:ext uri="{FF2B5EF4-FFF2-40B4-BE49-F238E27FC236}">
+                <a16:creationId xmlns:a16="http://schemas.microsoft.com/office/drawing/2014/main" id="{1CA05E1A-439F-174F-A63A-EF3BE1A44E39}"/>
+              </a:ext>
+            </a:extLst>
+          </p:cNvPr>
+          <p:cNvPicPr>
+            <a:picLocks noChangeAspect="1"/>
+          </p:cNvPicPr>
+          <p:nvPr/>
+        </p:nvPicPr>
+        <p:blipFill>
+          <a:blip r:embed="rId2"/>
+          <a:stretch>
+            <a:fillRect/>
+          </a:stretch>
+        </p:blipFill>
+        <p:spPr>
+          <a:xfrm>
+            <a:off x="3242187" y="0"/>
+            <a:ext cx="5707626" cy="6858000"/>
+          </a:xfrm>
+          <a:prstGeom prst="rect">
+            <a:avLst/>
+          </a:prstGeom>
+        </p:spPr>
+      </p:pic>
+    </p:spTree>
+    <p:extLst>
+      <p:ext uri="{BB962C8B-B14F-4D97-AF65-F5344CB8AC3E}">
+        <p14:creationId xmlns:p14="http://schemas.microsoft.com/office/powerpoint/2010/main" val="363800723"/>
+      </p:ext>
+    </p:extLst>
+  </p:cSld>
+  <p:clrMapOvr>
+    <a:masterClrMapping/>
+  </p:clrMapOvr>
+</p:sld>
+</file>
+
+<file path=ppt/slides/slide15.xml><?xml version="1.0" encoding="utf-8"?>
+<p:sld xmlns:a="http://schemas.openxmlformats.org/drawingml/2006/main" xmlns:r="http://schemas.openxmlformats.org/officeDocument/2006/relationships" xmlns:p="http://schemas.openxmlformats.org/presentationml/2006/main">
+  <p:cSld>
+    <p:spTree>
+      <p:nvGrpSpPr>
+        <p:cNvPr id="1" name=""/>
+        <p:cNvGrpSpPr/>
+        <p:nvPr/>
+      </p:nvGrpSpPr>
+      <p:grpSpPr>
+        <a:xfrm>
+          <a:off x="0" y="0"/>
+          <a:ext cx="0" cy="0"/>
+          <a:chOff x="0" y="0"/>
+          <a:chExt cx="0" cy="0"/>
+        </a:xfrm>
+      </p:grpSpPr>
+      <p:sp>
+        <p:nvSpPr>
+          <p:cNvPr id="2" name="Title 1">
+            <a:extLst>
+              <a:ext uri="{FF2B5EF4-FFF2-40B4-BE49-F238E27FC236}">
+                <a16:creationId xmlns:a16="http://schemas.microsoft.com/office/drawing/2014/main" id="{B8538095-7AAA-EA69-633A-B0BE75F9B1BF}"/>
+              </a:ext>
+            </a:extLst>
+          </p:cNvPr>
+          <p:cNvSpPr>
+            <a:spLocks noGrp="1"/>
+          </p:cNvSpPr>
+          <p:nvPr>
+            <p:ph type="title"/>
+          </p:nvPr>
+        </p:nvSpPr>
+        <p:spPr/>
+        <p:txBody>
+          <a:bodyPr/>
+          <a:lstStyle/>
+          <a:p>
+            <a:endParaRPr lang="en-US"/>
+          </a:p>
+        </p:txBody>
+      </p:sp>
+      <p:sp>
+        <p:nvSpPr>
+          <p:cNvPr id="3" name="Content Placeholder 2">
+            <a:extLst>
+              <a:ext uri="{FF2B5EF4-FFF2-40B4-BE49-F238E27FC236}">
+                <a16:creationId xmlns:a16="http://schemas.microsoft.com/office/drawing/2014/main" id="{802837AC-93CA-CC99-3D17-D61CBDE0601A}"/>
+              </a:ext>
+            </a:extLst>
+          </p:cNvPr>
+          <p:cNvSpPr>
+            <a:spLocks noGrp="1"/>
+          </p:cNvSpPr>
+          <p:nvPr>
+            <p:ph idx="1"/>
+          </p:nvPr>
+        </p:nvSpPr>
+        <p:spPr/>
+        <p:txBody>
+          <a:bodyPr/>
+          <a:lstStyle/>
+          <a:p>
+            <a:endParaRPr lang="en-US"/>
+          </a:p>
+        </p:txBody>
+      </p:sp>
+    </p:spTree>
+    <p:extLst>
+      <p:ext uri="{BB962C8B-B14F-4D97-AF65-F5344CB8AC3E}">
+        <p14:creationId xmlns:p14="http://schemas.microsoft.com/office/powerpoint/2010/main" val="1015701783"/>
+      </p:ext>
+    </p:extLst>
+  </p:cSld>
+  <p:clrMapOvr>
+    <a:masterClrMapping/>
+  </p:clrMapOvr>
+</p:sld>
+</file>
+
 <file path=ppt/slides/slide2.xml><?xml version="1.0" encoding="utf-8"?>
 <p:sld xmlns:a="http://schemas.openxmlformats.org/drawingml/2006/main" xmlns:r="http://schemas.openxmlformats.org/officeDocument/2006/relationships" xmlns:p="http://schemas.openxmlformats.org/presentationml/2006/main">
   <p:cSld>
@@ -4131,7 +4664,10 @@
           <a:bodyPr/>
           <a:lstStyle/>
           <a:p>
-            <a:endParaRPr lang="en-US"/>
+            <a:r>
+              <a:rPr lang="en-US" dirty="0"/>
+              <a:t>Examples</a:t>
+            </a:r>
           </a:p>
         </p:txBody>
       </p:sp>
@@ -4156,7 +4692,75 @@
           <a:bodyPr/>
           <a:lstStyle/>
           <a:p>
-            <a:endParaRPr lang="en-US"/>
+            <a:r>
+              <a:rPr lang="en-US" u="sng" dirty="0"/>
+              <a:t>Random &amp; systematic</a:t>
+            </a:r>
+            <a:r>
+              <a:rPr lang="en-US" dirty="0"/>
+              <a:t>: sensor drift </a:t>
+            </a:r>
+          </a:p>
+          <a:p>
+            <a:r>
+              <a:rPr lang="en-US" u="sng" dirty="0"/>
+              <a:t>Proxy:</a:t>
+            </a:r>
+            <a:r>
+              <a:rPr lang="en-US" dirty="0"/>
+              <a:t> Total Domain Reflectometry (TDR) – 2 electric probes that measures soil </a:t>
+            </a:r>
+            <a:r>
+              <a:rPr lang="en-US" dirty="0" err="1"/>
+              <a:t>impedence</a:t>
+            </a:r>
+            <a:r>
+              <a:rPr lang="en-US" dirty="0"/>
+              <a:t> estimate soil moisture</a:t>
+            </a:r>
+          </a:p>
+          <a:p>
+            <a:r>
+              <a:rPr lang="en-US" u="sng" dirty="0"/>
+              <a:t>Proxy:</a:t>
+            </a:r>
+            <a:r>
+              <a:rPr lang="en-US" dirty="0"/>
+              <a:t> NVDI - net primary production</a:t>
+            </a:r>
+          </a:p>
+          <a:p>
+            <a:r>
+              <a:rPr lang="en-US" u="sng" dirty="0"/>
+              <a:t>Proxy:</a:t>
+            </a:r>
+            <a:r>
+              <a:rPr lang="en-US" dirty="0"/>
+              <a:t> O</a:t>
+            </a:r>
+            <a:r>
+              <a:rPr lang="en-US" baseline="30000" dirty="0"/>
+              <a:t>18</a:t>
+            </a:r>
+            <a:r>
+              <a:rPr lang="en-US" dirty="0"/>
+              <a:t> in water – temperature, evaporation, and atmospheric </a:t>
+            </a:r>
+            <a:r>
+              <a:rPr lang="en-US" dirty="0" err="1"/>
+              <a:t>cipitation</a:t>
+            </a:r>
+            <a:endParaRPr lang="en-US" baseline="30000" dirty="0"/>
+          </a:p>
+          <a:p>
+            <a:r>
+              <a:rPr lang="en-US" u="sng" dirty="0"/>
+              <a:t>Unobserved:</a:t>
+            </a:r>
+            <a:r>
+              <a:rPr lang="en-US" dirty="0"/>
+              <a:t> resource allocation to growth, fecundity, allometry</a:t>
+            </a:r>
           </a:p>
         </p:txBody>
       </p:sp>
@@ -4164,6 +4768,393 @@
     <p:extLst>
       <p:ext uri="{BB962C8B-B14F-4D97-AF65-F5344CB8AC3E}">
         <p14:creationId xmlns:p14="http://schemas.microsoft.com/office/powerpoint/2010/main" val="3215534232"/>
+      </p:ext>
+    </p:extLst>
+  </p:cSld>
+  <p:clrMapOvr>
+    <a:masterClrMapping/>
+  </p:clrMapOvr>
+</p:sld>
+</file>
+
+<file path=ppt/slides/slide5.xml><?xml version="1.0" encoding="utf-8"?>
+<p:sld xmlns:a="http://schemas.openxmlformats.org/drawingml/2006/main" xmlns:r="http://schemas.openxmlformats.org/officeDocument/2006/relationships" xmlns:p="http://schemas.openxmlformats.org/presentationml/2006/main">
+  <p:cSld>
+    <p:spTree>
+      <p:nvGrpSpPr>
+        <p:cNvPr id="1" name=""/>
+        <p:cNvGrpSpPr/>
+        <p:nvPr/>
+      </p:nvGrpSpPr>
+      <p:grpSpPr>
+        <a:xfrm>
+          <a:off x="0" y="0"/>
+          <a:ext cx="0" cy="0"/>
+          <a:chOff x="0" y="0"/>
+          <a:chExt cx="0" cy="0"/>
+        </a:xfrm>
+      </p:grpSpPr>
+      <p:sp>
+        <p:nvSpPr>
+          <p:cNvPr id="2" name="Title 1">
+            <a:extLst>
+              <a:ext uri="{FF2B5EF4-FFF2-40B4-BE49-F238E27FC236}">
+                <a16:creationId xmlns:a16="http://schemas.microsoft.com/office/drawing/2014/main" id="{155DF4D9-8E28-F093-8F92-41833FB5D5BA}"/>
+              </a:ext>
+            </a:extLst>
+          </p:cNvPr>
+          <p:cNvSpPr>
+            <a:spLocks noGrp="1"/>
+          </p:cNvSpPr>
+          <p:nvPr>
+            <p:ph type="title"/>
+          </p:nvPr>
+        </p:nvSpPr>
+        <p:spPr/>
+        <p:txBody>
+          <a:bodyPr/>
+          <a:lstStyle/>
+          <a:p>
+            <a:r>
+              <a:rPr lang="en-US" dirty="0"/>
+              <a:t>NL vaccination data</a:t>
+            </a:r>
+          </a:p>
+        </p:txBody>
+      </p:sp>
+      <p:sp>
+        <p:nvSpPr>
+          <p:cNvPr id="3" name="Content Placeholder 2">
+            <a:extLst>
+              <a:ext uri="{FF2B5EF4-FFF2-40B4-BE49-F238E27FC236}">
+                <a16:creationId xmlns:a16="http://schemas.microsoft.com/office/drawing/2014/main" id="{1D151818-8802-50D3-440E-625BBB810A84}"/>
+              </a:ext>
+            </a:extLst>
+          </p:cNvPr>
+          <p:cNvSpPr>
+            <a:spLocks noGrp="1"/>
+          </p:cNvSpPr>
+          <p:nvPr>
+            <p:ph idx="1"/>
+          </p:nvPr>
+        </p:nvSpPr>
+        <p:spPr/>
+        <p:txBody>
+          <a:bodyPr/>
+          <a:lstStyle/>
+          <a:p>
+            <a:endParaRPr lang="en-US"/>
+          </a:p>
+        </p:txBody>
+      </p:sp>
+    </p:spTree>
+    <p:extLst>
+      <p:ext uri="{BB962C8B-B14F-4D97-AF65-F5344CB8AC3E}">
+        <p14:creationId xmlns:p14="http://schemas.microsoft.com/office/powerpoint/2010/main" val="1764256649"/>
+      </p:ext>
+    </p:extLst>
+  </p:cSld>
+  <p:clrMapOvr>
+    <a:masterClrMapping/>
+  </p:clrMapOvr>
+</p:sld>
+</file>
+
+<file path=ppt/slides/slide6.xml><?xml version="1.0" encoding="utf-8"?>
+<p:sld xmlns:a="http://schemas.openxmlformats.org/drawingml/2006/main" xmlns:r="http://schemas.openxmlformats.org/officeDocument/2006/relationships" xmlns:p="http://schemas.openxmlformats.org/presentationml/2006/main">
+  <p:cSld>
+    <p:spTree>
+      <p:nvGrpSpPr>
+        <p:cNvPr id="1" name=""/>
+        <p:cNvGrpSpPr/>
+        <p:nvPr/>
+      </p:nvGrpSpPr>
+      <p:grpSpPr>
+        <a:xfrm>
+          <a:off x="0" y="0"/>
+          <a:ext cx="0" cy="0"/>
+          <a:chOff x="0" y="0"/>
+          <a:chExt cx="0" cy="0"/>
+        </a:xfrm>
+      </p:grpSpPr>
+      <p:sp>
+        <p:nvSpPr>
+          <p:cNvPr id="2" name="Title 1">
+            <a:extLst>
+              <a:ext uri="{FF2B5EF4-FFF2-40B4-BE49-F238E27FC236}">
+                <a16:creationId xmlns:a16="http://schemas.microsoft.com/office/drawing/2014/main" id="{B6E46BEA-77D9-8EFF-456F-F2A05B299B83}"/>
+              </a:ext>
+            </a:extLst>
+          </p:cNvPr>
+          <p:cNvSpPr>
+            <a:spLocks noGrp="1"/>
+          </p:cNvSpPr>
+          <p:nvPr>
+            <p:ph type="title"/>
+          </p:nvPr>
+        </p:nvSpPr>
+        <p:spPr/>
+        <p:txBody>
+          <a:bodyPr/>
+          <a:lstStyle/>
+          <a:p>
+            <a:r>
+              <a:rPr lang="en-US" dirty="0"/>
+              <a:t>Ecological detective</a:t>
+            </a:r>
+          </a:p>
+        </p:txBody>
+      </p:sp>
+      <p:sp>
+        <p:nvSpPr>
+          <p:cNvPr id="3" name="Content Placeholder 2">
+            <a:extLst>
+              <a:ext uri="{FF2B5EF4-FFF2-40B4-BE49-F238E27FC236}">
+                <a16:creationId xmlns:a16="http://schemas.microsoft.com/office/drawing/2014/main" id="{E5BC8B96-3B7E-3B06-B618-D6A9C44AE51D}"/>
+              </a:ext>
+            </a:extLst>
+          </p:cNvPr>
+          <p:cNvSpPr>
+            <a:spLocks noGrp="1"/>
+          </p:cNvSpPr>
+          <p:nvPr>
+            <p:ph idx="1"/>
+          </p:nvPr>
+        </p:nvSpPr>
+        <p:spPr/>
+        <p:txBody>
+          <a:bodyPr/>
+          <a:lstStyle/>
+          <a:p>
+            <a:pPr marL="0" indent="0">
+              <a:buNone/>
+            </a:pPr>
+            <a:endParaRPr lang="en-US" dirty="0"/>
+          </a:p>
+        </p:txBody>
+      </p:sp>
+    </p:spTree>
+    <p:extLst>
+      <p:ext uri="{BB962C8B-B14F-4D97-AF65-F5344CB8AC3E}">
+        <p14:creationId xmlns:p14="http://schemas.microsoft.com/office/powerpoint/2010/main" val="272441377"/>
+      </p:ext>
+    </p:extLst>
+  </p:cSld>
+  <p:clrMapOvr>
+    <a:masterClrMapping/>
+  </p:clrMapOvr>
+</p:sld>
+</file>
+
+<file path=ppt/slides/slide7.xml><?xml version="1.0" encoding="utf-8"?>
+<p:sld xmlns:a="http://schemas.openxmlformats.org/drawingml/2006/main" xmlns:r="http://schemas.openxmlformats.org/officeDocument/2006/relationships" xmlns:p="http://schemas.openxmlformats.org/presentationml/2006/main">
+  <p:cSld>
+    <p:spTree>
+      <p:nvGrpSpPr>
+        <p:cNvPr id="1" name=""/>
+        <p:cNvGrpSpPr/>
+        <p:nvPr/>
+      </p:nvGrpSpPr>
+      <p:grpSpPr>
+        <a:xfrm>
+          <a:off x="0" y="0"/>
+          <a:ext cx="0" cy="0"/>
+          <a:chOff x="0" y="0"/>
+          <a:chExt cx="0" cy="0"/>
+        </a:xfrm>
+      </p:grpSpPr>
+      <p:sp>
+        <p:nvSpPr>
+          <p:cNvPr id="2" name="Title 1">
+            <a:extLst>
+              <a:ext uri="{FF2B5EF4-FFF2-40B4-BE49-F238E27FC236}">
+                <a16:creationId xmlns:a16="http://schemas.microsoft.com/office/drawing/2014/main" id="{9DB04AF2-BF7A-A96F-2740-C07FFCF78F5A}"/>
+              </a:ext>
+            </a:extLst>
+          </p:cNvPr>
+          <p:cNvSpPr>
+            <a:spLocks noGrp="1"/>
+          </p:cNvSpPr>
+          <p:nvPr>
+            <p:ph type="title"/>
+          </p:nvPr>
+        </p:nvSpPr>
+        <p:spPr/>
+        <p:txBody>
+          <a:bodyPr/>
+          <a:lstStyle/>
+          <a:p>
+            <a:r>
+              <a:rPr lang="en-US" dirty="0"/>
+              <a:t>State space models</a:t>
+            </a:r>
+          </a:p>
+        </p:txBody>
+      </p:sp>
+      <p:sp>
+        <p:nvSpPr>
+          <p:cNvPr id="3" name="Content Placeholder 2">
+            <a:extLst>
+              <a:ext uri="{FF2B5EF4-FFF2-40B4-BE49-F238E27FC236}">
+                <a16:creationId xmlns:a16="http://schemas.microsoft.com/office/drawing/2014/main" id="{3A183118-89C6-53A7-E1AC-CF24905E813B}"/>
+              </a:ext>
+            </a:extLst>
+          </p:cNvPr>
+          <p:cNvSpPr>
+            <a:spLocks noGrp="1"/>
+          </p:cNvSpPr>
+          <p:nvPr>
+            <p:ph idx="1"/>
+          </p:nvPr>
+        </p:nvSpPr>
+        <p:spPr/>
+        <p:txBody>
+          <a:bodyPr/>
+          <a:lstStyle/>
+          <a:p>
+            <a:r>
+              <a:rPr lang="en-US" dirty="0"/>
+              <a:t>For time series analysis, also referred to as hidden Markov models</a:t>
+            </a:r>
+          </a:p>
+          <a:p>
+            <a:r>
+              <a:rPr lang="en-US" dirty="0"/>
+              <a:t>hidden =&gt; latent; Markov =&gt; next state depends only on current state</a:t>
+            </a:r>
+          </a:p>
+          <a:p>
+            <a:pPr marL="0" indent="0">
+              <a:buNone/>
+            </a:pPr>
+            <a:endParaRPr lang="en-US" dirty="0"/>
+          </a:p>
+        </p:txBody>
+      </p:sp>
+    </p:spTree>
+    <p:extLst>
+      <p:ext uri="{BB962C8B-B14F-4D97-AF65-F5344CB8AC3E}">
+        <p14:creationId xmlns:p14="http://schemas.microsoft.com/office/powerpoint/2010/main" val="4036158346"/>
+      </p:ext>
+    </p:extLst>
+  </p:cSld>
+  <p:clrMapOvr>
+    <a:masterClrMapping/>
+  </p:clrMapOvr>
+</p:sld>
+</file>
+
+<file path=ppt/slides/slide8.xml><?xml version="1.0" encoding="utf-8"?>
+<p:sld xmlns:a="http://schemas.openxmlformats.org/drawingml/2006/main" xmlns:r="http://schemas.openxmlformats.org/officeDocument/2006/relationships" xmlns:p="http://schemas.openxmlformats.org/presentationml/2006/main">
+  <p:cSld>
+    <p:spTree>
+      <p:nvGrpSpPr>
+        <p:cNvPr id="1" name=""/>
+        <p:cNvGrpSpPr/>
+        <p:nvPr/>
+      </p:nvGrpSpPr>
+      <p:grpSpPr>
+        <a:xfrm>
+          <a:off x="0" y="0"/>
+          <a:ext cx="0" cy="0"/>
+          <a:chOff x="0" y="0"/>
+          <a:chExt cx="0" cy="0"/>
+        </a:xfrm>
+      </p:grpSpPr>
+      <p:pic>
+        <p:nvPicPr>
+          <p:cNvPr id="5" name="Picture 4">
+            <a:extLst>
+              <a:ext uri="{FF2B5EF4-FFF2-40B4-BE49-F238E27FC236}">
+                <a16:creationId xmlns:a16="http://schemas.microsoft.com/office/drawing/2014/main" id="{E80785CC-9B43-4F67-2126-9E97CCCB8EA2}"/>
+              </a:ext>
+            </a:extLst>
+          </p:cNvPr>
+          <p:cNvPicPr>
+            <a:picLocks noChangeAspect="1"/>
+          </p:cNvPicPr>
+          <p:nvPr/>
+        </p:nvPicPr>
+        <p:blipFill>
+          <a:blip r:embed="rId2"/>
+          <a:stretch>
+            <a:fillRect/>
+          </a:stretch>
+        </p:blipFill>
+        <p:spPr>
+          <a:xfrm>
+            <a:off x="975126" y="531253"/>
+            <a:ext cx="9864969" cy="5795493"/>
+          </a:xfrm>
+          <a:prstGeom prst="rect">
+            <a:avLst/>
+          </a:prstGeom>
+        </p:spPr>
+      </p:pic>
+    </p:spTree>
+    <p:extLst>
+      <p:ext uri="{BB962C8B-B14F-4D97-AF65-F5344CB8AC3E}">
+        <p14:creationId xmlns:p14="http://schemas.microsoft.com/office/powerpoint/2010/main" val="1047370488"/>
+      </p:ext>
+    </p:extLst>
+  </p:cSld>
+  <p:clrMapOvr>
+    <a:masterClrMapping/>
+  </p:clrMapOvr>
+</p:sld>
+</file>
+
+<file path=ppt/slides/slide9.xml><?xml version="1.0" encoding="utf-8"?>
+<p:sld xmlns:a="http://schemas.openxmlformats.org/drawingml/2006/main" xmlns:r="http://schemas.openxmlformats.org/officeDocument/2006/relationships" xmlns:p="http://schemas.openxmlformats.org/presentationml/2006/main">
+  <p:cSld>
+    <p:spTree>
+      <p:nvGrpSpPr>
+        <p:cNvPr id="1" name=""/>
+        <p:cNvGrpSpPr/>
+        <p:nvPr/>
+      </p:nvGrpSpPr>
+      <p:grpSpPr>
+        <a:xfrm>
+          <a:off x="0" y="0"/>
+          <a:ext cx="0" cy="0"/>
+          <a:chOff x="0" y="0"/>
+          <a:chExt cx="0" cy="0"/>
+        </a:xfrm>
+      </p:grpSpPr>
+      <p:pic>
+        <p:nvPicPr>
+          <p:cNvPr id="5" name="Picture 4">
+            <a:extLst>
+              <a:ext uri="{FF2B5EF4-FFF2-40B4-BE49-F238E27FC236}">
+                <a16:creationId xmlns:a16="http://schemas.microsoft.com/office/drawing/2014/main" id="{812E1B48-5D7B-75CF-B820-3BC47100E7E1}"/>
+              </a:ext>
+            </a:extLst>
+          </p:cNvPr>
+          <p:cNvPicPr>
+            <a:picLocks noChangeAspect="1"/>
+          </p:cNvPicPr>
+          <p:nvPr/>
+        </p:nvPicPr>
+        <p:blipFill>
+          <a:blip r:embed="rId2"/>
+          <a:stretch>
+            <a:fillRect/>
+          </a:stretch>
+        </p:blipFill>
+        <p:spPr>
+          <a:xfrm>
+            <a:off x="213607" y="483547"/>
+            <a:ext cx="11764786" cy="5890906"/>
+          </a:xfrm>
+          <a:prstGeom prst="rect">
+            <a:avLst/>
+          </a:prstGeom>
+        </p:spPr>
+      </p:pic>
+    </p:spTree>
+    <p:extLst>
+      <p:ext uri="{BB962C8B-B14F-4D97-AF65-F5344CB8AC3E}">
+        <p14:creationId xmlns:p14="http://schemas.microsoft.com/office/powerpoint/2010/main" val="1850620965"/>
       </p:ext>
     </p:extLst>
   </p:cSld>

--- a/amy-lectures/State_Space_Models.pptx
+++ b/amy-lectures/State_Space_Models.pptx
@@ -5,24 +5,36 @@
     <p:sldMasterId id="2147483648" r:id="rId1"/>
   </p:sldMasterIdLst>
   <p:notesMasterIdLst>
-    <p:notesMasterId r:id="rId17"/>
+    <p:notesMasterId r:id="rId29"/>
   </p:notesMasterIdLst>
   <p:sldIdLst>
     <p:sldId id="256" r:id="rId2"/>
     <p:sldId id="302" r:id="rId3"/>
-    <p:sldId id="304" r:id="rId4"/>
-    <p:sldId id="303" r:id="rId5"/>
-    <p:sldId id="310" r:id="rId6"/>
-    <p:sldId id="305" r:id="rId7"/>
-    <p:sldId id="306" r:id="rId8"/>
-    <p:sldId id="307" r:id="rId9"/>
-    <p:sldId id="308" r:id="rId10"/>
-    <p:sldId id="309" r:id="rId11"/>
-    <p:sldId id="311" r:id="rId12"/>
-    <p:sldId id="312" r:id="rId13"/>
-    <p:sldId id="313" r:id="rId14"/>
-    <p:sldId id="314" r:id="rId15"/>
-    <p:sldId id="315" r:id="rId16"/>
+    <p:sldId id="305" r:id="rId4"/>
+    <p:sldId id="304" r:id="rId5"/>
+    <p:sldId id="303" r:id="rId6"/>
+    <p:sldId id="310" r:id="rId7"/>
+    <p:sldId id="316" r:id="rId8"/>
+    <p:sldId id="306" r:id="rId9"/>
+    <p:sldId id="307" r:id="rId10"/>
+    <p:sldId id="308" r:id="rId11"/>
+    <p:sldId id="327" r:id="rId12"/>
+    <p:sldId id="309" r:id="rId13"/>
+    <p:sldId id="311" r:id="rId14"/>
+    <p:sldId id="312" r:id="rId15"/>
+    <p:sldId id="317" r:id="rId16"/>
+    <p:sldId id="318" r:id="rId17"/>
+    <p:sldId id="320" r:id="rId18"/>
+    <p:sldId id="313" r:id="rId19"/>
+    <p:sldId id="321" r:id="rId20"/>
+    <p:sldId id="314" r:id="rId21"/>
+    <p:sldId id="315" r:id="rId22"/>
+    <p:sldId id="319" r:id="rId23"/>
+    <p:sldId id="326" r:id="rId24"/>
+    <p:sldId id="322" r:id="rId25"/>
+    <p:sldId id="323" r:id="rId26"/>
+    <p:sldId id="324" r:id="rId27"/>
+    <p:sldId id="325" r:id="rId28"/>
   </p:sldIdLst>
   <p:sldSz cx="12192000" cy="6858000"/>
   <p:notesSz cx="6858000" cy="9144000"/>
@@ -3882,70 +3894,70 @@
           <a:chExt cx="0" cy="0"/>
         </a:xfrm>
       </p:grpSpPr>
-      <p:sp>
-        <p:nvSpPr>
-          <p:cNvPr id="2" name="Title 1">
-            <a:extLst>
-              <a:ext uri="{FF2B5EF4-FFF2-40B4-BE49-F238E27FC236}">
-                <a16:creationId xmlns:a16="http://schemas.microsoft.com/office/drawing/2014/main" id="{66C419D4-E718-18DB-B37E-2B1EC7276BD0}"/>
-              </a:ext>
-            </a:extLst>
-          </p:cNvPr>
-          <p:cNvSpPr>
-            <a:spLocks noGrp="1"/>
-          </p:cNvSpPr>
-          <p:nvPr>
-            <p:ph type="title"/>
-          </p:nvPr>
-        </p:nvSpPr>
-        <p:spPr/>
-        <p:txBody>
-          <a:bodyPr/>
-          <a:lstStyle/>
-          <a:p>
-            <a:r>
-              <a:rPr lang="en-US" dirty="0"/>
-              <a:t>Key concepts</a:t>
-            </a:r>
-          </a:p>
-        </p:txBody>
-      </p:sp>
-      <p:sp>
-        <p:nvSpPr>
-          <p:cNvPr id="3" name="Content Placeholder 2">
-            <a:extLst>
-              <a:ext uri="{FF2B5EF4-FFF2-40B4-BE49-F238E27FC236}">
-                <a16:creationId xmlns:a16="http://schemas.microsoft.com/office/drawing/2014/main" id="{A1EC2447-5293-18EC-FFB2-0007413CC04F}"/>
-              </a:ext>
-            </a:extLst>
-          </p:cNvPr>
-          <p:cNvSpPr>
-            <a:spLocks noGrp="1"/>
-          </p:cNvSpPr>
-          <p:nvPr>
-            <p:ph idx="1"/>
-          </p:nvPr>
-        </p:nvSpPr>
-        <p:spPr/>
-        <p:txBody>
-          <a:bodyPr/>
-          <a:lstStyle/>
-          <a:p>
-            <a:pPr marL="0" indent="0">
-              <a:buNone/>
-            </a:pPr>
-            <a:r>
-              <a:rPr lang="en-US" dirty="0"/>
-              <a:t>3. Because of their capacity to flexibly capture and partition a wide range of uncertainties and address the complexities of real data, Dietz recommends state space models as the basis of forecasting.</a:t>
-            </a:r>
-          </a:p>
-          <a:p>
-            <a:pPr marL="0" indent="0">
-              <a:buNone/>
-            </a:pPr>
-            <a:r>
-              <a:rPr lang="en-US" dirty="0"/>
-              <a:t>5. Missing data gaps and irregularly spaced data are handled automatically with uncertainties increasing with distance to the nearest observation.</a:t>
+      <p:pic>
+        <p:nvPicPr>
+          <p:cNvPr id="5" name="Picture 4">
+            <a:extLst>
+              <a:ext uri="{FF2B5EF4-FFF2-40B4-BE49-F238E27FC236}">
+                <a16:creationId xmlns:a16="http://schemas.microsoft.com/office/drawing/2014/main" id="{812E1B48-5D7B-75CF-B820-3BC47100E7E1}"/>
+              </a:ext>
+            </a:extLst>
+          </p:cNvPr>
+          <p:cNvPicPr>
+            <a:picLocks noChangeAspect="1"/>
+          </p:cNvPicPr>
+          <p:nvPr/>
+        </p:nvPicPr>
+        <p:blipFill>
+          <a:blip r:embed="rId2"/>
+          <a:stretch>
+            <a:fillRect/>
+          </a:stretch>
+        </p:blipFill>
+        <p:spPr>
+          <a:xfrm>
+            <a:off x="213607" y="483547"/>
+            <a:ext cx="11764786" cy="5890906"/>
+          </a:xfrm>
+          <a:prstGeom prst="rect">
+            <a:avLst/>
+          </a:prstGeom>
+        </p:spPr>
+      </p:pic>
+      <p:sp>
+        <p:nvSpPr>
+          <p:cNvPr id="6" name="TextBox 5">
+            <a:extLst>
+              <a:ext uri="{FF2B5EF4-FFF2-40B4-BE49-F238E27FC236}">
+                <a16:creationId xmlns:a16="http://schemas.microsoft.com/office/drawing/2014/main" id="{0A80ECDD-123B-8E0F-981A-D3989A452700}"/>
+              </a:ext>
+            </a:extLst>
+          </p:cNvPr>
+          <p:cNvSpPr txBox="1"/>
+          <p:nvPr/>
+        </p:nvSpPr>
+        <p:spPr>
+          <a:xfrm>
+            <a:off x="8472552" y="6470413"/>
+            <a:ext cx="3506088" cy="369332"/>
+          </a:xfrm>
+          <a:prstGeom prst="rect">
+            <a:avLst/>
+          </a:prstGeom>
+          <a:noFill/>
+        </p:spPr>
+        <p:txBody>
+          <a:bodyPr wrap="none" rtlCol="0">
+            <a:spAutoFit/>
+          </a:bodyPr>
+          <a:lstStyle/>
+          <a:p>
+            <a:r>
+              <a:rPr lang="en-US" dirty="0">
+                <a:latin typeface="Times New Roman" panose="02020603050405020304" pitchFamily="18" charset="0"/>
+                <a:cs typeface="Times New Roman" panose="02020603050405020304" pitchFamily="18" charset="0"/>
+              </a:rPr>
+              <a:t>Dietz 2017. Ecological forecasting.</a:t>
             </a:r>
           </a:p>
         </p:txBody>
@@ -3953,7 +3965,7 @@
     </p:spTree>
     <p:extLst>
       <p:ext uri="{BB962C8B-B14F-4D97-AF65-F5344CB8AC3E}">
-        <p14:creationId xmlns:p14="http://schemas.microsoft.com/office/powerpoint/2010/main" val="1730632547"/>
+        <p14:creationId xmlns:p14="http://schemas.microsoft.com/office/powerpoint/2010/main" val="1850620965"/>
       </p:ext>
     </p:extLst>
   </p:cSld>
@@ -3985,7 +3997,7 @@
           <p:cNvPr id="2" name="Title 1">
             <a:extLst>
               <a:ext uri="{FF2B5EF4-FFF2-40B4-BE49-F238E27FC236}">
-                <a16:creationId xmlns:a16="http://schemas.microsoft.com/office/drawing/2014/main" id="{31B7AC8E-9009-9E4D-4E56-AC6250D6362E}"/>
+                <a16:creationId xmlns:a16="http://schemas.microsoft.com/office/drawing/2014/main" id="{E3C7BBDF-CA4F-908D-F67C-369EAA787300}"/>
               </a:ext>
             </a:extLst>
           </p:cNvPr>
@@ -3996,58 +4008,186 @@
             <p:ph type="title"/>
           </p:nvPr>
         </p:nvSpPr>
-        <p:spPr/>
-        <p:txBody>
-          <a:bodyPr/>
+        <p:spPr>
+          <a:xfrm>
+            <a:off x="126609" y="595030"/>
+            <a:ext cx="12192000" cy="1325563"/>
+          </a:xfrm>
+        </p:spPr>
+        <p:txBody>
+          <a:bodyPr>
+            <a:normAutofit fontScale="90000"/>
+          </a:bodyPr>
           <a:lstStyle/>
           <a:p>
             <a:r>
               <a:rPr lang="en-US" dirty="0"/>
-              <a:t>Ch 9 Fusing Data Sources</a:t>
-            </a:r>
-          </a:p>
-        </p:txBody>
-      </p:sp>
-      <p:sp>
-        <p:nvSpPr>
-          <p:cNvPr id="3" name="Content Placeholder 2">
-            <a:extLst>
-              <a:ext uri="{FF2B5EF4-FFF2-40B4-BE49-F238E27FC236}">
-                <a16:creationId xmlns:a16="http://schemas.microsoft.com/office/drawing/2014/main" id="{E3D20841-03CF-76A8-A9C1-794B21793860}"/>
-              </a:ext>
-            </a:extLst>
-          </p:cNvPr>
-          <p:cNvSpPr>
-            <a:spLocks noGrp="1"/>
-          </p:cNvSpPr>
-          <p:nvPr>
-            <p:ph idx="1"/>
-          </p:nvPr>
-        </p:nvSpPr>
-        <p:spPr>
-          <a:xfrm>
-            <a:off x="1545465" y="2207116"/>
-            <a:ext cx="8551572" cy="3073221"/>
-          </a:xfrm>
-        </p:spPr>
-        <p:txBody>
-          <a:bodyPr/>
-          <a:lstStyle/>
-          <a:p>
-            <a:pPr marL="0" indent="0">
+              <a:t>That process model was not SIR – that was a random walk…</a:t>
+            </a:r>
+          </a:p>
+        </p:txBody>
+      </p:sp>
+      <p:pic>
+        <p:nvPicPr>
+          <p:cNvPr id="4" name="Picture 3">
+            <a:extLst>
+              <a:ext uri="{FF2B5EF4-FFF2-40B4-BE49-F238E27FC236}">
+                <a16:creationId xmlns:a16="http://schemas.microsoft.com/office/drawing/2014/main" id="{331CC737-CCB7-47D9-F10D-2DA355C4CBDF}"/>
+              </a:ext>
+            </a:extLst>
+          </p:cNvPr>
+          <p:cNvPicPr>
+            <a:picLocks noChangeAspect="1"/>
+          </p:cNvPicPr>
+          <p:nvPr/>
+        </p:nvPicPr>
+        <p:blipFill>
+          <a:blip r:embed="rId2"/>
+          <a:stretch>
+            <a:fillRect/>
+          </a:stretch>
+        </p:blipFill>
+        <p:spPr>
+          <a:xfrm>
+            <a:off x="4413798" y="2554359"/>
+            <a:ext cx="3083051" cy="1325563"/>
+          </a:xfrm>
+          <a:prstGeom prst="rect">
+            <a:avLst/>
+          </a:prstGeom>
+        </p:spPr>
+      </p:pic>
+      <p:sp>
+        <p:nvSpPr>
+          <p:cNvPr id="5" name="TextBox 4">
+            <a:extLst>
+              <a:ext uri="{FF2B5EF4-FFF2-40B4-BE49-F238E27FC236}">
+                <a16:creationId xmlns:a16="http://schemas.microsoft.com/office/drawing/2014/main" id="{AD75D2D0-81E3-1D29-CDF0-9965668C9910}"/>
+              </a:ext>
+            </a:extLst>
+          </p:cNvPr>
+          <p:cNvSpPr txBox="1"/>
+          <p:nvPr/>
+        </p:nvSpPr>
+        <p:spPr>
+          <a:xfrm>
+            <a:off x="4413798" y="5683591"/>
+            <a:ext cx="8335205" cy="369332"/>
+          </a:xfrm>
+          <a:prstGeom prst="rect">
+            <a:avLst/>
+          </a:prstGeom>
+          <a:noFill/>
+        </p:spPr>
+        <p:txBody>
+          <a:bodyPr wrap="square">
+            <a:spAutoFit/>
+          </a:bodyPr>
+          <a:lstStyle/>
+          <a:p>
+            <a:r>
+              <a:rPr lang="en-US" dirty="0">
+                <a:hlinkClick r:id="rId3"/>
+              </a:rPr>
+              <a:t>https://</a:t>
+            </a:r>
+            <a:r>
+              <a:rPr lang="en-US" dirty="0" err="1">
+                <a:hlinkClick r:id="rId3"/>
+              </a:rPr>
+              <a:t>canmod.github.io</a:t>
+            </a:r>
+            <a:r>
+              <a:rPr lang="en-US" dirty="0">
+                <a:hlinkClick r:id="rId3"/>
+              </a:rPr>
+              <a:t>/</a:t>
+            </a:r>
+            <a:r>
+              <a:rPr lang="en-US" dirty="0" err="1">
+                <a:hlinkClick r:id="rId3"/>
+              </a:rPr>
+              <a:t>macpan</a:t>
+            </a:r>
+            <a:r>
+              <a:rPr lang="en-US" dirty="0">
+                <a:hlinkClick r:id="rId3"/>
+              </a:rPr>
+              <a:t>-book/</a:t>
+            </a:r>
+            <a:r>
+              <a:rPr lang="en-US" dirty="0" err="1">
+                <a:hlinkClick r:id="rId3"/>
+              </a:rPr>
+              <a:t>index.html#history-and-motivation</a:t>
+            </a:r>
+            <a:endParaRPr lang="en-US" dirty="0"/>
+          </a:p>
+        </p:txBody>
+      </p:sp>
+      <p:sp>
+        <p:nvSpPr>
+          <p:cNvPr id="6" name="Title 1">
+            <a:extLst>
+              <a:ext uri="{FF2B5EF4-FFF2-40B4-BE49-F238E27FC236}">
+                <a16:creationId xmlns:a16="http://schemas.microsoft.com/office/drawing/2014/main" id="{5738956E-43C6-6F94-CC51-FA470FD5EAD0}"/>
+              </a:ext>
+            </a:extLst>
+          </p:cNvPr>
+          <p:cNvSpPr txBox="1">
+            <a:spLocks/>
+          </p:cNvSpPr>
+          <p:nvPr/>
+        </p:nvSpPr>
+        <p:spPr>
+          <a:xfrm>
+            <a:off x="126609" y="4303641"/>
+            <a:ext cx="12192000" cy="1325563"/>
+          </a:xfrm>
+          <a:prstGeom prst="rect">
+            <a:avLst/>
+          </a:prstGeom>
+        </p:spPr>
+        <p:txBody>
+          <a:bodyPr vert="horz" lIns="91440" tIns="45720" rIns="91440" bIns="45720" rtlCol="0" anchor="ctr">
+            <a:normAutofit fontScale="90000" lnSpcReduction="20000"/>
+          </a:bodyPr>
+          <a:lstStyle>
+            <a:lvl1pPr algn="ctr" defTabSz="914400" rtl="0" eaLnBrk="1" latinLnBrk="0" hangingPunct="1">
+              <a:lnSpc>
+                <a:spcPct val="90000"/>
+              </a:lnSpc>
+              <a:spcBef>
+                <a:spcPct val="0"/>
+              </a:spcBef>
               <a:buNone/>
-            </a:pPr>
-            <a:r>
-              <a:rPr lang="en-US" i="1" dirty="0"/>
-              <a:t>“Balancing the information provided by different data sources remains among the most debated topics in ecological model-data fusion”</a:t>
-            </a:r>
+              <a:defRPr sz="6000" b="1" kern="1200">
+                <a:solidFill>
+                  <a:schemeClr val="tx1"/>
+                </a:solidFill>
+                <a:latin typeface="+mj-lt"/>
+                <a:ea typeface="+mj-ea"/>
+                <a:cs typeface="+mj-cs"/>
+              </a:defRPr>
+            </a:lvl1pPr>
+          </a:lstStyle>
+          <a:p>
+            <a:r>
+              <a:rPr lang="en-US" dirty="0"/>
+              <a:t>…. much less epidemiological detail than </a:t>
+            </a:r>
+            <a:r>
+              <a:rPr lang="en-US" dirty="0" err="1"/>
+              <a:t>McMasterPandemic</a:t>
+            </a:r>
+            <a:endParaRPr lang="en-US" dirty="0"/>
           </a:p>
         </p:txBody>
       </p:sp>
     </p:spTree>
     <p:extLst>
       <p:ext uri="{BB962C8B-B14F-4D97-AF65-F5344CB8AC3E}">
-        <p14:creationId xmlns:p14="http://schemas.microsoft.com/office/powerpoint/2010/main" val="3694380036"/>
+        <p14:creationId xmlns:p14="http://schemas.microsoft.com/office/powerpoint/2010/main" val="4185314468"/>
       </p:ext>
     </p:extLst>
   </p:cSld>
@@ -4079,7 +4219,7 @@
           <p:cNvPr id="2" name="Title 1">
             <a:extLst>
               <a:ext uri="{FF2B5EF4-FFF2-40B4-BE49-F238E27FC236}">
-                <a16:creationId xmlns:a16="http://schemas.microsoft.com/office/drawing/2014/main" id="{E5700A19-12D5-B59A-3D6B-0B1E023348C9}"/>
+                <a16:creationId xmlns:a16="http://schemas.microsoft.com/office/drawing/2014/main" id="{66C419D4-E718-18DB-B37E-2B1EC7276BD0}"/>
               </a:ext>
             </a:extLst>
           </p:cNvPr>
@@ -4097,7 +4237,7 @@
           <a:p>
             <a:r>
               <a:rPr lang="en-US" dirty="0"/>
-              <a:t>Fusing data sources</a:t>
+              <a:t>Key concepts</a:t>
             </a:r>
           </a:p>
         </p:txBody>
@@ -4107,7 +4247,7 @@
           <p:cNvPr id="3" name="Content Placeholder 2">
             <a:extLst>
               <a:ext uri="{FF2B5EF4-FFF2-40B4-BE49-F238E27FC236}">
-                <a16:creationId xmlns:a16="http://schemas.microsoft.com/office/drawing/2014/main" id="{25EDDDB5-F4D2-E3AA-306D-ECECA1A12FAF}"/>
+                <a16:creationId xmlns:a16="http://schemas.microsoft.com/office/drawing/2014/main" id="{A1EC2447-5293-18EC-FFB2-0007413CC04F}"/>
               </a:ext>
             </a:extLst>
           </p:cNvPr>
@@ -4123,21 +4263,59 @@
           <a:bodyPr/>
           <a:lstStyle/>
           <a:p>
+            <a:pPr marL="0" indent="0">
+              <a:buNone/>
+            </a:pPr>
             <a:r>
               <a:rPr lang="en-US" dirty="0"/>
-              <a:t>Fusing data involves more than joining data sources</a:t>
-            </a:r>
-          </a:p>
-          <a:p>
+              <a:t>3. Because of their capacity to flexibly capture and partition a wide range of uncertainties and address the complexities of real data, Dietz recommends state space models as the basis of forecasting.</a:t>
+            </a:r>
+          </a:p>
+          <a:p>
+            <a:pPr marL="0" indent="0">
+              <a:buNone/>
+            </a:pPr>
             <a:r>
               <a:rPr lang="en-US" dirty="0"/>
-              <a:t>Naïve interpolation or extrapolation can lead to biased and overconfident results</a:t>
-            </a:r>
-          </a:p>
-          <a:p>
-            <a:r>
-              <a:rPr lang="en-US" dirty="0"/>
-              <a:t>Covariances are critical to leverage complementary data types</a:t>
+              <a:t>5. Missing data gaps and irregularly spaced data are handled automatically with uncertainties increasing with distance to the nearest observation.</a:t>
+            </a:r>
+          </a:p>
+        </p:txBody>
+      </p:sp>
+      <p:sp>
+        <p:nvSpPr>
+          <p:cNvPr id="4" name="TextBox 3">
+            <a:extLst>
+              <a:ext uri="{FF2B5EF4-FFF2-40B4-BE49-F238E27FC236}">
+                <a16:creationId xmlns:a16="http://schemas.microsoft.com/office/drawing/2014/main" id="{CBD97D83-F90B-2BB8-4699-DA1E6B7197C8}"/>
+              </a:ext>
+            </a:extLst>
+          </p:cNvPr>
+          <p:cNvSpPr txBox="1"/>
+          <p:nvPr/>
+        </p:nvSpPr>
+        <p:spPr>
+          <a:xfrm>
+            <a:off x="8472552" y="6470413"/>
+            <a:ext cx="3506088" cy="369332"/>
+          </a:xfrm>
+          <a:prstGeom prst="rect">
+            <a:avLst/>
+          </a:prstGeom>
+          <a:noFill/>
+        </p:spPr>
+        <p:txBody>
+          <a:bodyPr wrap="none" rtlCol="0">
+            <a:spAutoFit/>
+          </a:bodyPr>
+          <a:lstStyle/>
+          <a:p>
+            <a:r>
+              <a:rPr lang="en-US" dirty="0">
+                <a:latin typeface="Times New Roman" panose="02020603050405020304" pitchFamily="18" charset="0"/>
+                <a:cs typeface="Times New Roman" panose="02020603050405020304" pitchFamily="18" charset="0"/>
+              </a:rPr>
+              <a:t>Dietz 2017. Ecological forecasting.</a:t>
             </a:r>
           </a:p>
         </p:txBody>
@@ -4145,7 +4323,7 @@
     </p:spTree>
     <p:extLst>
       <p:ext uri="{BB962C8B-B14F-4D97-AF65-F5344CB8AC3E}">
-        <p14:creationId xmlns:p14="http://schemas.microsoft.com/office/powerpoint/2010/main" val="1355424866"/>
+        <p14:creationId xmlns:p14="http://schemas.microsoft.com/office/powerpoint/2010/main" val="1730632547"/>
       </p:ext>
     </p:extLst>
   </p:cSld>
@@ -4177,7 +4355,7 @@
           <p:cNvPr id="2" name="Title 1">
             <a:extLst>
               <a:ext uri="{FF2B5EF4-FFF2-40B4-BE49-F238E27FC236}">
-                <a16:creationId xmlns:a16="http://schemas.microsoft.com/office/drawing/2014/main" id="{E5700A19-12D5-B59A-3D6B-0B1E023348C9}"/>
+                <a16:creationId xmlns:a16="http://schemas.microsoft.com/office/drawing/2014/main" id="{31B7AC8E-9009-9E4D-4E56-AC6250D6362E}"/>
               </a:ext>
             </a:extLst>
           </p:cNvPr>
@@ -4195,7 +4373,7 @@
           <a:p>
             <a:r>
               <a:rPr lang="en-US" dirty="0"/>
-              <a:t>Meta-analysis</a:t>
+              <a:t>Ch 9 Fusing Data Sources</a:t>
             </a:r>
           </a:p>
         </p:txBody>
@@ -4205,7 +4383,7 @@
           <p:cNvPr id="3" name="Content Placeholder 2">
             <a:extLst>
               <a:ext uri="{FF2B5EF4-FFF2-40B4-BE49-F238E27FC236}">
-                <a16:creationId xmlns:a16="http://schemas.microsoft.com/office/drawing/2014/main" id="{25EDDDB5-F4D2-E3AA-306D-ECECA1A12FAF}"/>
+                <a16:creationId xmlns:a16="http://schemas.microsoft.com/office/drawing/2014/main" id="{E3D20841-03CF-76A8-A9C1-794B21793860}"/>
               </a:ext>
             </a:extLst>
           </p:cNvPr>
@@ -4216,20 +4394,60 @@
             <p:ph idx="1"/>
           </p:nvPr>
         </p:nvSpPr>
-        <p:spPr/>
+        <p:spPr>
+          <a:xfrm>
+            <a:off x="1545465" y="2207116"/>
+            <a:ext cx="8551572" cy="3073221"/>
+          </a:xfrm>
+        </p:spPr>
         <p:txBody>
           <a:bodyPr/>
           <a:lstStyle/>
           <a:p>
-            <a:r>
-              <a:rPr lang="en-US" dirty="0"/>
-              <a:t>Meta-analyses combine information, usually in the form of summary statistics from independent studies</a:t>
-            </a:r>
-          </a:p>
-          <a:p>
-            <a:r>
-              <a:rPr lang="en-US" dirty="0"/>
-              <a:t>Reporting bias is a challenge for high quality meta-analyses; that is that negative results are not reported</a:t>
+            <a:pPr marL="0" indent="0">
+              <a:buNone/>
+            </a:pPr>
+            <a:r>
+              <a:rPr lang="en-US" i="1" dirty="0"/>
+              <a:t>“Balancing the information provided by different data sources remains among the most debated topics in ecological model-data fusion”</a:t>
+            </a:r>
+          </a:p>
+        </p:txBody>
+      </p:sp>
+      <p:sp>
+        <p:nvSpPr>
+          <p:cNvPr id="4" name="TextBox 3">
+            <a:extLst>
+              <a:ext uri="{FF2B5EF4-FFF2-40B4-BE49-F238E27FC236}">
+                <a16:creationId xmlns:a16="http://schemas.microsoft.com/office/drawing/2014/main" id="{9CD878D0-4EAF-E16E-89A1-B463FC2FE25F}"/>
+              </a:ext>
+            </a:extLst>
+          </p:cNvPr>
+          <p:cNvSpPr txBox="1"/>
+          <p:nvPr/>
+        </p:nvSpPr>
+        <p:spPr>
+          <a:xfrm>
+            <a:off x="8472552" y="6470413"/>
+            <a:ext cx="3506088" cy="369332"/>
+          </a:xfrm>
+          <a:prstGeom prst="rect">
+            <a:avLst/>
+          </a:prstGeom>
+          <a:noFill/>
+        </p:spPr>
+        <p:txBody>
+          <a:bodyPr wrap="none" rtlCol="0">
+            <a:spAutoFit/>
+          </a:bodyPr>
+          <a:lstStyle/>
+          <a:p>
+            <a:r>
+              <a:rPr lang="en-US" dirty="0">
+                <a:latin typeface="Times New Roman" panose="02020603050405020304" pitchFamily="18" charset="0"/>
+                <a:cs typeface="Times New Roman" panose="02020603050405020304" pitchFamily="18" charset="0"/>
+              </a:rPr>
+              <a:t>Dietz 2017. Ecological forecasting.</a:t>
             </a:r>
           </a:p>
         </p:txBody>
@@ -4237,7 +4455,7 @@
     </p:spTree>
     <p:extLst>
       <p:ext uri="{BB962C8B-B14F-4D97-AF65-F5344CB8AC3E}">
-        <p14:creationId xmlns:p14="http://schemas.microsoft.com/office/powerpoint/2010/main" val="3907890477"/>
+        <p14:creationId xmlns:p14="http://schemas.microsoft.com/office/powerpoint/2010/main" val="3694380036"/>
       </p:ext>
     </p:extLst>
   </p:cSld>
@@ -4264,40 +4482,116 @@
           <a:chExt cx="0" cy="0"/>
         </a:xfrm>
       </p:grpSpPr>
-      <p:pic>
-        <p:nvPicPr>
-          <p:cNvPr id="5" name="Picture 4">
-            <a:extLst>
-              <a:ext uri="{FF2B5EF4-FFF2-40B4-BE49-F238E27FC236}">
-                <a16:creationId xmlns:a16="http://schemas.microsoft.com/office/drawing/2014/main" id="{1CA05E1A-439F-174F-A63A-EF3BE1A44E39}"/>
-              </a:ext>
-            </a:extLst>
-          </p:cNvPr>
-          <p:cNvPicPr>
-            <a:picLocks noChangeAspect="1"/>
-          </p:cNvPicPr>
+      <p:sp>
+        <p:nvSpPr>
+          <p:cNvPr id="2" name="Title 1">
+            <a:extLst>
+              <a:ext uri="{FF2B5EF4-FFF2-40B4-BE49-F238E27FC236}">
+                <a16:creationId xmlns:a16="http://schemas.microsoft.com/office/drawing/2014/main" id="{E5700A19-12D5-B59A-3D6B-0B1E023348C9}"/>
+              </a:ext>
+            </a:extLst>
+          </p:cNvPr>
+          <p:cNvSpPr>
+            <a:spLocks noGrp="1"/>
+          </p:cNvSpPr>
+          <p:nvPr>
+            <p:ph type="title"/>
+          </p:nvPr>
+        </p:nvSpPr>
+        <p:spPr/>
+        <p:txBody>
+          <a:bodyPr/>
+          <a:lstStyle/>
+          <a:p>
+            <a:r>
+              <a:rPr lang="en-US" dirty="0"/>
+              <a:t>Fusing data sources</a:t>
+            </a:r>
+          </a:p>
+        </p:txBody>
+      </p:sp>
+      <p:sp>
+        <p:nvSpPr>
+          <p:cNvPr id="3" name="Content Placeholder 2">
+            <a:extLst>
+              <a:ext uri="{FF2B5EF4-FFF2-40B4-BE49-F238E27FC236}">
+                <a16:creationId xmlns:a16="http://schemas.microsoft.com/office/drawing/2014/main" id="{25EDDDB5-F4D2-E3AA-306D-ECECA1A12FAF}"/>
+              </a:ext>
+            </a:extLst>
+          </p:cNvPr>
+          <p:cNvSpPr>
+            <a:spLocks noGrp="1"/>
+          </p:cNvSpPr>
+          <p:nvPr>
+            <p:ph idx="1"/>
+          </p:nvPr>
+        </p:nvSpPr>
+        <p:spPr/>
+        <p:txBody>
+          <a:bodyPr/>
+          <a:lstStyle/>
+          <a:p>
+            <a:r>
+              <a:rPr lang="en-US" dirty="0"/>
+              <a:t>Fusing data involves more than joining data sources</a:t>
+            </a:r>
+          </a:p>
+          <a:p>
+            <a:r>
+              <a:rPr lang="en-US" dirty="0"/>
+              <a:t>Naïve interpolation or extrapolation can lead to biased and overconfident results</a:t>
+            </a:r>
+          </a:p>
+          <a:p>
+            <a:r>
+              <a:rPr lang="en-US" dirty="0"/>
+              <a:t>Covariances are critical to leverage complementary data types</a:t>
+            </a:r>
+          </a:p>
+        </p:txBody>
+      </p:sp>
+      <p:sp>
+        <p:nvSpPr>
+          <p:cNvPr id="4" name="TextBox 3">
+            <a:extLst>
+              <a:ext uri="{FF2B5EF4-FFF2-40B4-BE49-F238E27FC236}">
+                <a16:creationId xmlns:a16="http://schemas.microsoft.com/office/drawing/2014/main" id="{C72854D6-3ED6-9E52-149C-0BF9CA182DC3}"/>
+              </a:ext>
+            </a:extLst>
+          </p:cNvPr>
+          <p:cNvSpPr txBox="1"/>
           <p:nvPr/>
-        </p:nvPicPr>
-        <p:blipFill>
-          <a:blip r:embed="rId2"/>
-          <a:stretch>
-            <a:fillRect/>
-          </a:stretch>
-        </p:blipFill>
-        <p:spPr>
-          <a:xfrm>
-            <a:off x="3242187" y="0"/>
-            <a:ext cx="5707626" cy="6858000"/>
+        </p:nvSpPr>
+        <p:spPr>
+          <a:xfrm>
+            <a:off x="8472552" y="6470413"/>
+            <a:ext cx="3506088" cy="369332"/>
           </a:xfrm>
           <a:prstGeom prst="rect">
             <a:avLst/>
           </a:prstGeom>
-        </p:spPr>
-      </p:pic>
+          <a:noFill/>
+        </p:spPr>
+        <p:txBody>
+          <a:bodyPr wrap="none" rtlCol="0">
+            <a:spAutoFit/>
+          </a:bodyPr>
+          <a:lstStyle/>
+          <a:p>
+            <a:r>
+              <a:rPr lang="en-US" dirty="0">
+                <a:latin typeface="Times New Roman" panose="02020603050405020304" pitchFamily="18" charset="0"/>
+                <a:cs typeface="Times New Roman" panose="02020603050405020304" pitchFamily="18" charset="0"/>
+              </a:rPr>
+              <a:t>Dietz 2017. Ecological forecasting.</a:t>
+            </a:r>
+          </a:p>
+        </p:txBody>
+      </p:sp>
     </p:spTree>
     <p:extLst>
       <p:ext uri="{BB962C8B-B14F-4D97-AF65-F5344CB8AC3E}">
-        <p14:creationId xmlns:p14="http://schemas.microsoft.com/office/powerpoint/2010/main" val="363800723"/>
+        <p14:creationId xmlns:p14="http://schemas.microsoft.com/office/powerpoint/2010/main" val="1355424866"/>
       </p:ext>
     </p:extLst>
   </p:cSld>
@@ -4329,7 +4623,7 @@
           <p:cNvPr id="2" name="Title 1">
             <a:extLst>
               <a:ext uri="{FF2B5EF4-FFF2-40B4-BE49-F238E27FC236}">
-                <a16:creationId xmlns:a16="http://schemas.microsoft.com/office/drawing/2014/main" id="{B8538095-7AAA-EA69-633A-B0BE75F9B1BF}"/>
+                <a16:creationId xmlns:a16="http://schemas.microsoft.com/office/drawing/2014/main" id="{E5700A19-12D5-B59A-3D6B-0B1E023348C9}"/>
               </a:ext>
             </a:extLst>
           </p:cNvPr>
@@ -4345,39 +4639,880 @@
           <a:bodyPr/>
           <a:lstStyle/>
           <a:p>
-            <a:endParaRPr lang="en-US"/>
-          </a:p>
-        </p:txBody>
-      </p:sp>
-      <p:sp>
-        <p:nvSpPr>
-          <p:cNvPr id="3" name="Content Placeholder 2">
-            <a:extLst>
-              <a:ext uri="{FF2B5EF4-FFF2-40B4-BE49-F238E27FC236}">
-                <a16:creationId xmlns:a16="http://schemas.microsoft.com/office/drawing/2014/main" id="{802837AC-93CA-CC99-3D17-D61CBDE0601A}"/>
-              </a:ext>
-            </a:extLst>
-          </p:cNvPr>
-          <p:cNvSpPr>
-            <a:spLocks noGrp="1"/>
-          </p:cNvSpPr>
-          <p:nvPr>
-            <p:ph idx="1"/>
-          </p:nvPr>
-        </p:nvSpPr>
-        <p:spPr/>
-        <p:txBody>
-          <a:bodyPr/>
-          <a:lstStyle/>
-          <a:p>
-            <a:endParaRPr lang="en-US"/>
-          </a:p>
-        </p:txBody>
-      </p:sp>
+            <a:r>
+              <a:rPr lang="en-US" dirty="0"/>
+              <a:t>Fusing data sources</a:t>
+            </a:r>
+          </a:p>
+        </p:txBody>
+      </p:sp>
+      <p:pic>
+        <p:nvPicPr>
+          <p:cNvPr id="7" name="Picture 6">
+            <a:extLst>
+              <a:ext uri="{FF2B5EF4-FFF2-40B4-BE49-F238E27FC236}">
+                <a16:creationId xmlns:a16="http://schemas.microsoft.com/office/drawing/2014/main" id="{40E3C098-477F-9FF0-C55C-65B53DC0794E}"/>
+              </a:ext>
+            </a:extLst>
+          </p:cNvPr>
+          <p:cNvPicPr>
+            <a:picLocks noChangeAspect="1"/>
+          </p:cNvPicPr>
+          <p:nvPr/>
+        </p:nvPicPr>
+        <p:blipFill>
+          <a:blip r:embed="rId2"/>
+          <a:stretch>
+            <a:fillRect/>
+          </a:stretch>
+        </p:blipFill>
+        <p:spPr>
+          <a:xfrm>
+            <a:off x="274843" y="1024835"/>
+            <a:ext cx="5121405" cy="5216953"/>
+          </a:xfrm>
+          <a:prstGeom prst="rect">
+            <a:avLst/>
+          </a:prstGeom>
+        </p:spPr>
+      </p:pic>
+      <p:sp>
+        <p:nvSpPr>
+          <p:cNvPr id="9" name="TextBox 8">
+            <a:extLst>
+              <a:ext uri="{FF2B5EF4-FFF2-40B4-BE49-F238E27FC236}">
+                <a16:creationId xmlns:a16="http://schemas.microsoft.com/office/drawing/2014/main" id="{22E75DE1-8ED3-2FA3-F3EE-356E4C97CABD}"/>
+              </a:ext>
+            </a:extLst>
+          </p:cNvPr>
+          <p:cNvSpPr txBox="1"/>
+          <p:nvPr/>
+        </p:nvSpPr>
+        <p:spPr>
+          <a:xfrm>
+            <a:off x="0" y="6378080"/>
+            <a:ext cx="6439437" cy="461665"/>
+          </a:xfrm>
+          <a:prstGeom prst="rect">
+            <a:avLst/>
+          </a:prstGeom>
+          <a:noFill/>
+        </p:spPr>
+        <p:txBody>
+          <a:bodyPr wrap="square">
+            <a:spAutoFit/>
+          </a:bodyPr>
+          <a:lstStyle/>
+          <a:p>
+            <a:r>
+              <a:rPr lang="en-US" sz="1200" dirty="0">
+                <a:latin typeface="Times New Roman" panose="02020603050405020304" pitchFamily="18" charset="0"/>
+                <a:cs typeface="Times New Roman" panose="02020603050405020304" pitchFamily="18" charset="0"/>
+              </a:rPr>
+              <a:t>Increased transmissibility and global spread of SARS-CoV-2 variants of concern as at June 2021</a:t>
+            </a:r>
+          </a:p>
+          <a:p>
+            <a:r>
+              <a:rPr lang="en-US" sz="1200" dirty="0">
+                <a:latin typeface="Times New Roman" panose="02020603050405020304" pitchFamily="18" charset="0"/>
+                <a:cs typeface="Times New Roman" panose="02020603050405020304" pitchFamily="18" charset="0"/>
+              </a:rPr>
+              <a:t>Campbell et al. (2021), </a:t>
+            </a:r>
+            <a:r>
+              <a:rPr lang="en-US" sz="1200" dirty="0" err="1">
+                <a:latin typeface="Times New Roman" panose="02020603050405020304" pitchFamily="18" charset="0"/>
+                <a:cs typeface="Times New Roman" panose="02020603050405020304" pitchFamily="18" charset="0"/>
+              </a:rPr>
+              <a:t>Eurosurveillence</a:t>
+            </a:r>
+            <a:r>
+              <a:rPr lang="en-US" sz="1200" dirty="0">
+                <a:latin typeface="Times New Roman" panose="02020603050405020304" pitchFamily="18" charset="0"/>
+                <a:cs typeface="Times New Roman" panose="02020603050405020304" pitchFamily="18" charset="0"/>
+              </a:rPr>
+              <a:t>. https://</a:t>
+            </a:r>
+            <a:r>
+              <a:rPr lang="en-US" sz="1200" dirty="0" err="1">
+                <a:latin typeface="Times New Roman" panose="02020603050405020304" pitchFamily="18" charset="0"/>
+                <a:cs typeface="Times New Roman" panose="02020603050405020304" pitchFamily="18" charset="0"/>
+              </a:rPr>
+              <a:t>doi.org</a:t>
+            </a:r>
+            <a:r>
+              <a:rPr lang="en-US" sz="1200" dirty="0">
+                <a:latin typeface="Times New Roman" panose="02020603050405020304" pitchFamily="18" charset="0"/>
+                <a:cs typeface="Times New Roman" panose="02020603050405020304" pitchFamily="18" charset="0"/>
+              </a:rPr>
+              <a:t>/10.2807/1560-7917.ES.2021.26.24.2100509</a:t>
+            </a:r>
+          </a:p>
+        </p:txBody>
+      </p:sp>
+      <p:pic>
+        <p:nvPicPr>
+          <p:cNvPr id="11" name="Picture 10">
+            <a:extLst>
+              <a:ext uri="{FF2B5EF4-FFF2-40B4-BE49-F238E27FC236}">
+                <a16:creationId xmlns:a16="http://schemas.microsoft.com/office/drawing/2014/main" id="{CA121A90-A424-08E3-423C-D67CF32C1274}"/>
+              </a:ext>
+            </a:extLst>
+          </p:cNvPr>
+          <p:cNvPicPr>
+            <a:picLocks noChangeAspect="1"/>
+          </p:cNvPicPr>
+          <p:nvPr/>
+        </p:nvPicPr>
+        <p:blipFill>
+          <a:blip r:embed="rId3"/>
+          <a:stretch>
+            <a:fillRect/>
+          </a:stretch>
+        </p:blipFill>
+        <p:spPr>
+          <a:xfrm>
+            <a:off x="5460546" y="1672605"/>
+            <a:ext cx="6456611" cy="3504701"/>
+          </a:xfrm>
+          <a:prstGeom prst="rect">
+            <a:avLst/>
+          </a:prstGeom>
+        </p:spPr>
+      </p:pic>
     </p:spTree>
     <p:extLst>
       <p:ext uri="{BB962C8B-B14F-4D97-AF65-F5344CB8AC3E}">
-        <p14:creationId xmlns:p14="http://schemas.microsoft.com/office/powerpoint/2010/main" val="1015701783"/>
+        <p14:creationId xmlns:p14="http://schemas.microsoft.com/office/powerpoint/2010/main" val="2435550968"/>
+      </p:ext>
+    </p:extLst>
+  </p:cSld>
+  <p:clrMapOvr>
+    <a:masterClrMapping/>
+  </p:clrMapOvr>
+</p:sld>
+</file>
+
+<file path=ppt/slides/slide16.xml><?xml version="1.0" encoding="utf-8"?>
+<p:sld xmlns:a="http://schemas.openxmlformats.org/drawingml/2006/main" xmlns:r="http://schemas.openxmlformats.org/officeDocument/2006/relationships" xmlns:p="http://schemas.openxmlformats.org/presentationml/2006/main">
+  <p:cSld>
+    <p:spTree>
+      <p:nvGrpSpPr>
+        <p:cNvPr id="1" name=""/>
+        <p:cNvGrpSpPr/>
+        <p:nvPr/>
+      </p:nvGrpSpPr>
+      <p:grpSpPr>
+        <a:xfrm>
+          <a:off x="0" y="0"/>
+          <a:ext cx="0" cy="0"/>
+          <a:chOff x="0" y="0"/>
+          <a:chExt cx="0" cy="0"/>
+        </a:xfrm>
+      </p:grpSpPr>
+      <p:sp>
+        <p:nvSpPr>
+          <p:cNvPr id="2" name="Title 1">
+            <a:extLst>
+              <a:ext uri="{FF2B5EF4-FFF2-40B4-BE49-F238E27FC236}">
+                <a16:creationId xmlns:a16="http://schemas.microsoft.com/office/drawing/2014/main" id="{E5700A19-12D5-B59A-3D6B-0B1E023348C9}"/>
+              </a:ext>
+            </a:extLst>
+          </p:cNvPr>
+          <p:cNvSpPr>
+            <a:spLocks noGrp="1"/>
+          </p:cNvSpPr>
+          <p:nvPr>
+            <p:ph type="title"/>
+          </p:nvPr>
+        </p:nvSpPr>
+        <p:spPr/>
+        <p:txBody>
+          <a:bodyPr>
+            <a:normAutofit/>
+          </a:bodyPr>
+          <a:lstStyle/>
+          <a:p>
+            <a:r>
+              <a:rPr lang="en-US" dirty="0"/>
+              <a:t>Fusing data sources - counterfactuals</a:t>
+            </a:r>
+          </a:p>
+        </p:txBody>
+      </p:sp>
+      <p:pic>
+        <p:nvPicPr>
+          <p:cNvPr id="3" name="Picture 2">
+            <a:extLst>
+              <a:ext uri="{FF2B5EF4-FFF2-40B4-BE49-F238E27FC236}">
+                <a16:creationId xmlns:a16="http://schemas.microsoft.com/office/drawing/2014/main" id="{D6FFD5E5-DCB6-06F9-18FC-B3B03596AD32}"/>
+              </a:ext>
+            </a:extLst>
+          </p:cNvPr>
+          <p:cNvPicPr>
+            <a:picLocks noChangeAspect="1" noChangeArrowheads="1"/>
+          </p:cNvPicPr>
+          <p:nvPr/>
+        </p:nvPicPr>
+        <p:blipFill rotWithShape="1">
+          <a:blip r:embed="rId2">
+            <a:extLst>
+              <a:ext uri="{28A0092B-C50C-407E-A947-70E740481C1C}">
+                <a14:useLocalDpi xmlns:a14="http://schemas.microsoft.com/office/drawing/2010/main" val="0"/>
+              </a:ext>
+            </a:extLst>
+          </a:blip>
+          <a:srcRect b="47619"/>
+          <a:stretch/>
+        </p:blipFill>
+        <p:spPr bwMode="auto">
+          <a:xfrm>
+            <a:off x="2078945" y="1049903"/>
+            <a:ext cx="7734832" cy="5420509"/>
+          </a:xfrm>
+          <a:prstGeom prst="rect">
+            <a:avLst/>
+          </a:prstGeom>
+          <a:noFill/>
+          <a:extLst>
+            <a:ext uri="{909E8E84-426E-40DD-AFC4-6F175D3DCCD1}">
+              <a14:hiddenFill xmlns:a14="http://schemas.microsoft.com/office/drawing/2010/main">
+                <a:solidFill>
+                  <a:srgbClr val="FFFFFF"/>
+                </a:solidFill>
+              </a14:hiddenFill>
+            </a:ext>
+          </a:extLst>
+        </p:spPr>
+      </p:pic>
+      <p:sp>
+        <p:nvSpPr>
+          <p:cNvPr id="4" name="TextBox 3">
+            <a:extLst>
+              <a:ext uri="{FF2B5EF4-FFF2-40B4-BE49-F238E27FC236}">
+                <a16:creationId xmlns:a16="http://schemas.microsoft.com/office/drawing/2014/main" id="{B8CB496E-B526-4F4B-FF1E-CD8A5C91D65F}"/>
+              </a:ext>
+            </a:extLst>
+          </p:cNvPr>
+          <p:cNvSpPr txBox="1"/>
+          <p:nvPr/>
+        </p:nvSpPr>
+        <p:spPr>
+          <a:xfrm>
+            <a:off x="291547" y="6470413"/>
+            <a:ext cx="8552341" cy="369332"/>
+          </a:xfrm>
+          <a:prstGeom prst="rect">
+            <a:avLst/>
+          </a:prstGeom>
+          <a:noFill/>
+        </p:spPr>
+        <p:txBody>
+          <a:bodyPr wrap="none" rtlCol="0">
+            <a:spAutoFit/>
+          </a:bodyPr>
+          <a:lstStyle/>
+          <a:p>
+            <a:r>
+              <a:rPr lang="en-US" dirty="0" err="1">
+                <a:latin typeface="Times New Roman" panose="02020603050405020304" pitchFamily="18" charset="0"/>
+                <a:cs typeface="Times New Roman" panose="02020603050405020304" pitchFamily="18" charset="0"/>
+              </a:rPr>
+              <a:t>Hurford</a:t>
+            </a:r>
+            <a:r>
+              <a:rPr lang="en-US" dirty="0">
+                <a:latin typeface="Times New Roman" panose="02020603050405020304" pitchFamily="18" charset="0"/>
+                <a:cs typeface="Times New Roman" panose="02020603050405020304" pitchFamily="18" charset="0"/>
+              </a:rPr>
+              <a:t> et al. 2023. Pandemic modelling for regions implementing an elimination strategy</a:t>
+            </a:r>
+          </a:p>
+        </p:txBody>
+      </p:sp>
+    </p:spTree>
+    <p:extLst>
+      <p:ext uri="{BB962C8B-B14F-4D97-AF65-F5344CB8AC3E}">
+        <p14:creationId xmlns:p14="http://schemas.microsoft.com/office/powerpoint/2010/main" val="2322757800"/>
+      </p:ext>
+    </p:extLst>
+  </p:cSld>
+  <p:clrMapOvr>
+    <a:masterClrMapping/>
+  </p:clrMapOvr>
+</p:sld>
+</file>
+
+<file path=ppt/slides/slide17.xml><?xml version="1.0" encoding="utf-8"?>
+<p:sld xmlns:a="http://schemas.openxmlformats.org/drawingml/2006/main" xmlns:r="http://schemas.openxmlformats.org/officeDocument/2006/relationships" xmlns:p="http://schemas.openxmlformats.org/presentationml/2006/main">
+  <p:cSld>
+    <p:spTree>
+      <p:nvGrpSpPr>
+        <p:cNvPr id="1" name=""/>
+        <p:cNvGrpSpPr/>
+        <p:nvPr/>
+      </p:nvGrpSpPr>
+      <p:grpSpPr>
+        <a:xfrm>
+          <a:off x="0" y="0"/>
+          <a:ext cx="0" cy="0"/>
+          <a:chOff x="0" y="0"/>
+          <a:chExt cx="0" cy="0"/>
+        </a:xfrm>
+      </p:grpSpPr>
+      <p:sp>
+        <p:nvSpPr>
+          <p:cNvPr id="2" name="Title 1">
+            <a:extLst>
+              <a:ext uri="{FF2B5EF4-FFF2-40B4-BE49-F238E27FC236}">
+                <a16:creationId xmlns:a16="http://schemas.microsoft.com/office/drawing/2014/main" id="{E5700A19-12D5-B59A-3D6B-0B1E023348C9}"/>
+              </a:ext>
+            </a:extLst>
+          </p:cNvPr>
+          <p:cNvSpPr>
+            <a:spLocks noGrp="1"/>
+          </p:cNvSpPr>
+          <p:nvPr>
+            <p:ph type="title"/>
+          </p:nvPr>
+        </p:nvSpPr>
+        <p:spPr/>
+        <p:txBody>
+          <a:bodyPr/>
+          <a:lstStyle/>
+          <a:p>
+            <a:r>
+              <a:rPr lang="en-US" dirty="0"/>
+              <a:t>Meta-analysis</a:t>
+            </a:r>
+          </a:p>
+        </p:txBody>
+      </p:sp>
+      <p:sp>
+        <p:nvSpPr>
+          <p:cNvPr id="3" name="Content Placeholder 2">
+            <a:extLst>
+              <a:ext uri="{FF2B5EF4-FFF2-40B4-BE49-F238E27FC236}">
+                <a16:creationId xmlns:a16="http://schemas.microsoft.com/office/drawing/2014/main" id="{25EDDDB5-F4D2-E3AA-306D-ECECA1A12FAF}"/>
+              </a:ext>
+            </a:extLst>
+          </p:cNvPr>
+          <p:cNvSpPr>
+            <a:spLocks noGrp="1"/>
+          </p:cNvSpPr>
+          <p:nvPr>
+            <p:ph idx="1"/>
+          </p:nvPr>
+        </p:nvSpPr>
+        <p:spPr>
+          <a:xfrm>
+            <a:off x="228600" y="1485901"/>
+            <a:ext cx="11750040" cy="4567170"/>
+          </a:xfrm>
+        </p:spPr>
+        <p:txBody>
+          <a:bodyPr>
+            <a:normAutofit/>
+          </a:bodyPr>
+          <a:lstStyle/>
+          <a:p>
+            <a:r>
+              <a:rPr lang="en-US" dirty="0"/>
+              <a:t>Meta-analyses combine information, usually in the form of summary statistics from independent studies</a:t>
+            </a:r>
+          </a:p>
+          <a:p>
+            <a:r>
+              <a:rPr lang="en-US" sz="3500" dirty="0"/>
+              <a:t>Reporting bias is a challenge for high quality meta-analyses; that is, that negative results are not reported</a:t>
+            </a:r>
+          </a:p>
+          <a:p>
+            <a:r>
+              <a:rPr lang="en-CA" sz="3500" dirty="0">
+                <a:effectLst/>
+              </a:rPr>
+              <a:t>While less common, meta-analysis can also be used to directly estimate priors for parameters in a larger model (</a:t>
+            </a:r>
+            <a:r>
+              <a:rPr lang="en-CA" sz="3500" dirty="0" err="1">
+                <a:effectLst/>
+              </a:rPr>
+              <a:t>LeBauer</a:t>
+            </a:r>
+            <a:r>
+              <a:rPr lang="en-CA" sz="3500" dirty="0">
+                <a:effectLst/>
+              </a:rPr>
+              <a:t> et al. 2013)</a:t>
+            </a:r>
+          </a:p>
+        </p:txBody>
+      </p:sp>
+      <p:sp>
+        <p:nvSpPr>
+          <p:cNvPr id="4" name="TextBox 3">
+            <a:extLst>
+              <a:ext uri="{FF2B5EF4-FFF2-40B4-BE49-F238E27FC236}">
+                <a16:creationId xmlns:a16="http://schemas.microsoft.com/office/drawing/2014/main" id="{D6F0EF9D-8749-0229-232B-43520BBA5D23}"/>
+              </a:ext>
+            </a:extLst>
+          </p:cNvPr>
+          <p:cNvSpPr txBox="1"/>
+          <p:nvPr/>
+        </p:nvSpPr>
+        <p:spPr>
+          <a:xfrm>
+            <a:off x="8472552" y="6470413"/>
+            <a:ext cx="3506088" cy="369332"/>
+          </a:xfrm>
+          <a:prstGeom prst="rect">
+            <a:avLst/>
+          </a:prstGeom>
+          <a:noFill/>
+        </p:spPr>
+        <p:txBody>
+          <a:bodyPr wrap="none" rtlCol="0">
+            <a:spAutoFit/>
+          </a:bodyPr>
+          <a:lstStyle/>
+          <a:p>
+            <a:r>
+              <a:rPr lang="en-US" dirty="0">
+                <a:latin typeface="Times New Roman" panose="02020603050405020304" pitchFamily="18" charset="0"/>
+                <a:cs typeface="Times New Roman" panose="02020603050405020304" pitchFamily="18" charset="0"/>
+              </a:rPr>
+              <a:t>Dietz 2017. Ecological forecasting.</a:t>
+            </a:r>
+          </a:p>
+        </p:txBody>
+      </p:sp>
+    </p:spTree>
+    <p:extLst>
+      <p:ext uri="{BB962C8B-B14F-4D97-AF65-F5344CB8AC3E}">
+        <p14:creationId xmlns:p14="http://schemas.microsoft.com/office/powerpoint/2010/main" val="1584875888"/>
+      </p:ext>
+    </p:extLst>
+  </p:cSld>
+  <p:clrMapOvr>
+    <a:masterClrMapping/>
+  </p:clrMapOvr>
+</p:sld>
+</file>
+
+<file path=ppt/slides/slide18.xml><?xml version="1.0" encoding="utf-8"?>
+<p:sld xmlns:a="http://schemas.openxmlformats.org/drawingml/2006/main" xmlns:r="http://schemas.openxmlformats.org/officeDocument/2006/relationships" xmlns:p="http://schemas.openxmlformats.org/presentationml/2006/main">
+  <p:cSld>
+    <p:spTree>
+      <p:nvGrpSpPr>
+        <p:cNvPr id="1" name=""/>
+        <p:cNvGrpSpPr/>
+        <p:nvPr/>
+      </p:nvGrpSpPr>
+      <p:grpSpPr>
+        <a:xfrm>
+          <a:off x="0" y="0"/>
+          <a:ext cx="0" cy="0"/>
+          <a:chOff x="0" y="0"/>
+          <a:chExt cx="0" cy="0"/>
+        </a:xfrm>
+      </p:grpSpPr>
+      <p:sp>
+        <p:nvSpPr>
+          <p:cNvPr id="2" name="Title 1">
+            <a:extLst>
+              <a:ext uri="{FF2B5EF4-FFF2-40B4-BE49-F238E27FC236}">
+                <a16:creationId xmlns:a16="http://schemas.microsoft.com/office/drawing/2014/main" id="{E5700A19-12D5-B59A-3D6B-0B1E023348C9}"/>
+              </a:ext>
+            </a:extLst>
+          </p:cNvPr>
+          <p:cNvSpPr>
+            <a:spLocks noGrp="1"/>
+          </p:cNvSpPr>
+          <p:nvPr>
+            <p:ph type="title"/>
+          </p:nvPr>
+        </p:nvSpPr>
+        <p:spPr/>
+        <p:txBody>
+          <a:bodyPr/>
+          <a:lstStyle/>
+          <a:p>
+            <a:r>
+              <a:rPr lang="en-US" dirty="0"/>
+              <a:t>Meta-analysis</a:t>
+            </a:r>
+          </a:p>
+        </p:txBody>
+      </p:sp>
+      <p:sp>
+        <p:nvSpPr>
+          <p:cNvPr id="3" name="Content Placeholder 2">
+            <a:extLst>
+              <a:ext uri="{FF2B5EF4-FFF2-40B4-BE49-F238E27FC236}">
+                <a16:creationId xmlns:a16="http://schemas.microsoft.com/office/drawing/2014/main" id="{25EDDDB5-F4D2-E3AA-306D-ECECA1A12FAF}"/>
+              </a:ext>
+            </a:extLst>
+          </p:cNvPr>
+          <p:cNvSpPr>
+            <a:spLocks noGrp="1"/>
+          </p:cNvSpPr>
+          <p:nvPr>
+            <p:ph idx="1"/>
+          </p:nvPr>
+        </p:nvSpPr>
+        <p:spPr>
+          <a:xfrm>
+            <a:off x="228600" y="1485901"/>
+            <a:ext cx="11750040" cy="4567170"/>
+          </a:xfrm>
+        </p:spPr>
+        <p:txBody>
+          <a:bodyPr>
+            <a:normAutofit/>
+          </a:bodyPr>
+          <a:lstStyle/>
+          <a:p>
+            <a:r>
+              <a:rPr lang="en-CA" dirty="0">
+                <a:effectLst/>
+              </a:rPr>
+              <a:t>Compared to parameterizing a model from a single study or site, a meta-analysis provides both greater constraint and the ability to account for the real ecological variability among multiple studies.  </a:t>
+            </a:r>
+          </a:p>
+          <a:p>
+            <a:r>
+              <a:rPr lang="en-CA" dirty="0">
+                <a:effectLst/>
+              </a:rPr>
+              <a:t>What distinguishes a meta-analytical model from other models is that the observations are typically summary statistics, and thus there is a need for </a:t>
+            </a:r>
+            <a:r>
+              <a:rPr lang="en-CA" i="1" dirty="0">
+                <a:effectLst/>
+              </a:rPr>
+              <a:t>different studies to have different weights based on their sample sizes and variability </a:t>
+            </a:r>
+            <a:endParaRPr lang="en-CA" dirty="0"/>
+          </a:p>
+        </p:txBody>
+      </p:sp>
+      <p:sp>
+        <p:nvSpPr>
+          <p:cNvPr id="4" name="TextBox 3">
+            <a:extLst>
+              <a:ext uri="{FF2B5EF4-FFF2-40B4-BE49-F238E27FC236}">
+                <a16:creationId xmlns:a16="http://schemas.microsoft.com/office/drawing/2014/main" id="{F3656A12-56DD-0EB6-3CB1-780BE90BA1ED}"/>
+              </a:ext>
+            </a:extLst>
+          </p:cNvPr>
+          <p:cNvSpPr txBox="1"/>
+          <p:nvPr/>
+        </p:nvSpPr>
+        <p:spPr>
+          <a:xfrm>
+            <a:off x="8472552" y="6470413"/>
+            <a:ext cx="3506088" cy="369332"/>
+          </a:xfrm>
+          <a:prstGeom prst="rect">
+            <a:avLst/>
+          </a:prstGeom>
+          <a:noFill/>
+        </p:spPr>
+        <p:txBody>
+          <a:bodyPr wrap="none" rtlCol="0">
+            <a:spAutoFit/>
+          </a:bodyPr>
+          <a:lstStyle/>
+          <a:p>
+            <a:r>
+              <a:rPr lang="en-US" dirty="0">
+                <a:latin typeface="Times New Roman" panose="02020603050405020304" pitchFamily="18" charset="0"/>
+                <a:cs typeface="Times New Roman" panose="02020603050405020304" pitchFamily="18" charset="0"/>
+              </a:rPr>
+              <a:t>Dietz 2017. Ecological forecasting.</a:t>
+            </a:r>
+          </a:p>
+        </p:txBody>
+      </p:sp>
+    </p:spTree>
+    <p:extLst>
+      <p:ext uri="{BB962C8B-B14F-4D97-AF65-F5344CB8AC3E}">
+        <p14:creationId xmlns:p14="http://schemas.microsoft.com/office/powerpoint/2010/main" val="3907890477"/>
+      </p:ext>
+    </p:extLst>
+  </p:cSld>
+  <p:clrMapOvr>
+    <a:masterClrMapping/>
+  </p:clrMapOvr>
+</p:sld>
+</file>
+
+<file path=ppt/slides/slide19.xml><?xml version="1.0" encoding="utf-8"?>
+<p:sld xmlns:a="http://schemas.openxmlformats.org/drawingml/2006/main" xmlns:r="http://schemas.openxmlformats.org/officeDocument/2006/relationships" xmlns:p="http://schemas.openxmlformats.org/presentationml/2006/main">
+  <p:cSld>
+    <p:spTree>
+      <p:nvGrpSpPr>
+        <p:cNvPr id="1" name=""/>
+        <p:cNvGrpSpPr/>
+        <p:nvPr/>
+      </p:nvGrpSpPr>
+      <p:grpSpPr>
+        <a:xfrm>
+          <a:off x="0" y="0"/>
+          <a:ext cx="0" cy="0"/>
+          <a:chOff x="0" y="0"/>
+          <a:chExt cx="0" cy="0"/>
+        </a:xfrm>
+      </p:grpSpPr>
+      <p:pic>
+        <p:nvPicPr>
+          <p:cNvPr id="5" name="Picture 4">
+            <a:extLst>
+              <a:ext uri="{FF2B5EF4-FFF2-40B4-BE49-F238E27FC236}">
+                <a16:creationId xmlns:a16="http://schemas.microsoft.com/office/drawing/2014/main" id="{C0CAAB5D-CBF1-505B-42DB-E2F653B0E97F}"/>
+              </a:ext>
+            </a:extLst>
+          </p:cNvPr>
+          <p:cNvPicPr>
+            <a:picLocks noChangeAspect="1"/>
+          </p:cNvPicPr>
+          <p:nvPr/>
+        </p:nvPicPr>
+        <p:blipFill>
+          <a:blip r:embed="rId2"/>
+          <a:stretch>
+            <a:fillRect/>
+          </a:stretch>
+        </p:blipFill>
+        <p:spPr>
+          <a:xfrm>
+            <a:off x="0" y="1920593"/>
+            <a:ext cx="9480745" cy="4803764"/>
+          </a:xfrm>
+          <a:prstGeom prst="rect">
+            <a:avLst/>
+          </a:prstGeom>
+        </p:spPr>
+      </p:pic>
+      <p:sp>
+        <p:nvSpPr>
+          <p:cNvPr id="6" name="TextBox 5">
+            <a:extLst>
+              <a:ext uri="{FF2B5EF4-FFF2-40B4-BE49-F238E27FC236}">
+                <a16:creationId xmlns:a16="http://schemas.microsoft.com/office/drawing/2014/main" id="{14B530D7-5827-B641-D26A-AAAB536CDFFF}"/>
+              </a:ext>
+            </a:extLst>
+          </p:cNvPr>
+          <p:cNvSpPr txBox="1"/>
+          <p:nvPr/>
+        </p:nvSpPr>
+        <p:spPr>
+          <a:xfrm>
+            <a:off x="7589458" y="2236762"/>
+            <a:ext cx="4146648" cy="400110"/>
+          </a:xfrm>
+          <a:prstGeom prst="rect">
+            <a:avLst/>
+          </a:prstGeom>
+          <a:noFill/>
+        </p:spPr>
+        <p:txBody>
+          <a:bodyPr wrap="none" rtlCol="0">
+            <a:spAutoFit/>
+          </a:bodyPr>
+          <a:lstStyle/>
+          <a:p>
+            <a:r>
+              <a:rPr lang="en-US" sz="2000" dirty="0">
+                <a:latin typeface="Times New Roman" panose="02020603050405020304" pitchFamily="18" charset="0"/>
+                <a:cs typeface="Times New Roman" panose="02020603050405020304" pitchFamily="18" charset="0"/>
+              </a:rPr>
+              <a:t>Reported summary statistics in study, </a:t>
+            </a:r>
+            <a:r>
+              <a:rPr lang="en-US" sz="2000" i="1" dirty="0" err="1">
+                <a:latin typeface="Times New Roman" panose="02020603050405020304" pitchFamily="18" charset="0"/>
+                <a:cs typeface="Times New Roman" panose="02020603050405020304" pitchFamily="18" charset="0"/>
+              </a:rPr>
+              <a:t>i</a:t>
+            </a:r>
+            <a:endParaRPr lang="en-US" sz="2000" i="1" dirty="0">
+              <a:latin typeface="Times New Roman" panose="02020603050405020304" pitchFamily="18" charset="0"/>
+              <a:cs typeface="Times New Roman" panose="02020603050405020304" pitchFamily="18" charset="0"/>
+            </a:endParaRPr>
+          </a:p>
+        </p:txBody>
+      </p:sp>
+      <p:sp>
+        <p:nvSpPr>
+          <p:cNvPr id="7" name="TextBox 6">
+            <a:extLst>
+              <a:ext uri="{FF2B5EF4-FFF2-40B4-BE49-F238E27FC236}">
+                <a16:creationId xmlns:a16="http://schemas.microsoft.com/office/drawing/2014/main" id="{89EA4136-CC13-AD0B-DFDA-0FC3A98F5A38}"/>
+              </a:ext>
+            </a:extLst>
+          </p:cNvPr>
+          <p:cNvSpPr txBox="1"/>
+          <p:nvPr/>
+        </p:nvSpPr>
+        <p:spPr>
+          <a:xfrm>
+            <a:off x="7589458" y="3233224"/>
+            <a:ext cx="3682355" cy="400110"/>
+          </a:xfrm>
+          <a:prstGeom prst="rect">
+            <a:avLst/>
+          </a:prstGeom>
+          <a:noFill/>
+        </p:spPr>
+        <p:txBody>
+          <a:bodyPr wrap="none" rtlCol="0">
+            <a:spAutoFit/>
+          </a:bodyPr>
+          <a:lstStyle/>
+          <a:p>
+            <a:r>
+              <a:rPr lang="en-US" sz="2000" i="1" dirty="0">
+                <a:latin typeface="Times New Roman" panose="02020603050405020304" pitchFamily="18" charset="0"/>
+                <a:cs typeface="Times New Roman" panose="02020603050405020304" pitchFamily="18" charset="0"/>
+              </a:rPr>
+              <a:t>True</a:t>
+            </a:r>
+            <a:r>
+              <a:rPr lang="en-US" sz="2000" dirty="0">
+                <a:latin typeface="Times New Roman" panose="02020603050405020304" pitchFamily="18" charset="0"/>
+                <a:cs typeface="Times New Roman" panose="02020603050405020304" pitchFamily="18" charset="0"/>
+              </a:rPr>
+              <a:t> summary statistics in study, </a:t>
+            </a:r>
+            <a:r>
+              <a:rPr lang="en-US" sz="2000" i="1" dirty="0" err="1">
+                <a:latin typeface="Times New Roman" panose="02020603050405020304" pitchFamily="18" charset="0"/>
+                <a:cs typeface="Times New Roman" panose="02020603050405020304" pitchFamily="18" charset="0"/>
+              </a:rPr>
+              <a:t>i</a:t>
+            </a:r>
+            <a:endParaRPr lang="en-US" sz="2000" i="1" dirty="0">
+              <a:latin typeface="Times New Roman" panose="02020603050405020304" pitchFamily="18" charset="0"/>
+              <a:cs typeface="Times New Roman" panose="02020603050405020304" pitchFamily="18" charset="0"/>
+            </a:endParaRPr>
+          </a:p>
+        </p:txBody>
+      </p:sp>
+      <p:sp>
+        <p:nvSpPr>
+          <p:cNvPr id="8" name="TextBox 7">
+            <a:extLst>
+              <a:ext uri="{FF2B5EF4-FFF2-40B4-BE49-F238E27FC236}">
+                <a16:creationId xmlns:a16="http://schemas.microsoft.com/office/drawing/2014/main" id="{A789F4A9-2861-8911-F8CA-FD6C448DBD0C}"/>
+              </a:ext>
+            </a:extLst>
+          </p:cNvPr>
+          <p:cNvSpPr txBox="1"/>
+          <p:nvPr/>
+        </p:nvSpPr>
+        <p:spPr>
+          <a:xfrm>
+            <a:off x="7589458" y="4152313"/>
+            <a:ext cx="2671501" cy="400110"/>
+          </a:xfrm>
+          <a:prstGeom prst="rect">
+            <a:avLst/>
+          </a:prstGeom>
+          <a:noFill/>
+        </p:spPr>
+        <p:txBody>
+          <a:bodyPr wrap="none" rtlCol="0">
+            <a:spAutoFit/>
+          </a:bodyPr>
+          <a:lstStyle/>
+          <a:p>
+            <a:r>
+              <a:rPr lang="en-US" sz="2000" dirty="0">
+                <a:latin typeface="Times New Roman" panose="02020603050405020304" pitchFamily="18" charset="0"/>
+                <a:cs typeface="Times New Roman" panose="02020603050405020304" pitchFamily="18" charset="0"/>
+              </a:rPr>
+              <a:t>True across study mean</a:t>
+            </a:r>
+            <a:endParaRPr lang="en-US" sz="2000" i="1" dirty="0">
+              <a:latin typeface="Times New Roman" panose="02020603050405020304" pitchFamily="18" charset="0"/>
+              <a:cs typeface="Times New Roman" panose="02020603050405020304" pitchFamily="18" charset="0"/>
+            </a:endParaRPr>
+          </a:p>
+        </p:txBody>
+      </p:sp>
+      <p:sp>
+        <p:nvSpPr>
+          <p:cNvPr id="10" name="Title 9">
+            <a:extLst>
+              <a:ext uri="{FF2B5EF4-FFF2-40B4-BE49-F238E27FC236}">
+                <a16:creationId xmlns:a16="http://schemas.microsoft.com/office/drawing/2014/main" id="{9872DD5A-3233-E6D2-03EA-57CA78844940}"/>
+              </a:ext>
+            </a:extLst>
+          </p:cNvPr>
+          <p:cNvSpPr>
+            <a:spLocks noGrp="1"/>
+          </p:cNvSpPr>
+          <p:nvPr>
+            <p:ph type="title"/>
+          </p:nvPr>
+        </p:nvSpPr>
+        <p:spPr/>
+        <p:txBody>
+          <a:bodyPr/>
+          <a:lstStyle/>
+          <a:p>
+            <a:r>
+              <a:rPr lang="en-US" dirty="0"/>
+              <a:t>Meta-analysis</a:t>
+            </a:r>
+          </a:p>
+        </p:txBody>
+      </p:sp>
+      <p:sp>
+        <p:nvSpPr>
+          <p:cNvPr id="12" name="TextBox 11">
+            <a:extLst>
+              <a:ext uri="{FF2B5EF4-FFF2-40B4-BE49-F238E27FC236}">
+                <a16:creationId xmlns:a16="http://schemas.microsoft.com/office/drawing/2014/main" id="{8ACA5A6A-92ED-0706-AD21-2F9CB827E5B2}"/>
+              </a:ext>
+            </a:extLst>
+          </p:cNvPr>
+          <p:cNvSpPr txBox="1"/>
+          <p:nvPr/>
+        </p:nvSpPr>
+        <p:spPr>
+          <a:xfrm>
+            <a:off x="8472552" y="6470413"/>
+            <a:ext cx="3506088" cy="369332"/>
+          </a:xfrm>
+          <a:prstGeom prst="rect">
+            <a:avLst/>
+          </a:prstGeom>
+          <a:noFill/>
+        </p:spPr>
+        <p:txBody>
+          <a:bodyPr wrap="none" rtlCol="0">
+            <a:spAutoFit/>
+          </a:bodyPr>
+          <a:lstStyle/>
+          <a:p>
+            <a:r>
+              <a:rPr lang="en-US" dirty="0">
+                <a:latin typeface="Times New Roman" panose="02020603050405020304" pitchFamily="18" charset="0"/>
+                <a:cs typeface="Times New Roman" panose="02020603050405020304" pitchFamily="18" charset="0"/>
+              </a:rPr>
+              <a:t>Dietz 2017. Ecological forecasting.</a:t>
+            </a:r>
+          </a:p>
+        </p:txBody>
+      </p:sp>
+    </p:spTree>
+    <p:extLst>
+      <p:ext uri="{BB962C8B-B14F-4D97-AF65-F5344CB8AC3E}">
+        <p14:creationId xmlns:p14="http://schemas.microsoft.com/office/powerpoint/2010/main" val="507590271"/>
       </p:ext>
     </p:extLst>
   </p:cSld>
@@ -4473,10 +5608,1261 @@
           </a:p>
         </p:txBody>
       </p:sp>
+      <p:sp>
+        <p:nvSpPr>
+          <p:cNvPr id="4" name="TextBox 3">
+            <a:extLst>
+              <a:ext uri="{FF2B5EF4-FFF2-40B4-BE49-F238E27FC236}">
+                <a16:creationId xmlns:a16="http://schemas.microsoft.com/office/drawing/2014/main" id="{D98508B9-F833-A5FA-68AA-3C563A4635EB}"/>
+              </a:ext>
+            </a:extLst>
+          </p:cNvPr>
+          <p:cNvSpPr txBox="1"/>
+          <p:nvPr/>
+        </p:nvSpPr>
+        <p:spPr>
+          <a:xfrm>
+            <a:off x="8472552" y="6470413"/>
+            <a:ext cx="3506088" cy="369332"/>
+          </a:xfrm>
+          <a:prstGeom prst="rect">
+            <a:avLst/>
+          </a:prstGeom>
+          <a:noFill/>
+        </p:spPr>
+        <p:txBody>
+          <a:bodyPr wrap="none" rtlCol="0">
+            <a:spAutoFit/>
+          </a:bodyPr>
+          <a:lstStyle/>
+          <a:p>
+            <a:r>
+              <a:rPr lang="en-US" dirty="0">
+                <a:latin typeface="Times New Roman" panose="02020603050405020304" pitchFamily="18" charset="0"/>
+                <a:cs typeface="Times New Roman" panose="02020603050405020304" pitchFamily="18" charset="0"/>
+              </a:rPr>
+              <a:t>Dietz 2017. Ecological forecasting.</a:t>
+            </a:r>
+          </a:p>
+        </p:txBody>
+      </p:sp>
     </p:spTree>
     <p:extLst>
       <p:ext uri="{BB962C8B-B14F-4D97-AF65-F5344CB8AC3E}">
         <p14:creationId xmlns:p14="http://schemas.microsoft.com/office/powerpoint/2010/main" val="1070732737"/>
+      </p:ext>
+    </p:extLst>
+  </p:cSld>
+  <p:clrMapOvr>
+    <a:masterClrMapping/>
+  </p:clrMapOvr>
+</p:sld>
+</file>
+
+<file path=ppt/slides/slide20.xml><?xml version="1.0" encoding="utf-8"?>
+<p:sld xmlns:a="http://schemas.openxmlformats.org/drawingml/2006/main" xmlns:r="http://schemas.openxmlformats.org/officeDocument/2006/relationships" xmlns:p="http://schemas.openxmlformats.org/presentationml/2006/main">
+  <p:cSld>
+    <p:spTree>
+      <p:nvGrpSpPr>
+        <p:cNvPr id="1" name=""/>
+        <p:cNvGrpSpPr/>
+        <p:nvPr/>
+      </p:nvGrpSpPr>
+      <p:grpSpPr>
+        <a:xfrm>
+          <a:off x="0" y="0"/>
+          <a:ext cx="0" cy="0"/>
+          <a:chOff x="0" y="0"/>
+          <a:chExt cx="0" cy="0"/>
+        </a:xfrm>
+      </p:grpSpPr>
+      <p:pic>
+        <p:nvPicPr>
+          <p:cNvPr id="5" name="Picture 4">
+            <a:extLst>
+              <a:ext uri="{FF2B5EF4-FFF2-40B4-BE49-F238E27FC236}">
+                <a16:creationId xmlns:a16="http://schemas.microsoft.com/office/drawing/2014/main" id="{1CA05E1A-439F-174F-A63A-EF3BE1A44E39}"/>
+              </a:ext>
+            </a:extLst>
+          </p:cNvPr>
+          <p:cNvPicPr>
+            <a:picLocks noChangeAspect="1"/>
+          </p:cNvPicPr>
+          <p:nvPr/>
+        </p:nvPicPr>
+        <p:blipFill>
+          <a:blip r:embed="rId2"/>
+          <a:stretch>
+            <a:fillRect/>
+          </a:stretch>
+        </p:blipFill>
+        <p:spPr>
+          <a:xfrm>
+            <a:off x="2764926" y="18255"/>
+            <a:ext cx="5707626" cy="6858000"/>
+          </a:xfrm>
+          <a:prstGeom prst="rect">
+            <a:avLst/>
+          </a:prstGeom>
+        </p:spPr>
+      </p:pic>
+      <p:sp>
+        <p:nvSpPr>
+          <p:cNvPr id="6" name="TextBox 5">
+            <a:extLst>
+              <a:ext uri="{FF2B5EF4-FFF2-40B4-BE49-F238E27FC236}">
+                <a16:creationId xmlns:a16="http://schemas.microsoft.com/office/drawing/2014/main" id="{86318CB6-E3E4-149F-DFD7-C6002DD5FD13}"/>
+              </a:ext>
+            </a:extLst>
+          </p:cNvPr>
+          <p:cNvSpPr txBox="1"/>
+          <p:nvPr/>
+        </p:nvSpPr>
+        <p:spPr>
+          <a:xfrm>
+            <a:off x="8472552" y="6470413"/>
+            <a:ext cx="3506088" cy="369332"/>
+          </a:xfrm>
+          <a:prstGeom prst="rect">
+            <a:avLst/>
+          </a:prstGeom>
+          <a:noFill/>
+        </p:spPr>
+        <p:txBody>
+          <a:bodyPr wrap="none" rtlCol="0">
+            <a:spAutoFit/>
+          </a:bodyPr>
+          <a:lstStyle/>
+          <a:p>
+            <a:r>
+              <a:rPr lang="en-US" dirty="0">
+                <a:latin typeface="Times New Roman" panose="02020603050405020304" pitchFamily="18" charset="0"/>
+                <a:cs typeface="Times New Roman" panose="02020603050405020304" pitchFamily="18" charset="0"/>
+              </a:rPr>
+              <a:t>Dietz 2017. Ecological forecasting.</a:t>
+            </a:r>
+          </a:p>
+        </p:txBody>
+      </p:sp>
+    </p:spTree>
+    <p:extLst>
+      <p:ext uri="{BB962C8B-B14F-4D97-AF65-F5344CB8AC3E}">
+        <p14:creationId xmlns:p14="http://schemas.microsoft.com/office/powerpoint/2010/main" val="363800723"/>
+      </p:ext>
+    </p:extLst>
+  </p:cSld>
+  <p:clrMapOvr>
+    <a:masterClrMapping/>
+  </p:clrMapOvr>
+</p:sld>
+</file>
+
+<file path=ppt/slides/slide21.xml><?xml version="1.0" encoding="utf-8"?>
+<p:sld xmlns:a="http://schemas.openxmlformats.org/drawingml/2006/main" xmlns:r="http://schemas.openxmlformats.org/officeDocument/2006/relationships" xmlns:p="http://schemas.openxmlformats.org/presentationml/2006/main">
+  <p:cSld>
+    <p:spTree>
+      <p:nvGrpSpPr>
+        <p:cNvPr id="1" name=""/>
+        <p:cNvGrpSpPr/>
+        <p:nvPr/>
+      </p:nvGrpSpPr>
+      <p:grpSpPr>
+        <a:xfrm>
+          <a:off x="0" y="0"/>
+          <a:ext cx="0" cy="0"/>
+          <a:chOff x="0" y="0"/>
+          <a:chExt cx="0" cy="0"/>
+        </a:xfrm>
+      </p:grpSpPr>
+      <p:sp>
+        <p:nvSpPr>
+          <p:cNvPr id="2" name="Title 1">
+            <a:extLst>
+              <a:ext uri="{FF2B5EF4-FFF2-40B4-BE49-F238E27FC236}">
+                <a16:creationId xmlns:a16="http://schemas.microsoft.com/office/drawing/2014/main" id="{B8538095-7AAA-EA69-633A-B0BE75F9B1BF}"/>
+              </a:ext>
+            </a:extLst>
+          </p:cNvPr>
+          <p:cNvSpPr>
+            <a:spLocks noGrp="1"/>
+          </p:cNvSpPr>
+          <p:nvPr>
+            <p:ph type="title"/>
+          </p:nvPr>
+        </p:nvSpPr>
+        <p:spPr/>
+        <p:txBody>
+          <a:bodyPr/>
+          <a:lstStyle/>
+          <a:p>
+            <a:r>
+              <a:rPr lang="en-US" dirty="0"/>
+              <a:t>PHAC – Emerging Sciences Group</a:t>
+            </a:r>
+          </a:p>
+        </p:txBody>
+      </p:sp>
+      <p:sp>
+        <p:nvSpPr>
+          <p:cNvPr id="3" name="Content Placeholder 2">
+            <a:extLst>
+              <a:ext uri="{FF2B5EF4-FFF2-40B4-BE49-F238E27FC236}">
+                <a16:creationId xmlns:a16="http://schemas.microsoft.com/office/drawing/2014/main" id="{802837AC-93CA-CC99-3D17-D61CBDE0601A}"/>
+              </a:ext>
+            </a:extLst>
+          </p:cNvPr>
+          <p:cNvSpPr>
+            <a:spLocks noGrp="1"/>
+          </p:cNvSpPr>
+          <p:nvPr>
+            <p:ph idx="1"/>
+          </p:nvPr>
+        </p:nvSpPr>
+        <p:spPr/>
+        <p:txBody>
+          <a:bodyPr/>
+          <a:lstStyle/>
+          <a:p>
+            <a:pPr marL="0" indent="0">
+              <a:buNone/>
+            </a:pPr>
+            <a:r>
+              <a:rPr lang="en-US" dirty="0"/>
+              <a:t>Parameter estimation tables</a:t>
+            </a:r>
+          </a:p>
+          <a:p>
+            <a:pPr marL="0" indent="0">
+              <a:buNone/>
+            </a:pPr>
+            <a:r>
+              <a:rPr lang="en-US" dirty="0"/>
+              <a:t>IFR, CFR, Incubation period, Latent period, Infectious period, Asymptomatic-Inf, Serial interval</a:t>
+            </a:r>
+          </a:p>
+          <a:p>
+            <a:pPr marL="0" indent="0">
+              <a:buNone/>
+            </a:pPr>
+            <a:r>
+              <a:rPr lang="en-US" dirty="0" err="1"/>
+              <a:t>Epi+Model</a:t>
+            </a:r>
+            <a:r>
+              <a:rPr lang="en-US" dirty="0"/>
+              <a:t> Data Parameter Tables 2020-06-29.xls</a:t>
+            </a:r>
+          </a:p>
+        </p:txBody>
+      </p:sp>
+    </p:spTree>
+    <p:extLst>
+      <p:ext uri="{BB962C8B-B14F-4D97-AF65-F5344CB8AC3E}">
+        <p14:creationId xmlns:p14="http://schemas.microsoft.com/office/powerpoint/2010/main" val="1015701783"/>
+      </p:ext>
+    </p:extLst>
+  </p:cSld>
+  <p:clrMapOvr>
+    <a:masterClrMapping/>
+  </p:clrMapOvr>
+</p:sld>
+</file>
+
+<file path=ppt/slides/slide22.xml><?xml version="1.0" encoding="utf-8"?>
+<p:sld xmlns:a="http://schemas.openxmlformats.org/drawingml/2006/main" xmlns:r="http://schemas.openxmlformats.org/officeDocument/2006/relationships" xmlns:p="http://schemas.openxmlformats.org/presentationml/2006/main">
+  <p:cSld>
+    <p:spTree>
+      <p:nvGrpSpPr>
+        <p:cNvPr id="1" name=""/>
+        <p:cNvGrpSpPr/>
+        <p:nvPr/>
+      </p:nvGrpSpPr>
+      <p:grpSpPr>
+        <a:xfrm>
+          <a:off x="0" y="0"/>
+          <a:ext cx="0" cy="0"/>
+          <a:chOff x="0" y="0"/>
+          <a:chExt cx="0" cy="0"/>
+        </a:xfrm>
+      </p:grpSpPr>
+      <p:sp>
+        <p:nvSpPr>
+          <p:cNvPr id="2" name="Title 1">
+            <a:extLst>
+              <a:ext uri="{FF2B5EF4-FFF2-40B4-BE49-F238E27FC236}">
+                <a16:creationId xmlns:a16="http://schemas.microsoft.com/office/drawing/2014/main" id="{62B8E5D6-D3EA-5F7E-026C-7FD5E4E55AB8}"/>
+              </a:ext>
+            </a:extLst>
+          </p:cNvPr>
+          <p:cNvSpPr>
+            <a:spLocks noGrp="1"/>
+          </p:cNvSpPr>
+          <p:nvPr>
+            <p:ph type="title"/>
+          </p:nvPr>
+        </p:nvSpPr>
+        <p:spPr/>
+        <p:txBody>
+          <a:bodyPr/>
+          <a:lstStyle/>
+          <a:p>
+            <a:r>
+              <a:rPr lang="en-US" dirty="0"/>
+              <a:t>Parameter estimates</a:t>
+            </a:r>
+          </a:p>
+        </p:txBody>
+      </p:sp>
+      <p:pic>
+        <p:nvPicPr>
+          <p:cNvPr id="5" name="Picture 4">
+            <a:extLst>
+              <a:ext uri="{FF2B5EF4-FFF2-40B4-BE49-F238E27FC236}">
+                <a16:creationId xmlns:a16="http://schemas.microsoft.com/office/drawing/2014/main" id="{33B5D43C-39BD-4094-9494-5E49FC0AB5DB}"/>
+              </a:ext>
+            </a:extLst>
+          </p:cNvPr>
+          <p:cNvPicPr>
+            <a:picLocks noChangeAspect="1"/>
+          </p:cNvPicPr>
+          <p:nvPr/>
+        </p:nvPicPr>
+        <p:blipFill>
+          <a:blip r:embed="rId2"/>
+          <a:stretch>
+            <a:fillRect/>
+          </a:stretch>
+        </p:blipFill>
+        <p:spPr>
+          <a:xfrm>
+            <a:off x="288289" y="1586816"/>
+            <a:ext cx="8005787" cy="2436544"/>
+          </a:xfrm>
+          <a:prstGeom prst="rect">
+            <a:avLst/>
+          </a:prstGeom>
+        </p:spPr>
+      </p:pic>
+      <p:sp>
+        <p:nvSpPr>
+          <p:cNvPr id="11" name="TextBox 10">
+            <a:extLst>
+              <a:ext uri="{FF2B5EF4-FFF2-40B4-BE49-F238E27FC236}">
+                <a16:creationId xmlns:a16="http://schemas.microsoft.com/office/drawing/2014/main" id="{83180DD0-A5E3-6301-4F67-D380E91DEB3E}"/>
+              </a:ext>
+            </a:extLst>
+          </p:cNvPr>
+          <p:cNvSpPr txBox="1"/>
+          <p:nvPr/>
+        </p:nvSpPr>
+        <p:spPr>
+          <a:xfrm>
+            <a:off x="288290" y="4273161"/>
+            <a:ext cx="8555132" cy="369332"/>
+          </a:xfrm>
+          <a:prstGeom prst="rect">
+            <a:avLst/>
+          </a:prstGeom>
+          <a:noFill/>
+        </p:spPr>
+        <p:txBody>
+          <a:bodyPr wrap="square">
+            <a:spAutoFit/>
+          </a:bodyPr>
+          <a:lstStyle/>
+          <a:p>
+            <a:r>
+              <a:rPr lang="en-US" dirty="0">
+                <a:hlinkClick r:id="rId3"/>
+              </a:rPr>
+              <a:t>https://</a:t>
+            </a:r>
+            <a:r>
+              <a:rPr lang="en-US" dirty="0" err="1">
+                <a:hlinkClick r:id="rId3"/>
+              </a:rPr>
+              <a:t>canmod.github.io</a:t>
+            </a:r>
+            <a:r>
+              <a:rPr lang="en-US" dirty="0">
+                <a:hlinkClick r:id="rId3"/>
+              </a:rPr>
+              <a:t>/</a:t>
+            </a:r>
+            <a:r>
+              <a:rPr lang="en-US" dirty="0" err="1">
+                <a:hlinkClick r:id="rId3"/>
+              </a:rPr>
+              <a:t>macpan</a:t>
+            </a:r>
+            <a:r>
+              <a:rPr lang="en-US" dirty="0">
+                <a:hlinkClick r:id="rId3"/>
+              </a:rPr>
+              <a:t>-book/</a:t>
+            </a:r>
+            <a:r>
+              <a:rPr lang="en-US" dirty="0" err="1">
+                <a:hlinkClick r:id="rId3"/>
+              </a:rPr>
+              <a:t>index.html#history-and-motivation</a:t>
+            </a:r>
+            <a:endParaRPr lang="en-US" dirty="0"/>
+          </a:p>
+        </p:txBody>
+      </p:sp>
+    </p:spTree>
+    <p:extLst>
+      <p:ext uri="{BB962C8B-B14F-4D97-AF65-F5344CB8AC3E}">
+        <p14:creationId xmlns:p14="http://schemas.microsoft.com/office/powerpoint/2010/main" val="1473042755"/>
+      </p:ext>
+    </p:extLst>
+  </p:cSld>
+  <p:clrMapOvr>
+    <a:masterClrMapping/>
+  </p:clrMapOvr>
+</p:sld>
+</file>
+
+<file path=ppt/slides/slide23.xml><?xml version="1.0" encoding="utf-8"?>
+<p:sld xmlns:a="http://schemas.openxmlformats.org/drawingml/2006/main" xmlns:r="http://schemas.openxmlformats.org/officeDocument/2006/relationships" xmlns:p="http://schemas.openxmlformats.org/presentationml/2006/main">
+  <p:cSld>
+    <p:spTree>
+      <p:nvGrpSpPr>
+        <p:cNvPr id="1" name=""/>
+        <p:cNvGrpSpPr/>
+        <p:nvPr/>
+      </p:nvGrpSpPr>
+      <p:grpSpPr>
+        <a:xfrm>
+          <a:off x="0" y="0"/>
+          <a:ext cx="0" cy="0"/>
+          <a:chOff x="0" y="0"/>
+          <a:chExt cx="0" cy="0"/>
+        </a:xfrm>
+      </p:grpSpPr>
+      <p:pic>
+        <p:nvPicPr>
+          <p:cNvPr id="5" name="Picture 4">
+            <a:extLst>
+              <a:ext uri="{FF2B5EF4-FFF2-40B4-BE49-F238E27FC236}">
+                <a16:creationId xmlns:a16="http://schemas.microsoft.com/office/drawing/2014/main" id="{25B41ADA-DE09-4AC8-D6B0-5F32CEFE49F1}"/>
+              </a:ext>
+            </a:extLst>
+          </p:cNvPr>
+          <p:cNvPicPr>
+            <a:picLocks noChangeAspect="1"/>
+          </p:cNvPicPr>
+          <p:nvPr/>
+        </p:nvPicPr>
+        <p:blipFill>
+          <a:blip r:embed="rId2"/>
+          <a:stretch>
+            <a:fillRect/>
+          </a:stretch>
+        </p:blipFill>
+        <p:spPr>
+          <a:xfrm>
+            <a:off x="31017" y="303192"/>
+            <a:ext cx="7134828" cy="5745915"/>
+          </a:xfrm>
+          <a:prstGeom prst="rect">
+            <a:avLst/>
+          </a:prstGeom>
+        </p:spPr>
+      </p:pic>
+      <p:sp>
+        <p:nvSpPr>
+          <p:cNvPr id="7" name="TextBox 6">
+            <a:extLst>
+              <a:ext uri="{FF2B5EF4-FFF2-40B4-BE49-F238E27FC236}">
+                <a16:creationId xmlns:a16="http://schemas.microsoft.com/office/drawing/2014/main" id="{071312BE-CED8-1271-9432-206A03BB7F9B}"/>
+              </a:ext>
+            </a:extLst>
+          </p:cNvPr>
+          <p:cNvSpPr txBox="1"/>
+          <p:nvPr/>
+        </p:nvSpPr>
+        <p:spPr>
+          <a:xfrm>
+            <a:off x="31017" y="6189439"/>
+            <a:ext cx="12353157" cy="646331"/>
+          </a:xfrm>
+          <a:prstGeom prst="rect">
+            <a:avLst/>
+          </a:prstGeom>
+          <a:noFill/>
+        </p:spPr>
+        <p:txBody>
+          <a:bodyPr wrap="square">
+            <a:spAutoFit/>
+          </a:bodyPr>
+          <a:lstStyle/>
+          <a:p>
+            <a:r>
+              <a:rPr lang="en-US" dirty="0">
+                <a:hlinkClick r:id="rId3"/>
+              </a:rPr>
+              <a:t>https://</a:t>
+            </a:r>
+            <a:r>
+              <a:rPr lang="en-US" dirty="0" err="1">
+                <a:hlinkClick r:id="rId3"/>
+              </a:rPr>
+              <a:t>www.canada.ca</a:t>
+            </a:r>
+            <a:r>
+              <a:rPr lang="en-US" dirty="0">
+                <a:hlinkClick r:id="rId3"/>
+              </a:rPr>
+              <a:t>/content/dam/</a:t>
+            </a:r>
+            <a:r>
+              <a:rPr lang="en-US" dirty="0" err="1">
+                <a:hlinkClick r:id="rId3"/>
+              </a:rPr>
+              <a:t>phac-aspc</a:t>
+            </a:r>
+            <a:r>
+              <a:rPr lang="en-US" dirty="0">
+                <a:hlinkClick r:id="rId3"/>
+              </a:rPr>
+              <a:t>/documents/services/reports-publications/</a:t>
+            </a:r>
+            <a:r>
+              <a:rPr lang="en-US" dirty="0" err="1">
+                <a:hlinkClick r:id="rId3"/>
+              </a:rPr>
+              <a:t>canada</a:t>
+            </a:r>
+            <a:r>
+              <a:rPr lang="en-US" dirty="0">
+                <a:hlinkClick r:id="rId3"/>
+              </a:rPr>
+              <a:t>-communicable-disease-report-</a:t>
+            </a:r>
+            <a:r>
+              <a:rPr lang="en-US" dirty="0" err="1">
+                <a:hlinkClick r:id="rId3"/>
+              </a:rPr>
+              <a:t>ccdr</a:t>
+            </a:r>
+            <a:r>
+              <a:rPr lang="en-US" dirty="0">
+                <a:hlinkClick r:id="rId3"/>
+              </a:rPr>
+              <a:t>/monthly-issue/2022-48/issue-7-8-july-august-2022/ccdrv48i78a01s-eng.pdf</a:t>
+            </a:r>
+            <a:endParaRPr lang="en-US" dirty="0"/>
+          </a:p>
+        </p:txBody>
+      </p:sp>
+      <p:pic>
+        <p:nvPicPr>
+          <p:cNvPr id="8" name="Picture 7">
+            <a:extLst>
+              <a:ext uri="{FF2B5EF4-FFF2-40B4-BE49-F238E27FC236}">
+                <a16:creationId xmlns:a16="http://schemas.microsoft.com/office/drawing/2014/main" id="{B1A49167-1A39-3A7E-993E-9D03DF598CA9}"/>
+              </a:ext>
+            </a:extLst>
+          </p:cNvPr>
+          <p:cNvPicPr>
+            <a:picLocks noChangeAspect="1"/>
+          </p:cNvPicPr>
+          <p:nvPr/>
+        </p:nvPicPr>
+        <p:blipFill>
+          <a:blip r:embed="rId4"/>
+          <a:stretch>
+            <a:fillRect/>
+          </a:stretch>
+        </p:blipFill>
+        <p:spPr>
+          <a:xfrm>
+            <a:off x="7165845" y="486118"/>
+            <a:ext cx="4876141" cy="1244207"/>
+          </a:xfrm>
+          <a:prstGeom prst="rect">
+            <a:avLst/>
+          </a:prstGeom>
+        </p:spPr>
+      </p:pic>
+    </p:spTree>
+    <p:extLst>
+      <p:ext uri="{BB962C8B-B14F-4D97-AF65-F5344CB8AC3E}">
+        <p14:creationId xmlns:p14="http://schemas.microsoft.com/office/powerpoint/2010/main" val="4149919658"/>
+      </p:ext>
+    </p:extLst>
+  </p:cSld>
+  <p:clrMapOvr>
+    <a:masterClrMapping/>
+  </p:clrMapOvr>
+</p:sld>
+</file>
+
+<file path=ppt/slides/slide24.xml><?xml version="1.0" encoding="utf-8"?>
+<p:sld xmlns:a="http://schemas.openxmlformats.org/drawingml/2006/main" xmlns:r="http://schemas.openxmlformats.org/officeDocument/2006/relationships" xmlns:p="http://schemas.openxmlformats.org/presentationml/2006/main">
+  <p:cSld>
+    <p:spTree>
+      <p:nvGrpSpPr>
+        <p:cNvPr id="1" name=""/>
+        <p:cNvGrpSpPr/>
+        <p:nvPr/>
+      </p:nvGrpSpPr>
+      <p:grpSpPr>
+        <a:xfrm>
+          <a:off x="0" y="0"/>
+          <a:ext cx="0" cy="0"/>
+          <a:chOff x="0" y="0"/>
+          <a:chExt cx="0" cy="0"/>
+        </a:xfrm>
+      </p:grpSpPr>
+      <p:sp>
+        <p:nvSpPr>
+          <p:cNvPr id="2" name="Title 1">
+            <a:extLst>
+              <a:ext uri="{FF2B5EF4-FFF2-40B4-BE49-F238E27FC236}">
+                <a16:creationId xmlns:a16="http://schemas.microsoft.com/office/drawing/2014/main" id="{CAFA8007-A726-C4A7-BAFF-486ABF0FABA1}"/>
+              </a:ext>
+            </a:extLst>
+          </p:cNvPr>
+          <p:cNvSpPr>
+            <a:spLocks noGrp="1"/>
+          </p:cNvSpPr>
+          <p:nvPr>
+            <p:ph type="title"/>
+          </p:nvPr>
+        </p:nvSpPr>
+        <p:spPr/>
+        <p:txBody>
+          <a:bodyPr/>
+          <a:lstStyle/>
+          <a:p>
+            <a:r>
+              <a:rPr lang="en-US" dirty="0"/>
+              <a:t>Combining data</a:t>
+            </a:r>
+          </a:p>
+        </p:txBody>
+      </p:sp>
+      <p:pic>
+        <p:nvPicPr>
+          <p:cNvPr id="5" name="Picture 4">
+            <a:extLst>
+              <a:ext uri="{FF2B5EF4-FFF2-40B4-BE49-F238E27FC236}">
+                <a16:creationId xmlns:a16="http://schemas.microsoft.com/office/drawing/2014/main" id="{64870873-E57D-662A-0ABC-2087F681C93A}"/>
+              </a:ext>
+            </a:extLst>
+          </p:cNvPr>
+          <p:cNvPicPr>
+            <a:picLocks noChangeAspect="1"/>
+          </p:cNvPicPr>
+          <p:nvPr/>
+        </p:nvPicPr>
+        <p:blipFill>
+          <a:blip r:embed="rId2"/>
+          <a:stretch>
+            <a:fillRect/>
+          </a:stretch>
+        </p:blipFill>
+        <p:spPr>
+          <a:xfrm>
+            <a:off x="267558" y="1772529"/>
+            <a:ext cx="11839735" cy="3995225"/>
+          </a:xfrm>
+          <a:prstGeom prst="rect">
+            <a:avLst/>
+          </a:prstGeom>
+        </p:spPr>
+      </p:pic>
+      <p:sp>
+        <p:nvSpPr>
+          <p:cNvPr id="6" name="TextBox 5">
+            <a:extLst>
+              <a:ext uri="{FF2B5EF4-FFF2-40B4-BE49-F238E27FC236}">
+                <a16:creationId xmlns:a16="http://schemas.microsoft.com/office/drawing/2014/main" id="{60590ACA-2E04-A83A-1CC3-1436B9B2F3E2}"/>
+              </a:ext>
+            </a:extLst>
+          </p:cNvPr>
+          <p:cNvSpPr txBox="1"/>
+          <p:nvPr/>
+        </p:nvSpPr>
+        <p:spPr>
+          <a:xfrm>
+            <a:off x="7385539" y="2739682"/>
+            <a:ext cx="1970411" cy="461665"/>
+          </a:xfrm>
+          <a:prstGeom prst="rect">
+            <a:avLst/>
+          </a:prstGeom>
+          <a:noFill/>
+        </p:spPr>
+        <p:txBody>
+          <a:bodyPr wrap="none" rtlCol="0">
+            <a:spAutoFit/>
+          </a:bodyPr>
+          <a:lstStyle/>
+          <a:p>
+            <a:r>
+              <a:rPr lang="en-US" sz="2400" dirty="0">
+                <a:latin typeface="Times New Roman" panose="02020603050405020304" pitchFamily="18" charset="0"/>
+                <a:cs typeface="Times New Roman" panose="02020603050405020304" pitchFamily="18" charset="0"/>
+              </a:rPr>
+              <a:t>Process model</a:t>
+            </a:r>
+          </a:p>
+        </p:txBody>
+      </p:sp>
+      <p:sp>
+        <p:nvSpPr>
+          <p:cNvPr id="7" name="TextBox 6">
+            <a:extLst>
+              <a:ext uri="{FF2B5EF4-FFF2-40B4-BE49-F238E27FC236}">
+                <a16:creationId xmlns:a16="http://schemas.microsoft.com/office/drawing/2014/main" id="{66613FAF-F158-861C-A300-C91B27A98B69}"/>
+              </a:ext>
+            </a:extLst>
+          </p:cNvPr>
+          <p:cNvSpPr txBox="1"/>
+          <p:nvPr/>
+        </p:nvSpPr>
+        <p:spPr>
+          <a:xfrm>
+            <a:off x="7385539" y="3308476"/>
+            <a:ext cx="4258730" cy="461665"/>
+          </a:xfrm>
+          <a:prstGeom prst="rect">
+            <a:avLst/>
+          </a:prstGeom>
+          <a:noFill/>
+        </p:spPr>
+        <p:txBody>
+          <a:bodyPr wrap="none" rtlCol="0">
+            <a:spAutoFit/>
+          </a:bodyPr>
+          <a:lstStyle/>
+          <a:p>
+            <a:r>
+              <a:rPr lang="en-US" sz="2400" dirty="0">
+                <a:latin typeface="Times New Roman" panose="02020603050405020304" pitchFamily="18" charset="0"/>
+                <a:cs typeface="Times New Roman" panose="02020603050405020304" pitchFamily="18" charset="0"/>
+              </a:rPr>
+              <a:t>Observation model for study, </a:t>
+            </a:r>
+            <a:r>
+              <a:rPr lang="en-US" sz="2400" i="1" dirty="0" err="1">
+                <a:latin typeface="Times New Roman" panose="02020603050405020304" pitchFamily="18" charset="0"/>
+                <a:cs typeface="Times New Roman" panose="02020603050405020304" pitchFamily="18" charset="0"/>
+              </a:rPr>
+              <a:t>i</a:t>
+            </a:r>
+            <a:r>
+              <a:rPr lang="en-US" sz="2400" dirty="0">
+                <a:latin typeface="Times New Roman" panose="02020603050405020304" pitchFamily="18" charset="0"/>
+                <a:cs typeface="Times New Roman" panose="02020603050405020304" pitchFamily="18" charset="0"/>
+              </a:rPr>
+              <a:t>=1</a:t>
+            </a:r>
+          </a:p>
+        </p:txBody>
+      </p:sp>
+      <p:sp>
+        <p:nvSpPr>
+          <p:cNvPr id="8" name="TextBox 7">
+            <a:extLst>
+              <a:ext uri="{FF2B5EF4-FFF2-40B4-BE49-F238E27FC236}">
+                <a16:creationId xmlns:a16="http://schemas.microsoft.com/office/drawing/2014/main" id="{2FF41B45-5C39-974F-1B78-20FE16A26216}"/>
+              </a:ext>
+            </a:extLst>
+          </p:cNvPr>
+          <p:cNvSpPr txBox="1"/>
+          <p:nvPr/>
+        </p:nvSpPr>
+        <p:spPr>
+          <a:xfrm>
+            <a:off x="7385539" y="5075255"/>
+            <a:ext cx="4258730" cy="461665"/>
+          </a:xfrm>
+          <a:prstGeom prst="rect">
+            <a:avLst/>
+          </a:prstGeom>
+          <a:noFill/>
+        </p:spPr>
+        <p:txBody>
+          <a:bodyPr wrap="none" rtlCol="0">
+            <a:spAutoFit/>
+          </a:bodyPr>
+          <a:lstStyle/>
+          <a:p>
+            <a:r>
+              <a:rPr lang="en-US" sz="2400" dirty="0">
+                <a:latin typeface="Times New Roman" panose="02020603050405020304" pitchFamily="18" charset="0"/>
+                <a:cs typeface="Times New Roman" panose="02020603050405020304" pitchFamily="18" charset="0"/>
+              </a:rPr>
+              <a:t>Observation model for study, </a:t>
+            </a:r>
+            <a:r>
+              <a:rPr lang="en-US" sz="2400" i="1" dirty="0" err="1">
+                <a:latin typeface="Times New Roman" panose="02020603050405020304" pitchFamily="18" charset="0"/>
+                <a:cs typeface="Times New Roman" panose="02020603050405020304" pitchFamily="18" charset="0"/>
+              </a:rPr>
+              <a:t>i</a:t>
+            </a:r>
+            <a:r>
+              <a:rPr lang="en-US" sz="2400" dirty="0">
+                <a:latin typeface="Times New Roman" panose="02020603050405020304" pitchFamily="18" charset="0"/>
+                <a:cs typeface="Times New Roman" panose="02020603050405020304" pitchFamily="18" charset="0"/>
+              </a:rPr>
+              <a:t>=</a:t>
+            </a:r>
+            <a:r>
+              <a:rPr lang="en-US" sz="2400" i="1" dirty="0">
+                <a:latin typeface="Times New Roman" panose="02020603050405020304" pitchFamily="18" charset="0"/>
+                <a:cs typeface="Times New Roman" panose="02020603050405020304" pitchFamily="18" charset="0"/>
+              </a:rPr>
+              <a:t>k</a:t>
+            </a:r>
+          </a:p>
+        </p:txBody>
+      </p:sp>
+      <p:sp>
+        <p:nvSpPr>
+          <p:cNvPr id="9" name="TextBox 8">
+            <a:extLst>
+              <a:ext uri="{FF2B5EF4-FFF2-40B4-BE49-F238E27FC236}">
+                <a16:creationId xmlns:a16="http://schemas.microsoft.com/office/drawing/2014/main" id="{4DF5A487-1EC6-D74C-23F9-78B162002B30}"/>
+              </a:ext>
+            </a:extLst>
+          </p:cNvPr>
+          <p:cNvSpPr txBox="1"/>
+          <p:nvPr/>
+        </p:nvSpPr>
+        <p:spPr>
+          <a:xfrm>
+            <a:off x="8472552" y="6470413"/>
+            <a:ext cx="3506088" cy="369332"/>
+          </a:xfrm>
+          <a:prstGeom prst="rect">
+            <a:avLst/>
+          </a:prstGeom>
+          <a:noFill/>
+        </p:spPr>
+        <p:txBody>
+          <a:bodyPr wrap="none" rtlCol="0">
+            <a:spAutoFit/>
+          </a:bodyPr>
+          <a:lstStyle/>
+          <a:p>
+            <a:r>
+              <a:rPr lang="en-US" dirty="0">
+                <a:latin typeface="Times New Roman" panose="02020603050405020304" pitchFamily="18" charset="0"/>
+                <a:cs typeface="Times New Roman" panose="02020603050405020304" pitchFamily="18" charset="0"/>
+              </a:rPr>
+              <a:t>Dietz 2017. Ecological forecasting.</a:t>
+            </a:r>
+          </a:p>
+        </p:txBody>
+      </p:sp>
+    </p:spTree>
+    <p:extLst>
+      <p:ext uri="{BB962C8B-B14F-4D97-AF65-F5344CB8AC3E}">
+        <p14:creationId xmlns:p14="http://schemas.microsoft.com/office/powerpoint/2010/main" val="1618399874"/>
+      </p:ext>
+    </p:extLst>
+  </p:cSld>
+  <p:clrMapOvr>
+    <a:masterClrMapping/>
+  </p:clrMapOvr>
+</p:sld>
+</file>
+
+<file path=ppt/slides/slide25.xml><?xml version="1.0" encoding="utf-8"?>
+<p:sld xmlns:a="http://schemas.openxmlformats.org/drawingml/2006/main" xmlns:r="http://schemas.openxmlformats.org/officeDocument/2006/relationships" xmlns:p="http://schemas.openxmlformats.org/presentationml/2006/main">
+  <p:cSld>
+    <p:spTree>
+      <p:nvGrpSpPr>
+        <p:cNvPr id="1" name=""/>
+        <p:cNvGrpSpPr/>
+        <p:nvPr/>
+      </p:nvGrpSpPr>
+      <p:grpSpPr>
+        <a:xfrm>
+          <a:off x="0" y="0"/>
+          <a:ext cx="0" cy="0"/>
+          <a:chOff x="0" y="0"/>
+          <a:chExt cx="0" cy="0"/>
+        </a:xfrm>
+      </p:grpSpPr>
+      <p:sp>
+        <p:nvSpPr>
+          <p:cNvPr id="2" name="Title 1">
+            <a:extLst>
+              <a:ext uri="{FF2B5EF4-FFF2-40B4-BE49-F238E27FC236}">
+                <a16:creationId xmlns:a16="http://schemas.microsoft.com/office/drawing/2014/main" id="{CAFA8007-A726-C4A7-BAFF-486ABF0FABA1}"/>
+              </a:ext>
+            </a:extLst>
+          </p:cNvPr>
+          <p:cNvSpPr>
+            <a:spLocks noGrp="1"/>
+          </p:cNvSpPr>
+          <p:nvPr>
+            <p:ph type="title"/>
+          </p:nvPr>
+        </p:nvSpPr>
+        <p:spPr/>
+        <p:txBody>
+          <a:bodyPr/>
+          <a:lstStyle/>
+          <a:p>
+            <a:r>
+              <a:rPr lang="en-US" dirty="0"/>
+              <a:t>Combining data</a:t>
+            </a:r>
+          </a:p>
+        </p:txBody>
+      </p:sp>
+      <p:pic>
+        <p:nvPicPr>
+          <p:cNvPr id="4" name="Picture 3">
+            <a:extLst>
+              <a:ext uri="{FF2B5EF4-FFF2-40B4-BE49-F238E27FC236}">
+                <a16:creationId xmlns:a16="http://schemas.microsoft.com/office/drawing/2014/main" id="{B8A7A948-205C-EC98-0BCA-B752798AC152}"/>
+              </a:ext>
+            </a:extLst>
+          </p:cNvPr>
+          <p:cNvPicPr>
+            <a:picLocks noChangeAspect="1"/>
+          </p:cNvPicPr>
+          <p:nvPr/>
+        </p:nvPicPr>
+        <p:blipFill>
+          <a:blip r:embed="rId2"/>
+          <a:stretch>
+            <a:fillRect/>
+          </a:stretch>
+        </p:blipFill>
+        <p:spPr>
+          <a:xfrm>
+            <a:off x="914401" y="1343818"/>
+            <a:ext cx="10572184" cy="4755875"/>
+          </a:xfrm>
+          <a:prstGeom prst="rect">
+            <a:avLst/>
+          </a:prstGeom>
+        </p:spPr>
+      </p:pic>
+      <p:sp>
+        <p:nvSpPr>
+          <p:cNvPr id="11" name="TextBox 10">
+            <a:extLst>
+              <a:ext uri="{FF2B5EF4-FFF2-40B4-BE49-F238E27FC236}">
+                <a16:creationId xmlns:a16="http://schemas.microsoft.com/office/drawing/2014/main" id="{609E90EC-D6AE-790E-5B82-B5268B000964}"/>
+              </a:ext>
+            </a:extLst>
+          </p:cNvPr>
+          <p:cNvSpPr txBox="1"/>
+          <p:nvPr/>
+        </p:nvSpPr>
+        <p:spPr>
+          <a:xfrm>
+            <a:off x="8472552" y="6470413"/>
+            <a:ext cx="3506088" cy="369332"/>
+          </a:xfrm>
+          <a:prstGeom prst="rect">
+            <a:avLst/>
+          </a:prstGeom>
+          <a:noFill/>
+        </p:spPr>
+        <p:txBody>
+          <a:bodyPr wrap="none" rtlCol="0">
+            <a:spAutoFit/>
+          </a:bodyPr>
+          <a:lstStyle/>
+          <a:p>
+            <a:r>
+              <a:rPr lang="en-US" dirty="0">
+                <a:latin typeface="Times New Roman" panose="02020603050405020304" pitchFamily="18" charset="0"/>
+                <a:cs typeface="Times New Roman" panose="02020603050405020304" pitchFamily="18" charset="0"/>
+              </a:rPr>
+              <a:t>Dietz 2017. Ecological forecasting.</a:t>
+            </a:r>
+          </a:p>
+        </p:txBody>
+      </p:sp>
+    </p:spTree>
+    <p:extLst>
+      <p:ext uri="{BB962C8B-B14F-4D97-AF65-F5344CB8AC3E}">
+        <p14:creationId xmlns:p14="http://schemas.microsoft.com/office/powerpoint/2010/main" val="176976701"/>
+      </p:ext>
+    </p:extLst>
+  </p:cSld>
+  <p:clrMapOvr>
+    <a:masterClrMapping/>
+  </p:clrMapOvr>
+</p:sld>
+</file>
+
+<file path=ppt/slides/slide26.xml><?xml version="1.0" encoding="utf-8"?>
+<p:sld xmlns:a="http://schemas.openxmlformats.org/drawingml/2006/main" xmlns:r="http://schemas.openxmlformats.org/officeDocument/2006/relationships" xmlns:p="http://schemas.openxmlformats.org/presentationml/2006/main">
+  <p:cSld>
+    <p:spTree>
+      <p:nvGrpSpPr>
+        <p:cNvPr id="1" name=""/>
+        <p:cNvGrpSpPr/>
+        <p:nvPr/>
+      </p:nvGrpSpPr>
+      <p:grpSpPr>
+        <a:xfrm>
+          <a:off x="0" y="0"/>
+          <a:ext cx="0" cy="0"/>
+          <a:chOff x="0" y="0"/>
+          <a:chExt cx="0" cy="0"/>
+        </a:xfrm>
+      </p:grpSpPr>
+      <p:sp>
+        <p:nvSpPr>
+          <p:cNvPr id="2" name="Title 1">
+            <a:extLst>
+              <a:ext uri="{FF2B5EF4-FFF2-40B4-BE49-F238E27FC236}">
+                <a16:creationId xmlns:a16="http://schemas.microsoft.com/office/drawing/2014/main" id="{CAFA8007-A726-C4A7-BAFF-486ABF0FABA1}"/>
+              </a:ext>
+            </a:extLst>
+          </p:cNvPr>
+          <p:cNvSpPr>
+            <a:spLocks noGrp="1"/>
+          </p:cNvSpPr>
+          <p:nvPr>
+            <p:ph type="title"/>
+          </p:nvPr>
+        </p:nvSpPr>
+        <p:spPr/>
+        <p:txBody>
+          <a:bodyPr/>
+          <a:lstStyle/>
+          <a:p>
+            <a:r>
+              <a:rPr lang="en-US" dirty="0"/>
+              <a:t>Combining data</a:t>
+            </a:r>
+          </a:p>
+        </p:txBody>
+      </p:sp>
+      <p:pic>
+        <p:nvPicPr>
+          <p:cNvPr id="3" name="Picture 2">
+            <a:extLst>
+              <a:ext uri="{FF2B5EF4-FFF2-40B4-BE49-F238E27FC236}">
+                <a16:creationId xmlns:a16="http://schemas.microsoft.com/office/drawing/2014/main" id="{6B22A6C1-A095-8CED-95DD-7C0890657B97}"/>
+              </a:ext>
+            </a:extLst>
+          </p:cNvPr>
+          <p:cNvPicPr>
+            <a:picLocks noChangeAspect="1"/>
+          </p:cNvPicPr>
+          <p:nvPr/>
+        </p:nvPicPr>
+        <p:blipFill>
+          <a:blip r:embed="rId2"/>
+          <a:stretch>
+            <a:fillRect/>
+          </a:stretch>
+        </p:blipFill>
+        <p:spPr>
+          <a:xfrm>
+            <a:off x="886263" y="1232885"/>
+            <a:ext cx="9917723" cy="5269221"/>
+          </a:xfrm>
+          <a:prstGeom prst="rect">
+            <a:avLst/>
+          </a:prstGeom>
+        </p:spPr>
+      </p:pic>
+      <p:sp>
+        <p:nvSpPr>
+          <p:cNvPr id="5" name="TextBox 4">
+            <a:extLst>
+              <a:ext uri="{FF2B5EF4-FFF2-40B4-BE49-F238E27FC236}">
+                <a16:creationId xmlns:a16="http://schemas.microsoft.com/office/drawing/2014/main" id="{0B21A5DC-7C30-4420-7BA2-51351A259FB6}"/>
+              </a:ext>
+            </a:extLst>
+          </p:cNvPr>
+          <p:cNvSpPr txBox="1"/>
+          <p:nvPr/>
+        </p:nvSpPr>
+        <p:spPr>
+          <a:xfrm>
+            <a:off x="8472552" y="6470413"/>
+            <a:ext cx="3506088" cy="369332"/>
+          </a:xfrm>
+          <a:prstGeom prst="rect">
+            <a:avLst/>
+          </a:prstGeom>
+          <a:noFill/>
+        </p:spPr>
+        <p:txBody>
+          <a:bodyPr wrap="none" rtlCol="0">
+            <a:spAutoFit/>
+          </a:bodyPr>
+          <a:lstStyle/>
+          <a:p>
+            <a:r>
+              <a:rPr lang="en-US" dirty="0">
+                <a:latin typeface="Times New Roman" panose="02020603050405020304" pitchFamily="18" charset="0"/>
+                <a:cs typeface="Times New Roman" panose="02020603050405020304" pitchFamily="18" charset="0"/>
+              </a:rPr>
+              <a:t>Dietz 2017. Ecological forecasting.</a:t>
+            </a:r>
+          </a:p>
+        </p:txBody>
+      </p:sp>
+    </p:spTree>
+    <p:extLst>
+      <p:ext uri="{BB962C8B-B14F-4D97-AF65-F5344CB8AC3E}">
+        <p14:creationId xmlns:p14="http://schemas.microsoft.com/office/powerpoint/2010/main" val="2439453014"/>
+      </p:ext>
+    </p:extLst>
+  </p:cSld>
+  <p:clrMapOvr>
+    <a:masterClrMapping/>
+  </p:clrMapOvr>
+</p:sld>
+</file>
+
+<file path=ppt/slides/slide27.xml><?xml version="1.0" encoding="utf-8"?>
+<p:sld xmlns:a="http://schemas.openxmlformats.org/drawingml/2006/main" xmlns:r="http://schemas.openxmlformats.org/officeDocument/2006/relationships" xmlns:p="http://schemas.openxmlformats.org/presentationml/2006/main">
+  <p:cSld>
+    <p:spTree>
+      <p:nvGrpSpPr>
+        <p:cNvPr id="1" name=""/>
+        <p:cNvGrpSpPr/>
+        <p:nvPr/>
+      </p:nvGrpSpPr>
+      <p:grpSpPr>
+        <a:xfrm>
+          <a:off x="0" y="0"/>
+          <a:ext cx="0" cy="0"/>
+          <a:chOff x="0" y="0"/>
+          <a:chExt cx="0" cy="0"/>
+        </a:xfrm>
+      </p:grpSpPr>
+      <p:sp>
+        <p:nvSpPr>
+          <p:cNvPr id="2" name="Title 1">
+            <a:extLst>
+              <a:ext uri="{FF2B5EF4-FFF2-40B4-BE49-F238E27FC236}">
+                <a16:creationId xmlns:a16="http://schemas.microsoft.com/office/drawing/2014/main" id="{1BA2FE92-CCE2-7220-7EF0-0034D13A326E}"/>
+              </a:ext>
+            </a:extLst>
+          </p:cNvPr>
+          <p:cNvSpPr>
+            <a:spLocks noGrp="1"/>
+          </p:cNvSpPr>
+          <p:nvPr>
+            <p:ph type="title"/>
+          </p:nvPr>
+        </p:nvSpPr>
+        <p:spPr/>
+        <p:txBody>
+          <a:bodyPr/>
+          <a:lstStyle/>
+          <a:p>
+            <a:r>
+              <a:rPr lang="en-US" dirty="0"/>
+              <a:t>Key concepts</a:t>
+            </a:r>
+          </a:p>
+        </p:txBody>
+      </p:sp>
+      <p:sp>
+        <p:nvSpPr>
+          <p:cNvPr id="3" name="Content Placeholder 2">
+            <a:extLst>
+              <a:ext uri="{FF2B5EF4-FFF2-40B4-BE49-F238E27FC236}">
+                <a16:creationId xmlns:a16="http://schemas.microsoft.com/office/drawing/2014/main" id="{2E52D789-2446-A647-9039-81AFB460897C}"/>
+              </a:ext>
+            </a:extLst>
+          </p:cNvPr>
+          <p:cNvSpPr>
+            <a:spLocks noGrp="1"/>
+          </p:cNvSpPr>
+          <p:nvPr>
+            <p:ph idx="1"/>
+          </p:nvPr>
+        </p:nvSpPr>
+        <p:spPr/>
+        <p:txBody>
+          <a:bodyPr/>
+          <a:lstStyle/>
+          <a:p>
+            <a:pPr marL="0" indent="0">
+              <a:buNone/>
+            </a:pPr>
+            <a:r>
+              <a:rPr lang="en-US" dirty="0"/>
+              <a:t>3. Fusing data involves more than concatenating files. Considering uncertainty is essential.</a:t>
+            </a:r>
+          </a:p>
+          <a:p>
+            <a:pPr marL="0" indent="0">
+              <a:buNone/>
+            </a:pPr>
+            <a:r>
+              <a:rPr lang="en-US" dirty="0"/>
+              <a:t>7. When combining likelihoods avoid ad hoc weightings, instead use a model </a:t>
+            </a:r>
+          </a:p>
+          <a:p>
+            <a:pPr marL="0" indent="0">
+              <a:buNone/>
+            </a:pPr>
+            <a:r>
+              <a:rPr lang="en-US" dirty="0"/>
+              <a:t>9. State-space models can allow us to combine spatial and temporal information that operate at different scales, even if scales are misaligned.</a:t>
+            </a:r>
+          </a:p>
+        </p:txBody>
+      </p:sp>
+      <p:sp>
+        <p:nvSpPr>
+          <p:cNvPr id="4" name="TextBox 3">
+            <a:extLst>
+              <a:ext uri="{FF2B5EF4-FFF2-40B4-BE49-F238E27FC236}">
+                <a16:creationId xmlns:a16="http://schemas.microsoft.com/office/drawing/2014/main" id="{38386033-F91A-007B-C128-6F1E08FBAAE0}"/>
+              </a:ext>
+            </a:extLst>
+          </p:cNvPr>
+          <p:cNvSpPr txBox="1"/>
+          <p:nvPr/>
+        </p:nvSpPr>
+        <p:spPr>
+          <a:xfrm>
+            <a:off x="8472552" y="6470413"/>
+            <a:ext cx="3506088" cy="369332"/>
+          </a:xfrm>
+          <a:prstGeom prst="rect">
+            <a:avLst/>
+          </a:prstGeom>
+          <a:noFill/>
+        </p:spPr>
+        <p:txBody>
+          <a:bodyPr wrap="none" rtlCol="0">
+            <a:spAutoFit/>
+          </a:bodyPr>
+          <a:lstStyle/>
+          <a:p>
+            <a:r>
+              <a:rPr lang="en-US" dirty="0">
+                <a:latin typeface="Times New Roman" panose="02020603050405020304" pitchFamily="18" charset="0"/>
+                <a:cs typeface="Times New Roman" panose="02020603050405020304" pitchFamily="18" charset="0"/>
+              </a:rPr>
+              <a:t>Dietz 2017. Ecological forecasting.</a:t>
+            </a:r>
+          </a:p>
+        </p:txBody>
+      </p:sp>
+    </p:spTree>
+    <p:extLst>
+      <p:ext uri="{BB962C8B-B14F-4D97-AF65-F5344CB8AC3E}">
+        <p14:creationId xmlns:p14="http://schemas.microsoft.com/office/powerpoint/2010/main" val="3619736750"/>
       </p:ext>
     </p:extLst>
   </p:cSld>
@@ -4508,7 +6894,7 @@
           <p:cNvPr id="2" name="Title 1">
             <a:extLst>
               <a:ext uri="{FF2B5EF4-FFF2-40B4-BE49-F238E27FC236}">
-                <a16:creationId xmlns:a16="http://schemas.microsoft.com/office/drawing/2014/main" id="{ABC2D099-3FE6-2F4E-AFD9-4863CFE68BDE}"/>
+                <a16:creationId xmlns:a16="http://schemas.microsoft.com/office/drawing/2014/main" id="{B6E46BEA-77D9-8EFF-456F-F2A05B299B83}"/>
               </a:ext>
             </a:extLst>
           </p:cNvPr>
@@ -4526,97 +6912,104 @@
           <a:p>
             <a:r>
               <a:rPr lang="en-US" dirty="0"/>
-              <a:t>Latent variables</a:t>
-            </a:r>
-          </a:p>
-        </p:txBody>
-      </p:sp>
-      <p:sp>
-        <p:nvSpPr>
-          <p:cNvPr id="3" name="Content Placeholder 2">
-            <a:extLst>
-              <a:ext uri="{FF2B5EF4-FFF2-40B4-BE49-F238E27FC236}">
-                <a16:creationId xmlns:a16="http://schemas.microsoft.com/office/drawing/2014/main" id="{B6F5DEE7-F0EE-C14E-AE23-D09D047F99E3}"/>
-              </a:ext>
-            </a:extLst>
-          </p:cNvPr>
-          <p:cNvSpPr>
-            <a:spLocks noGrp="1"/>
-          </p:cNvSpPr>
-          <p:nvPr>
-            <p:ph idx="1"/>
-          </p:nvPr>
-        </p:nvSpPr>
-        <p:spPr>
-          <a:xfrm>
-            <a:off x="228600" y="1485900"/>
-            <a:ext cx="11750040" cy="4631565"/>
-          </a:xfrm>
-        </p:spPr>
-        <p:txBody>
-          <a:bodyPr/>
-          <a:lstStyle/>
-          <a:p>
-            <a:pPr marL="0" indent="0">
-              <a:buNone/>
-            </a:pPr>
-            <a:r>
-              <a:rPr lang="en-US" u="sng" dirty="0"/>
-              <a:t>Latent variables</a:t>
-            </a:r>
-            <a:r>
-              <a:rPr lang="en-US" dirty="0"/>
-              <a:t>: The variable of interest is unobserved or estimated with uncertainty</a:t>
-            </a:r>
-          </a:p>
-          <a:p>
-            <a:pPr marL="742950" indent="-742950">
-              <a:buAutoNum type="arabicPeriod"/>
-            </a:pPr>
-            <a:r>
-              <a:rPr lang="en-US" dirty="0"/>
-              <a:t>Random and systematic observation errors</a:t>
-            </a:r>
-          </a:p>
-          <a:p>
-            <a:pPr marL="742950" indent="-742950">
-              <a:buAutoNum type="arabicPeriod"/>
-            </a:pPr>
-            <a:r>
-              <a:rPr lang="en-US" dirty="0"/>
-              <a:t>Proxy data</a:t>
-            </a:r>
-          </a:p>
-          <a:p>
-            <a:pPr marL="742950" indent="-742950">
-              <a:buAutoNum type="arabicPeriod"/>
-            </a:pPr>
-            <a:r>
-              <a:rPr lang="en-US" dirty="0"/>
-              <a:t>Missing data</a:t>
-            </a:r>
-          </a:p>
-          <a:p>
-            <a:pPr marL="742950" indent="-742950">
-              <a:buAutoNum type="arabicPeriod"/>
-            </a:pPr>
-            <a:r>
-              <a:rPr lang="en-US" dirty="0"/>
-              <a:t>Unobserved variables</a:t>
-            </a:r>
-          </a:p>
-          <a:p>
-            <a:pPr marL="0" indent="0">
-              <a:buNone/>
-            </a:pPr>
-            <a:endParaRPr lang="en-US" dirty="0"/>
+              <a:t>The ecological detective</a:t>
+            </a:r>
+          </a:p>
+        </p:txBody>
+      </p:sp>
+      <p:pic>
+        <p:nvPicPr>
+          <p:cNvPr id="5" name="Picture 4">
+            <a:extLst>
+              <a:ext uri="{FF2B5EF4-FFF2-40B4-BE49-F238E27FC236}">
+                <a16:creationId xmlns:a16="http://schemas.microsoft.com/office/drawing/2014/main" id="{3DBB47B6-B15B-AB05-D3BC-F1A895C21936}"/>
+              </a:ext>
+            </a:extLst>
+          </p:cNvPr>
+          <p:cNvPicPr>
+            <a:picLocks noChangeAspect="1"/>
+          </p:cNvPicPr>
+          <p:nvPr/>
+        </p:nvPicPr>
+        <p:blipFill>
+          <a:blip r:embed="rId2"/>
+          <a:stretch>
+            <a:fillRect/>
+          </a:stretch>
+        </p:blipFill>
+        <p:spPr>
+          <a:xfrm>
+            <a:off x="573037" y="1343818"/>
+            <a:ext cx="5827763" cy="5382965"/>
+          </a:xfrm>
+          <a:prstGeom prst="rect">
+            <a:avLst/>
+          </a:prstGeom>
+        </p:spPr>
+      </p:pic>
+      <p:sp>
+        <p:nvSpPr>
+          <p:cNvPr id="6" name="TextBox 5">
+            <a:extLst>
+              <a:ext uri="{FF2B5EF4-FFF2-40B4-BE49-F238E27FC236}">
+                <a16:creationId xmlns:a16="http://schemas.microsoft.com/office/drawing/2014/main" id="{8CD0234E-8003-F897-B7D1-59EC0EEA941B}"/>
+              </a:ext>
+            </a:extLst>
+          </p:cNvPr>
+          <p:cNvSpPr txBox="1"/>
+          <p:nvPr/>
+        </p:nvSpPr>
+        <p:spPr>
+          <a:xfrm>
+            <a:off x="6782873" y="5396247"/>
+            <a:ext cx="5409127" cy="1015663"/>
+          </a:xfrm>
+          <a:prstGeom prst="rect">
+            <a:avLst/>
+          </a:prstGeom>
+          <a:noFill/>
+        </p:spPr>
+        <p:txBody>
+          <a:bodyPr wrap="square" rtlCol="0">
+            <a:spAutoFit/>
+          </a:bodyPr>
+          <a:lstStyle/>
+          <a:p>
+            <a:r>
+              <a:rPr lang="en-US" sz="2000" dirty="0" err="1">
+                <a:latin typeface="Times New Roman" panose="02020603050405020304" pitchFamily="18" charset="0"/>
+                <a:cs typeface="Times New Roman" panose="02020603050405020304" pitchFamily="18" charset="0"/>
+              </a:rPr>
+              <a:t>Mangel</a:t>
+            </a:r>
+            <a:r>
+              <a:rPr lang="en-US" sz="2000" dirty="0">
+                <a:latin typeface="Times New Roman" panose="02020603050405020304" pitchFamily="18" charset="0"/>
+                <a:cs typeface="Times New Roman" panose="02020603050405020304" pitchFamily="18" charset="0"/>
+              </a:rPr>
+              <a:t>, M. and C. Clark. 1997. </a:t>
+            </a:r>
+            <a:r>
+              <a:rPr lang="en-US" sz="2000" i="1" dirty="0">
+                <a:latin typeface="Times New Roman" panose="02020603050405020304" pitchFamily="18" charset="0"/>
+                <a:cs typeface="Times New Roman" panose="02020603050405020304" pitchFamily="18" charset="0"/>
+              </a:rPr>
+              <a:t>The Ecological Detective: confronting models with data</a:t>
+            </a:r>
+            <a:r>
+              <a:rPr lang="en-US" sz="2000" dirty="0">
+                <a:latin typeface="Times New Roman" panose="02020603050405020304" pitchFamily="18" charset="0"/>
+                <a:cs typeface="Times New Roman" panose="02020603050405020304" pitchFamily="18" charset="0"/>
+              </a:rPr>
+              <a:t>. Princeton Monographs.</a:t>
+            </a:r>
           </a:p>
         </p:txBody>
       </p:sp>
     </p:spTree>
     <p:extLst>
       <p:ext uri="{BB962C8B-B14F-4D97-AF65-F5344CB8AC3E}">
-        <p14:creationId xmlns:p14="http://schemas.microsoft.com/office/powerpoint/2010/main" val="4272290209"/>
+        <p14:creationId xmlns:p14="http://schemas.microsoft.com/office/powerpoint/2010/main" val="272441377"/>
       </p:ext>
     </p:extLst>
   </p:cSld>
@@ -4648,7 +7041,7 @@
           <p:cNvPr id="2" name="Title 1">
             <a:extLst>
               <a:ext uri="{FF2B5EF4-FFF2-40B4-BE49-F238E27FC236}">
-                <a16:creationId xmlns:a16="http://schemas.microsoft.com/office/drawing/2014/main" id="{7B656C24-2987-EA96-917A-A7F03A92DBB9}"/>
+                <a16:creationId xmlns:a16="http://schemas.microsoft.com/office/drawing/2014/main" id="{ABC2D099-3FE6-2F4E-AFD9-4863CFE68BDE}"/>
               </a:ext>
             </a:extLst>
           </p:cNvPr>
@@ -4666,7 +7059,7 @@
           <a:p>
             <a:r>
               <a:rPr lang="en-US" dirty="0"/>
-              <a:t>Examples</a:t>
+              <a:t>Latent variables</a:t>
             </a:r>
           </a:p>
         </p:txBody>
@@ -4676,7 +7069,7 @@
           <p:cNvPr id="3" name="Content Placeholder 2">
             <a:extLst>
               <a:ext uri="{FF2B5EF4-FFF2-40B4-BE49-F238E27FC236}">
-                <a16:creationId xmlns:a16="http://schemas.microsoft.com/office/drawing/2014/main" id="{CF31C2D9-6E3B-E6BF-5BAD-2323A35B820C}"/>
+                <a16:creationId xmlns:a16="http://schemas.microsoft.com/office/drawing/2014/main" id="{B6F5DEE7-F0EE-C14E-AE23-D09D047F99E3}"/>
               </a:ext>
             </a:extLst>
           </p:cNvPr>
@@ -4687,79 +7080,106 @@
             <p:ph idx="1"/>
           </p:nvPr>
         </p:nvSpPr>
-        <p:spPr/>
+        <p:spPr>
+          <a:xfrm>
+            <a:off x="228600" y="1485900"/>
+            <a:ext cx="11750040" cy="4631565"/>
+          </a:xfrm>
+        </p:spPr>
         <p:txBody>
           <a:bodyPr/>
           <a:lstStyle/>
           <a:p>
+            <a:pPr marL="0" indent="0">
+              <a:buNone/>
+            </a:pPr>
             <a:r>
               <a:rPr lang="en-US" u="sng" dirty="0"/>
-              <a:t>Random &amp; systematic</a:t>
+              <a:t>Latent variables</a:t>
             </a:r>
             <a:r>
               <a:rPr lang="en-US" dirty="0"/>
-              <a:t>: sensor drift </a:t>
-            </a:r>
-          </a:p>
-          <a:p>
-            <a:r>
-              <a:rPr lang="en-US" u="sng" dirty="0"/>
-              <a:t>Proxy:</a:t>
-            </a:r>
+              <a:t>: The variable of interest is unobserved or estimated with uncertainty</a:t>
+            </a:r>
+          </a:p>
+          <a:p>
+            <a:pPr marL="742950" indent="-742950">
+              <a:buAutoNum type="arabicPeriod"/>
+            </a:pPr>
             <a:r>
               <a:rPr lang="en-US" dirty="0"/>
-              <a:t> Total Domain Reflectometry (TDR) – 2 electric probes that measures soil </a:t>
-            </a:r>
-            <a:r>
-              <a:rPr lang="en-US" dirty="0" err="1"/>
-              <a:t>impedence</a:t>
-            </a:r>
+              <a:t>Random and systematic observation errors</a:t>
+            </a:r>
+          </a:p>
+          <a:p>
+            <a:pPr marL="742950" indent="-742950">
+              <a:buAutoNum type="arabicPeriod"/>
+            </a:pPr>
             <a:r>
               <a:rPr lang="en-US" dirty="0"/>
-              <a:t> estimate soil moisture</a:t>
-            </a:r>
-          </a:p>
-          <a:p>
-            <a:r>
-              <a:rPr lang="en-US" u="sng" dirty="0"/>
-              <a:t>Proxy:</a:t>
-            </a:r>
+              <a:t>Proxy data</a:t>
+            </a:r>
+          </a:p>
+          <a:p>
+            <a:pPr marL="742950" indent="-742950">
+              <a:buAutoNum type="arabicPeriod"/>
+            </a:pPr>
             <a:r>
               <a:rPr lang="en-US" dirty="0"/>
-              <a:t> NVDI - net primary production</a:t>
-            </a:r>
-          </a:p>
-          <a:p>
-            <a:r>
-              <a:rPr lang="en-US" u="sng" dirty="0"/>
-              <a:t>Proxy:</a:t>
-            </a:r>
+              <a:t>Missing data</a:t>
+            </a:r>
+          </a:p>
+          <a:p>
+            <a:pPr marL="742950" indent="-742950">
+              <a:buAutoNum type="arabicPeriod"/>
+            </a:pPr>
             <a:r>
               <a:rPr lang="en-US" dirty="0"/>
-              <a:t> O</a:t>
-            </a:r>
-            <a:r>
-              <a:rPr lang="en-US" baseline="30000" dirty="0"/>
-              <a:t>18</a:t>
-            </a:r>
-            <a:r>
-              <a:rPr lang="en-US" dirty="0"/>
-              <a:t> in water – temperature, evaporation, and atmospheric </a:t>
-            </a:r>
-            <a:r>
-              <a:rPr lang="en-US" dirty="0" err="1"/>
-              <a:t>cipitation</a:t>
-            </a:r>
-            <a:endParaRPr lang="en-US" baseline="30000" dirty="0"/>
-          </a:p>
-          <a:p>
-            <a:r>
-              <a:rPr lang="en-US" u="sng" dirty="0"/>
-              <a:t>Unobserved:</a:t>
-            </a:r>
-            <a:r>
-              <a:rPr lang="en-US" dirty="0"/>
-              <a:t> resource allocation to growth, fecundity, allometry</a:t>
+              <a:t>Unobserved variables</a:t>
+            </a:r>
+          </a:p>
+          <a:p>
+            <a:pPr marL="0" indent="0">
+              <a:buNone/>
+            </a:pPr>
+            <a:endParaRPr lang="en-US" dirty="0"/>
+          </a:p>
+        </p:txBody>
+      </p:sp>
+      <p:sp>
+        <p:nvSpPr>
+          <p:cNvPr id="4" name="TextBox 3">
+            <a:extLst>
+              <a:ext uri="{FF2B5EF4-FFF2-40B4-BE49-F238E27FC236}">
+                <a16:creationId xmlns:a16="http://schemas.microsoft.com/office/drawing/2014/main" id="{D1BA81EB-66FE-A9EF-A25C-FAC2E4F8D0CA}"/>
+              </a:ext>
+            </a:extLst>
+          </p:cNvPr>
+          <p:cNvSpPr txBox="1"/>
+          <p:nvPr/>
+        </p:nvSpPr>
+        <p:spPr>
+          <a:xfrm>
+            <a:off x="8472552" y="6470413"/>
+            <a:ext cx="3506088" cy="369332"/>
+          </a:xfrm>
+          <a:prstGeom prst="rect">
+            <a:avLst/>
+          </a:prstGeom>
+          <a:noFill/>
+        </p:spPr>
+        <p:txBody>
+          <a:bodyPr wrap="none" rtlCol="0">
+            <a:spAutoFit/>
+          </a:bodyPr>
+          <a:lstStyle/>
+          <a:p>
+            <a:r>
+              <a:rPr lang="en-US" dirty="0">
+                <a:latin typeface="Times New Roman" panose="02020603050405020304" pitchFamily="18" charset="0"/>
+                <a:cs typeface="Times New Roman" panose="02020603050405020304" pitchFamily="18" charset="0"/>
+              </a:rPr>
+              <a:t>Dietz 2017. Ecological forecasting.</a:t>
             </a:r>
           </a:p>
         </p:txBody>
@@ -4767,7 +7187,7 @@
     </p:spTree>
     <p:extLst>
       <p:ext uri="{BB962C8B-B14F-4D97-AF65-F5344CB8AC3E}">
-        <p14:creationId xmlns:p14="http://schemas.microsoft.com/office/powerpoint/2010/main" val="3215534232"/>
+        <p14:creationId xmlns:p14="http://schemas.microsoft.com/office/powerpoint/2010/main" val="4272290209"/>
       </p:ext>
     </p:extLst>
   </p:cSld>
@@ -4799,7 +7219,7 @@
           <p:cNvPr id="2" name="Title 1">
             <a:extLst>
               <a:ext uri="{FF2B5EF4-FFF2-40B4-BE49-F238E27FC236}">
-                <a16:creationId xmlns:a16="http://schemas.microsoft.com/office/drawing/2014/main" id="{155DF4D9-8E28-F093-8F92-41833FB5D5BA}"/>
+                <a16:creationId xmlns:a16="http://schemas.microsoft.com/office/drawing/2014/main" id="{7B656C24-2987-EA96-917A-A7F03A92DBB9}"/>
               </a:ext>
             </a:extLst>
           </p:cNvPr>
@@ -4817,7 +7237,7 @@
           <a:p>
             <a:r>
               <a:rPr lang="en-US" dirty="0"/>
-              <a:t>NL vaccination data</a:t>
+              <a:t>Examples</a:t>
             </a:r>
           </a:p>
         </p:txBody>
@@ -4827,7 +7247,7 @@
           <p:cNvPr id="3" name="Content Placeholder 2">
             <a:extLst>
               <a:ext uri="{FF2B5EF4-FFF2-40B4-BE49-F238E27FC236}">
-                <a16:creationId xmlns:a16="http://schemas.microsoft.com/office/drawing/2014/main" id="{1D151818-8802-50D3-440E-625BBB810A84}"/>
+                <a16:creationId xmlns:a16="http://schemas.microsoft.com/office/drawing/2014/main" id="{CF31C2D9-6E3B-E6BF-5BAD-2323A35B820C}"/>
               </a:ext>
             </a:extLst>
           </p:cNvPr>
@@ -4843,14 +7263,120 @@
           <a:bodyPr/>
           <a:lstStyle/>
           <a:p>
-            <a:endParaRPr lang="en-US"/>
+            <a:r>
+              <a:rPr lang="en-US" u="sng" dirty="0"/>
+              <a:t>Random &amp; systematic</a:t>
+            </a:r>
+            <a:r>
+              <a:rPr lang="en-US" dirty="0"/>
+              <a:t>: sensor drift </a:t>
+            </a:r>
+          </a:p>
+          <a:p>
+            <a:r>
+              <a:rPr lang="en-US" u="sng" dirty="0"/>
+              <a:t>Proxy:</a:t>
+            </a:r>
+            <a:r>
+              <a:rPr lang="en-US" dirty="0"/>
+              <a:t> Total Domain Reflectometry (TDR) – 2 electric probes that measures soil </a:t>
+            </a:r>
+            <a:r>
+              <a:rPr lang="en-US" dirty="0" err="1"/>
+              <a:t>impedence</a:t>
+            </a:r>
+            <a:r>
+              <a:rPr lang="en-US" dirty="0"/>
+              <a:t> estimate soil moisture</a:t>
+            </a:r>
+          </a:p>
+          <a:p>
+            <a:r>
+              <a:rPr lang="en-US" u="sng" dirty="0"/>
+              <a:t>Proxy:</a:t>
+            </a:r>
+            <a:r>
+              <a:rPr lang="en-US" dirty="0"/>
+              <a:t> NVDI - net primary production</a:t>
+            </a:r>
+          </a:p>
+          <a:p>
+            <a:r>
+              <a:rPr lang="en-US" u="sng" dirty="0"/>
+              <a:t>Proxy:</a:t>
+            </a:r>
+            <a:r>
+              <a:rPr lang="en-US" dirty="0"/>
+              <a:t> O</a:t>
+            </a:r>
+            <a:r>
+              <a:rPr lang="en-US" baseline="30000" dirty="0"/>
+              <a:t>18</a:t>
+            </a:r>
+            <a:r>
+              <a:rPr lang="en-US" dirty="0"/>
+              <a:t> in water – temperature, evaporation, and atmospheric </a:t>
+            </a:r>
+            <a:r>
+              <a:rPr lang="en-US" dirty="0" err="1"/>
+              <a:t>cipitation</a:t>
+            </a:r>
+            <a:endParaRPr lang="en-US" baseline="30000" dirty="0"/>
+          </a:p>
+          <a:p>
+            <a:r>
+              <a:rPr lang="en-US" u="sng" dirty="0"/>
+              <a:t>Unobserved:</a:t>
+            </a:r>
+            <a:r>
+              <a:rPr lang="en-US" dirty="0"/>
+              <a:t> resource allocation to growth, fecundity, allometry</a:t>
+            </a:r>
+          </a:p>
+        </p:txBody>
+      </p:sp>
+      <p:sp>
+        <p:nvSpPr>
+          <p:cNvPr id="4" name="TextBox 3">
+            <a:extLst>
+              <a:ext uri="{FF2B5EF4-FFF2-40B4-BE49-F238E27FC236}">
+                <a16:creationId xmlns:a16="http://schemas.microsoft.com/office/drawing/2014/main" id="{F3F54901-2E92-0954-878E-6382A4BEAE1E}"/>
+              </a:ext>
+            </a:extLst>
+          </p:cNvPr>
+          <p:cNvSpPr txBox="1"/>
+          <p:nvPr/>
+        </p:nvSpPr>
+        <p:spPr>
+          <a:xfrm>
+            <a:off x="8685912" y="6470413"/>
+            <a:ext cx="3506088" cy="369332"/>
+          </a:xfrm>
+          <a:prstGeom prst="rect">
+            <a:avLst/>
+          </a:prstGeom>
+          <a:noFill/>
+        </p:spPr>
+        <p:txBody>
+          <a:bodyPr wrap="none" rtlCol="0">
+            <a:spAutoFit/>
+          </a:bodyPr>
+          <a:lstStyle/>
+          <a:p>
+            <a:r>
+              <a:rPr lang="en-US" dirty="0">
+                <a:latin typeface="Times New Roman" panose="02020603050405020304" pitchFamily="18" charset="0"/>
+                <a:cs typeface="Times New Roman" panose="02020603050405020304" pitchFamily="18" charset="0"/>
+              </a:rPr>
+              <a:t>Dietz 2017. Ecological forecasting.</a:t>
+            </a:r>
           </a:p>
         </p:txBody>
       </p:sp>
     </p:spTree>
     <p:extLst>
       <p:ext uri="{BB962C8B-B14F-4D97-AF65-F5344CB8AC3E}">
-        <p14:creationId xmlns:p14="http://schemas.microsoft.com/office/powerpoint/2010/main" val="1764256649"/>
+        <p14:creationId xmlns:p14="http://schemas.microsoft.com/office/powerpoint/2010/main" val="3215534232"/>
       </p:ext>
     </p:extLst>
   </p:cSld>
@@ -4882,7 +7408,7 @@
           <p:cNvPr id="2" name="Title 1">
             <a:extLst>
               <a:ext uri="{FF2B5EF4-FFF2-40B4-BE49-F238E27FC236}">
-                <a16:creationId xmlns:a16="http://schemas.microsoft.com/office/drawing/2014/main" id="{B6E46BEA-77D9-8EFF-456F-F2A05B299B83}"/>
+                <a16:creationId xmlns:a16="http://schemas.microsoft.com/office/drawing/2014/main" id="{155DF4D9-8E28-F093-8F92-41833FB5D5BA}"/>
               </a:ext>
             </a:extLst>
           </p:cNvPr>
@@ -4900,43 +7426,99 @@
           <a:p>
             <a:r>
               <a:rPr lang="en-US" dirty="0"/>
-              <a:t>Ecological detective</a:t>
-            </a:r>
-          </a:p>
-        </p:txBody>
-      </p:sp>
-      <p:sp>
-        <p:nvSpPr>
-          <p:cNvPr id="3" name="Content Placeholder 2">
-            <a:extLst>
-              <a:ext uri="{FF2B5EF4-FFF2-40B4-BE49-F238E27FC236}">
-                <a16:creationId xmlns:a16="http://schemas.microsoft.com/office/drawing/2014/main" id="{E5BC8B96-3B7E-3B06-B618-D6A9C44AE51D}"/>
-              </a:ext>
-            </a:extLst>
-          </p:cNvPr>
-          <p:cNvSpPr>
-            <a:spLocks noGrp="1"/>
-          </p:cNvSpPr>
-          <p:nvPr>
-            <p:ph idx="1"/>
-          </p:nvPr>
-        </p:nvSpPr>
-        <p:spPr/>
-        <p:txBody>
-          <a:bodyPr/>
-          <a:lstStyle/>
-          <a:p>
-            <a:pPr marL="0" indent="0">
-              <a:buNone/>
-            </a:pPr>
+              <a:t>Canadian vaccination data</a:t>
+            </a:r>
+          </a:p>
+        </p:txBody>
+      </p:sp>
+      <p:sp>
+        <p:nvSpPr>
+          <p:cNvPr id="7" name="TextBox 6">
+            <a:extLst>
+              <a:ext uri="{FF2B5EF4-FFF2-40B4-BE49-F238E27FC236}">
+                <a16:creationId xmlns:a16="http://schemas.microsoft.com/office/drawing/2014/main" id="{BE73EEEE-1BB5-F543-56B4-205BCA4F3207}"/>
+              </a:ext>
+            </a:extLst>
+          </p:cNvPr>
+          <p:cNvSpPr txBox="1"/>
+          <p:nvPr/>
+        </p:nvSpPr>
+        <p:spPr>
+          <a:xfrm>
+            <a:off x="3176789" y="6470413"/>
+            <a:ext cx="8584485" cy="369332"/>
+          </a:xfrm>
+          <a:prstGeom prst="rect">
+            <a:avLst/>
+          </a:prstGeom>
+          <a:noFill/>
+        </p:spPr>
+        <p:txBody>
+          <a:bodyPr wrap="square">
+            <a:spAutoFit/>
+          </a:bodyPr>
+          <a:lstStyle/>
+          <a:p>
+            <a:r>
+              <a:rPr lang="en-US" dirty="0"/>
+              <a:t>Government of Canada </a:t>
+            </a:r>
+            <a:r>
+              <a:rPr lang="en-US" dirty="0">
+                <a:hlinkClick r:id="rId2"/>
+              </a:rPr>
+              <a:t>https://health-</a:t>
+            </a:r>
+            <a:r>
+              <a:rPr lang="en-US" dirty="0" err="1">
+                <a:hlinkClick r:id="rId2"/>
+              </a:rPr>
+              <a:t>infobase.canada.ca</a:t>
+            </a:r>
+            <a:r>
+              <a:rPr lang="en-US" dirty="0">
+                <a:hlinkClick r:id="rId2"/>
+              </a:rPr>
+              <a:t>/covid-19/vaccination-coverage/</a:t>
+            </a:r>
             <a:endParaRPr lang="en-US" dirty="0"/>
           </a:p>
         </p:txBody>
       </p:sp>
+      <p:pic>
+        <p:nvPicPr>
+          <p:cNvPr id="9" name="Picture 8">
+            <a:extLst>
+              <a:ext uri="{FF2B5EF4-FFF2-40B4-BE49-F238E27FC236}">
+                <a16:creationId xmlns:a16="http://schemas.microsoft.com/office/drawing/2014/main" id="{3B9FB84C-6CB2-D066-CA3A-F6161A3F8D5B}"/>
+              </a:ext>
+            </a:extLst>
+          </p:cNvPr>
+          <p:cNvPicPr>
+            <a:picLocks noChangeAspect="1"/>
+          </p:cNvPicPr>
+          <p:nvPr/>
+        </p:nvPicPr>
+        <p:blipFill>
+          <a:blip r:embed="rId3"/>
+          <a:stretch>
+            <a:fillRect/>
+          </a:stretch>
+        </p:blipFill>
+        <p:spPr>
+          <a:xfrm>
+            <a:off x="2043984" y="1157131"/>
+            <a:ext cx="7939152" cy="5313282"/>
+          </a:xfrm>
+          <a:prstGeom prst="rect">
+            <a:avLst/>
+          </a:prstGeom>
+        </p:spPr>
+      </p:pic>
     </p:spTree>
     <p:extLst>
       <p:ext uri="{BB962C8B-B14F-4D97-AF65-F5344CB8AC3E}">
-        <p14:creationId xmlns:p14="http://schemas.microsoft.com/office/powerpoint/2010/main" val="272441377"/>
+        <p14:creationId xmlns:p14="http://schemas.microsoft.com/office/powerpoint/2010/main" val="1764256649"/>
       </p:ext>
     </p:extLst>
   </p:cSld>
@@ -4968,7 +7550,7 @@
           <p:cNvPr id="2" name="Title 1">
             <a:extLst>
               <a:ext uri="{FF2B5EF4-FFF2-40B4-BE49-F238E27FC236}">
-                <a16:creationId xmlns:a16="http://schemas.microsoft.com/office/drawing/2014/main" id="{9DB04AF2-BF7A-A96F-2740-C07FFCF78F5A}"/>
+                <a16:creationId xmlns:a16="http://schemas.microsoft.com/office/drawing/2014/main" id="{96C5067A-A36E-6899-5263-5D6F4DF8BADB}"/>
               </a:ext>
             </a:extLst>
           </p:cNvPr>
@@ -4986,55 +7568,45 @@
           <a:p>
             <a:r>
               <a:rPr lang="en-US" dirty="0"/>
-              <a:t>State space models</a:t>
-            </a:r>
-          </a:p>
-        </p:txBody>
-      </p:sp>
-      <p:sp>
-        <p:nvSpPr>
-          <p:cNvPr id="3" name="Content Placeholder 2">
-            <a:extLst>
-              <a:ext uri="{FF2B5EF4-FFF2-40B4-BE49-F238E27FC236}">
-                <a16:creationId xmlns:a16="http://schemas.microsoft.com/office/drawing/2014/main" id="{3A183118-89C6-53A7-E1AC-CF24905E813B}"/>
-              </a:ext>
-            </a:extLst>
-          </p:cNvPr>
-          <p:cNvSpPr>
-            <a:spLocks noGrp="1"/>
-          </p:cNvSpPr>
-          <p:nvPr>
-            <p:ph idx="1"/>
-          </p:nvPr>
-        </p:nvSpPr>
-        <p:spPr/>
-        <p:txBody>
-          <a:bodyPr/>
-          <a:lstStyle/>
-          <a:p>
-            <a:r>
-              <a:rPr lang="en-US" dirty="0"/>
-              <a:t>For time series analysis, also referred to as hidden Markov models</a:t>
-            </a:r>
-          </a:p>
-          <a:p>
-            <a:r>
-              <a:rPr lang="en-US" dirty="0"/>
-              <a:t>hidden =&gt; latent; Markov =&gt; next state depends only on current state</a:t>
-            </a:r>
-          </a:p>
-          <a:p>
-            <a:pPr marL="0" indent="0">
-              <a:buNone/>
-            </a:pPr>
-            <a:endParaRPr lang="en-US" dirty="0"/>
-          </a:p>
-        </p:txBody>
-      </p:sp>
+              <a:t>Reporting frequency (missing data)</a:t>
+            </a:r>
+          </a:p>
+        </p:txBody>
+      </p:sp>
+      <p:pic>
+        <p:nvPicPr>
+          <p:cNvPr id="7" name="Picture 6">
+            <a:extLst>
+              <a:ext uri="{FF2B5EF4-FFF2-40B4-BE49-F238E27FC236}">
+                <a16:creationId xmlns:a16="http://schemas.microsoft.com/office/drawing/2014/main" id="{F4347872-0F03-A4DE-ED26-26F16B76FDBA}"/>
+              </a:ext>
+            </a:extLst>
+          </p:cNvPr>
+          <p:cNvPicPr>
+            <a:picLocks noChangeAspect="1"/>
+          </p:cNvPicPr>
+          <p:nvPr/>
+        </p:nvPicPr>
+        <p:blipFill>
+          <a:blip r:embed="rId2"/>
+          <a:stretch>
+            <a:fillRect/>
+          </a:stretch>
+        </p:blipFill>
+        <p:spPr>
+          <a:xfrm>
+            <a:off x="1019308" y="1558344"/>
+            <a:ext cx="10838611" cy="4662152"/>
+          </a:xfrm>
+          <a:prstGeom prst="rect">
+            <a:avLst/>
+          </a:prstGeom>
+        </p:spPr>
+      </p:pic>
     </p:spTree>
     <p:extLst>
       <p:ext uri="{BB962C8B-B14F-4D97-AF65-F5344CB8AC3E}">
-        <p14:creationId xmlns:p14="http://schemas.microsoft.com/office/powerpoint/2010/main" val="4036158346"/>
+        <p14:creationId xmlns:p14="http://schemas.microsoft.com/office/powerpoint/2010/main" val="2014707566"/>
       </p:ext>
     </p:extLst>
   </p:cSld>
@@ -5061,40 +7633,116 @@
           <a:chExt cx="0" cy="0"/>
         </a:xfrm>
       </p:grpSpPr>
-      <p:pic>
-        <p:nvPicPr>
-          <p:cNvPr id="5" name="Picture 4">
-            <a:extLst>
-              <a:ext uri="{FF2B5EF4-FFF2-40B4-BE49-F238E27FC236}">
-                <a16:creationId xmlns:a16="http://schemas.microsoft.com/office/drawing/2014/main" id="{E80785CC-9B43-4F67-2126-9E97CCCB8EA2}"/>
-              </a:ext>
-            </a:extLst>
-          </p:cNvPr>
-          <p:cNvPicPr>
-            <a:picLocks noChangeAspect="1"/>
-          </p:cNvPicPr>
+      <p:sp>
+        <p:nvSpPr>
+          <p:cNvPr id="2" name="Title 1">
+            <a:extLst>
+              <a:ext uri="{FF2B5EF4-FFF2-40B4-BE49-F238E27FC236}">
+                <a16:creationId xmlns:a16="http://schemas.microsoft.com/office/drawing/2014/main" id="{9DB04AF2-BF7A-A96F-2740-C07FFCF78F5A}"/>
+              </a:ext>
+            </a:extLst>
+          </p:cNvPr>
+          <p:cNvSpPr>
+            <a:spLocks noGrp="1"/>
+          </p:cNvSpPr>
+          <p:nvPr>
+            <p:ph type="title"/>
+          </p:nvPr>
+        </p:nvSpPr>
+        <p:spPr/>
+        <p:txBody>
+          <a:bodyPr/>
+          <a:lstStyle/>
+          <a:p>
+            <a:r>
+              <a:rPr lang="en-US" dirty="0"/>
+              <a:t>State space models</a:t>
+            </a:r>
+          </a:p>
+        </p:txBody>
+      </p:sp>
+      <p:sp>
+        <p:nvSpPr>
+          <p:cNvPr id="3" name="Content Placeholder 2">
+            <a:extLst>
+              <a:ext uri="{FF2B5EF4-FFF2-40B4-BE49-F238E27FC236}">
+                <a16:creationId xmlns:a16="http://schemas.microsoft.com/office/drawing/2014/main" id="{3A183118-89C6-53A7-E1AC-CF24905E813B}"/>
+              </a:ext>
+            </a:extLst>
+          </p:cNvPr>
+          <p:cNvSpPr>
+            <a:spLocks noGrp="1"/>
+          </p:cNvSpPr>
+          <p:nvPr>
+            <p:ph idx="1"/>
+          </p:nvPr>
+        </p:nvSpPr>
+        <p:spPr/>
+        <p:txBody>
+          <a:bodyPr/>
+          <a:lstStyle/>
+          <a:p>
+            <a:r>
+              <a:rPr lang="en-US" dirty="0"/>
+              <a:t>For time series analysis, also referred to as hidden Markov models</a:t>
+            </a:r>
+          </a:p>
+          <a:p>
+            <a:r>
+              <a:rPr lang="en-US" dirty="0"/>
+              <a:t>hidden =&gt; latent; Markov =&gt; next state depends only on current state</a:t>
+            </a:r>
+          </a:p>
+          <a:p>
+            <a:pPr marL="0" indent="0">
+              <a:buNone/>
+            </a:pPr>
+            <a:endParaRPr lang="en-US" dirty="0"/>
+          </a:p>
+        </p:txBody>
+      </p:sp>
+      <p:sp>
+        <p:nvSpPr>
+          <p:cNvPr id="4" name="TextBox 3">
+            <a:extLst>
+              <a:ext uri="{FF2B5EF4-FFF2-40B4-BE49-F238E27FC236}">
+                <a16:creationId xmlns:a16="http://schemas.microsoft.com/office/drawing/2014/main" id="{C437BBAA-BE22-519C-0518-24665B258600}"/>
+              </a:ext>
+            </a:extLst>
+          </p:cNvPr>
+          <p:cNvSpPr txBox="1"/>
           <p:nvPr/>
-        </p:nvPicPr>
-        <p:blipFill>
-          <a:blip r:embed="rId2"/>
-          <a:stretch>
-            <a:fillRect/>
-          </a:stretch>
-        </p:blipFill>
-        <p:spPr>
-          <a:xfrm>
-            <a:off x="975126" y="531253"/>
-            <a:ext cx="9864969" cy="5795493"/>
+        </p:nvSpPr>
+        <p:spPr>
+          <a:xfrm>
+            <a:off x="8472552" y="6470413"/>
+            <a:ext cx="3506088" cy="369332"/>
           </a:xfrm>
           <a:prstGeom prst="rect">
             <a:avLst/>
           </a:prstGeom>
-        </p:spPr>
-      </p:pic>
+          <a:noFill/>
+        </p:spPr>
+        <p:txBody>
+          <a:bodyPr wrap="none" rtlCol="0">
+            <a:spAutoFit/>
+          </a:bodyPr>
+          <a:lstStyle/>
+          <a:p>
+            <a:r>
+              <a:rPr lang="en-US" dirty="0">
+                <a:latin typeface="Times New Roman" panose="02020603050405020304" pitchFamily="18" charset="0"/>
+                <a:cs typeface="Times New Roman" panose="02020603050405020304" pitchFamily="18" charset="0"/>
+              </a:rPr>
+              <a:t>Dietz 2017. Ecological forecasting.</a:t>
+            </a:r>
+          </a:p>
+        </p:txBody>
+      </p:sp>
     </p:spTree>
     <p:extLst>
       <p:ext uri="{BB962C8B-B14F-4D97-AF65-F5344CB8AC3E}">
-        <p14:creationId xmlns:p14="http://schemas.microsoft.com/office/powerpoint/2010/main" val="1047370488"/>
+        <p14:creationId xmlns:p14="http://schemas.microsoft.com/office/powerpoint/2010/main" val="4036158346"/>
       </p:ext>
     </p:extLst>
   </p:cSld>
@@ -5126,7 +7774,7 @@
           <p:cNvPr id="5" name="Picture 4">
             <a:extLst>
               <a:ext uri="{FF2B5EF4-FFF2-40B4-BE49-F238E27FC236}">
-                <a16:creationId xmlns:a16="http://schemas.microsoft.com/office/drawing/2014/main" id="{812E1B48-5D7B-75CF-B820-3BC47100E7E1}"/>
+                <a16:creationId xmlns:a16="http://schemas.microsoft.com/office/drawing/2014/main" id="{E80785CC-9B43-4F67-2126-9E97CCCB8EA2}"/>
               </a:ext>
             </a:extLst>
           </p:cNvPr>
@@ -5143,18 +7791,56 @@
         </p:blipFill>
         <p:spPr>
           <a:xfrm>
-            <a:off x="213607" y="483547"/>
-            <a:ext cx="11764786" cy="5890906"/>
+            <a:off x="465437" y="231820"/>
+            <a:ext cx="10971001" cy="6445267"/>
           </a:xfrm>
           <a:prstGeom prst="rect">
             <a:avLst/>
           </a:prstGeom>
         </p:spPr>
       </p:pic>
+      <p:sp>
+        <p:nvSpPr>
+          <p:cNvPr id="6" name="TextBox 5">
+            <a:extLst>
+              <a:ext uri="{FF2B5EF4-FFF2-40B4-BE49-F238E27FC236}">
+                <a16:creationId xmlns:a16="http://schemas.microsoft.com/office/drawing/2014/main" id="{A9A5F090-F61B-B7F4-C8C9-BDACBE8D2D83}"/>
+              </a:ext>
+            </a:extLst>
+          </p:cNvPr>
+          <p:cNvSpPr txBox="1"/>
+          <p:nvPr/>
+        </p:nvSpPr>
+        <p:spPr>
+          <a:xfrm>
+            <a:off x="8472552" y="6470413"/>
+            <a:ext cx="3506088" cy="369332"/>
+          </a:xfrm>
+          <a:prstGeom prst="rect">
+            <a:avLst/>
+          </a:prstGeom>
+          <a:noFill/>
+        </p:spPr>
+        <p:txBody>
+          <a:bodyPr wrap="none" rtlCol="0">
+            <a:spAutoFit/>
+          </a:bodyPr>
+          <a:lstStyle/>
+          <a:p>
+            <a:r>
+              <a:rPr lang="en-US" dirty="0">
+                <a:latin typeface="Times New Roman" panose="02020603050405020304" pitchFamily="18" charset="0"/>
+                <a:cs typeface="Times New Roman" panose="02020603050405020304" pitchFamily="18" charset="0"/>
+              </a:rPr>
+              <a:t>Dietz 2017. Ecological forecasting.</a:t>
+            </a:r>
+          </a:p>
+        </p:txBody>
+      </p:sp>
     </p:spTree>
     <p:extLst>
       <p:ext uri="{BB962C8B-B14F-4D97-AF65-F5344CB8AC3E}">
-        <p14:creationId xmlns:p14="http://schemas.microsoft.com/office/powerpoint/2010/main" val="1850620965"/>
+        <p14:creationId xmlns:p14="http://schemas.microsoft.com/office/powerpoint/2010/main" val="1047370488"/>
       </p:ext>
     </p:extLst>
   </p:cSld>

--- a/amy-lectures/State_Space_Models.pptx
+++ b/amy-lectures/State_Space_Models.pptx
@@ -5,7 +5,7 @@
     <p:sldMasterId id="2147483648" r:id="rId1"/>
   </p:sldMasterIdLst>
   <p:notesMasterIdLst>
-    <p:notesMasterId r:id="rId29"/>
+    <p:notesMasterId r:id="rId30"/>
   </p:notesMasterIdLst>
   <p:sldIdLst>
     <p:sldId id="256" r:id="rId2"/>
@@ -15,26 +15,27 @@
     <p:sldId id="303" r:id="rId6"/>
     <p:sldId id="310" r:id="rId7"/>
     <p:sldId id="316" r:id="rId8"/>
-    <p:sldId id="306" r:id="rId9"/>
-    <p:sldId id="307" r:id="rId10"/>
-    <p:sldId id="308" r:id="rId11"/>
-    <p:sldId id="327" r:id="rId12"/>
-    <p:sldId id="309" r:id="rId13"/>
-    <p:sldId id="311" r:id="rId14"/>
-    <p:sldId id="312" r:id="rId15"/>
-    <p:sldId id="317" r:id="rId16"/>
-    <p:sldId id="318" r:id="rId17"/>
-    <p:sldId id="320" r:id="rId18"/>
-    <p:sldId id="313" r:id="rId19"/>
-    <p:sldId id="321" r:id="rId20"/>
-    <p:sldId id="314" r:id="rId21"/>
-    <p:sldId id="315" r:id="rId22"/>
-    <p:sldId id="319" r:id="rId23"/>
-    <p:sldId id="326" r:id="rId24"/>
-    <p:sldId id="322" r:id="rId25"/>
-    <p:sldId id="323" r:id="rId26"/>
-    <p:sldId id="324" r:id="rId27"/>
-    <p:sldId id="325" r:id="rId28"/>
+    <p:sldId id="328" r:id="rId9"/>
+    <p:sldId id="306" r:id="rId10"/>
+    <p:sldId id="307" r:id="rId11"/>
+    <p:sldId id="308" r:id="rId12"/>
+    <p:sldId id="327" r:id="rId13"/>
+    <p:sldId id="309" r:id="rId14"/>
+    <p:sldId id="311" r:id="rId15"/>
+    <p:sldId id="312" r:id="rId16"/>
+    <p:sldId id="317" r:id="rId17"/>
+    <p:sldId id="318" r:id="rId18"/>
+    <p:sldId id="320" r:id="rId19"/>
+    <p:sldId id="313" r:id="rId20"/>
+    <p:sldId id="321" r:id="rId21"/>
+    <p:sldId id="314" r:id="rId22"/>
+    <p:sldId id="315" r:id="rId23"/>
+    <p:sldId id="319" r:id="rId24"/>
+    <p:sldId id="326" r:id="rId25"/>
+    <p:sldId id="322" r:id="rId26"/>
+    <p:sldId id="323" r:id="rId27"/>
+    <p:sldId id="324" r:id="rId28"/>
+    <p:sldId id="325" r:id="rId29"/>
   </p:sldIdLst>
   <p:sldSz cx="12192000" cy="6858000"/>
   <p:notesSz cx="6858000" cy="9144000"/>
@@ -223,7 +224,7 @@
           <a:p>
             <a:fld id="{4F607ABD-9BFA-4341-85EB-854238C078B1}" type="datetimeFigureOut">
               <a:rPr lang="en-US" smtClean="0"/>
-              <a:t>8/21/23</a:t>
+              <a:t>8/23/23</a:t>
             </a:fld>
             <a:endParaRPr lang="en-US" dirty="0"/>
           </a:p>
@@ -637,7 +638,7 @@
           <a:p>
             <a:fld id="{9BF60C95-0472-DE44-8980-673BD05BB60F}" type="datetimeFigureOut">
               <a:rPr lang="en-US" smtClean="0"/>
-              <a:t>8/21/23</a:t>
+              <a:t>8/23/23</a:t>
             </a:fld>
             <a:endParaRPr lang="en-US" dirty="0"/>
           </a:p>
@@ -835,7 +836,7 @@
           <a:p>
             <a:fld id="{9BF60C95-0472-DE44-8980-673BD05BB60F}" type="datetimeFigureOut">
               <a:rPr lang="en-US" smtClean="0"/>
-              <a:t>8/21/23</a:t>
+              <a:t>8/23/23</a:t>
             </a:fld>
             <a:endParaRPr lang="en-US" dirty="0"/>
           </a:p>
@@ -1043,7 +1044,7 @@
           <a:p>
             <a:fld id="{9BF60C95-0472-DE44-8980-673BD05BB60F}" type="datetimeFigureOut">
               <a:rPr lang="en-US" smtClean="0"/>
-              <a:t>8/21/23</a:t>
+              <a:t>8/23/23</a:t>
             </a:fld>
             <a:endParaRPr lang="en-US" dirty="0"/>
           </a:p>
@@ -1585,7 +1586,7 @@
           <a:p>
             <a:fld id="{9BF60C95-0472-DE44-8980-673BD05BB60F}" type="datetimeFigureOut">
               <a:rPr lang="en-US" smtClean="0"/>
-              <a:t>8/21/23</a:t>
+              <a:t>8/23/23</a:t>
             </a:fld>
             <a:endParaRPr lang="en-US" dirty="0"/>
           </a:p>
@@ -1850,7 +1851,7 @@
           <a:p>
             <a:fld id="{9BF60C95-0472-DE44-8980-673BD05BB60F}" type="datetimeFigureOut">
               <a:rPr lang="en-US" smtClean="0"/>
-              <a:t>8/21/23</a:t>
+              <a:t>8/23/23</a:t>
             </a:fld>
             <a:endParaRPr lang="en-US" dirty="0"/>
           </a:p>
@@ -2262,7 +2263,7 @@
           <a:p>
             <a:fld id="{9BF60C95-0472-DE44-8980-673BD05BB60F}" type="datetimeFigureOut">
               <a:rPr lang="en-US" smtClean="0"/>
-              <a:t>8/21/23</a:t>
+              <a:t>8/23/23</a:t>
             </a:fld>
             <a:endParaRPr lang="en-US" dirty="0"/>
           </a:p>
@@ -2403,7 +2404,7 @@
           <a:p>
             <a:fld id="{9BF60C95-0472-DE44-8980-673BD05BB60F}" type="datetimeFigureOut">
               <a:rPr lang="en-US" smtClean="0"/>
-              <a:t>8/21/23</a:t>
+              <a:t>8/23/23</a:t>
             </a:fld>
             <a:endParaRPr lang="en-US" dirty="0"/>
           </a:p>
@@ -2516,7 +2517,7 @@
           <a:p>
             <a:fld id="{9BF60C95-0472-DE44-8980-673BD05BB60F}" type="datetimeFigureOut">
               <a:rPr lang="en-US" smtClean="0"/>
-              <a:t>8/21/23</a:t>
+              <a:t>8/23/23</a:t>
             </a:fld>
             <a:endParaRPr lang="en-US" dirty="0"/>
           </a:p>
@@ -2827,7 +2828,7 @@
           <a:p>
             <a:fld id="{9BF60C95-0472-DE44-8980-673BD05BB60F}" type="datetimeFigureOut">
               <a:rPr lang="en-US" smtClean="0"/>
-              <a:t>8/21/23</a:t>
+              <a:t>8/23/23</a:t>
             </a:fld>
             <a:endParaRPr lang="en-US" dirty="0"/>
           </a:p>
@@ -3115,7 +3116,7 @@
           <a:p>
             <a:fld id="{9BF60C95-0472-DE44-8980-673BD05BB60F}" type="datetimeFigureOut">
               <a:rPr lang="en-US" smtClean="0"/>
-              <a:t>8/21/23</a:t>
+              <a:t>8/23/23</a:t>
             </a:fld>
             <a:endParaRPr lang="en-US" dirty="0"/>
           </a:p>
@@ -3356,7 +3357,7 @@
           <a:p>
             <a:fld id="{9BF60C95-0472-DE44-8980-673BD05BB60F}" type="datetimeFigureOut">
               <a:rPr lang="en-US" smtClean="0"/>
-              <a:t>8/21/23</a:t>
+              <a:t>8/23/23</a:t>
             </a:fld>
             <a:endParaRPr lang="en-US" dirty="0"/>
           </a:p>
@@ -3899,7 +3900,7 @@
           <p:cNvPr id="5" name="Picture 4">
             <a:extLst>
               <a:ext uri="{FF2B5EF4-FFF2-40B4-BE49-F238E27FC236}">
-                <a16:creationId xmlns:a16="http://schemas.microsoft.com/office/drawing/2014/main" id="{812E1B48-5D7B-75CF-B820-3BC47100E7E1}"/>
+                <a16:creationId xmlns:a16="http://schemas.microsoft.com/office/drawing/2014/main" id="{E80785CC-9B43-4F67-2126-9E97CCCB8EA2}"/>
               </a:ext>
             </a:extLst>
           </p:cNvPr>
@@ -3916,8 +3917,8 @@
         </p:blipFill>
         <p:spPr>
           <a:xfrm>
-            <a:off x="213607" y="483547"/>
-            <a:ext cx="11764786" cy="5890906"/>
+            <a:off x="465437" y="231820"/>
+            <a:ext cx="10971001" cy="6445267"/>
           </a:xfrm>
           <a:prstGeom prst="rect">
             <a:avLst/>
@@ -3929,7 +3930,7 @@
           <p:cNvPr id="6" name="TextBox 5">
             <a:extLst>
               <a:ext uri="{FF2B5EF4-FFF2-40B4-BE49-F238E27FC236}">
-                <a16:creationId xmlns:a16="http://schemas.microsoft.com/office/drawing/2014/main" id="{0A80ECDD-123B-8E0F-981A-D3989A452700}"/>
+                <a16:creationId xmlns:a16="http://schemas.microsoft.com/office/drawing/2014/main" id="{A9A5F090-F61B-B7F4-C8C9-BDACBE8D2D83}"/>
               </a:ext>
             </a:extLst>
           </p:cNvPr>
@@ -3965,7 +3966,7 @@
     </p:spTree>
     <p:extLst>
       <p:ext uri="{BB962C8B-B14F-4D97-AF65-F5344CB8AC3E}">
-        <p14:creationId xmlns:p14="http://schemas.microsoft.com/office/powerpoint/2010/main" val="1850620965"/>
+        <p14:creationId xmlns:p14="http://schemas.microsoft.com/office/powerpoint/2010/main" val="1047370488"/>
       </p:ext>
     </p:extLst>
   </p:cSld>
@@ -3992,47 +3993,12 @@
           <a:chExt cx="0" cy="0"/>
         </a:xfrm>
       </p:grpSpPr>
-      <p:sp>
-        <p:nvSpPr>
-          <p:cNvPr id="2" name="Title 1">
-            <a:extLst>
-              <a:ext uri="{FF2B5EF4-FFF2-40B4-BE49-F238E27FC236}">
-                <a16:creationId xmlns:a16="http://schemas.microsoft.com/office/drawing/2014/main" id="{E3C7BBDF-CA4F-908D-F67C-369EAA787300}"/>
-              </a:ext>
-            </a:extLst>
-          </p:cNvPr>
-          <p:cNvSpPr>
-            <a:spLocks noGrp="1"/>
-          </p:cNvSpPr>
-          <p:nvPr>
-            <p:ph type="title"/>
-          </p:nvPr>
-        </p:nvSpPr>
-        <p:spPr>
-          <a:xfrm>
-            <a:off x="126609" y="595030"/>
-            <a:ext cx="12192000" cy="1325563"/>
-          </a:xfrm>
-        </p:spPr>
-        <p:txBody>
-          <a:bodyPr>
-            <a:normAutofit fontScale="90000"/>
-          </a:bodyPr>
-          <a:lstStyle/>
-          <a:p>
-            <a:r>
-              <a:rPr lang="en-US" dirty="0"/>
-              <a:t>That process model was not SIR – that was a random walk…</a:t>
-            </a:r>
-          </a:p>
-        </p:txBody>
-      </p:sp>
       <p:pic>
         <p:nvPicPr>
-          <p:cNvPr id="4" name="Picture 3">
-            <a:extLst>
-              <a:ext uri="{FF2B5EF4-FFF2-40B4-BE49-F238E27FC236}">
-                <a16:creationId xmlns:a16="http://schemas.microsoft.com/office/drawing/2014/main" id="{331CC737-CCB7-47D9-F10D-2DA355C4CBDF}"/>
+          <p:cNvPr id="5" name="Picture 4">
+            <a:extLst>
+              <a:ext uri="{FF2B5EF4-FFF2-40B4-BE49-F238E27FC236}">
+                <a16:creationId xmlns:a16="http://schemas.microsoft.com/office/drawing/2014/main" id="{812E1B48-5D7B-75CF-B820-3BC47100E7E1}"/>
               </a:ext>
             </a:extLst>
           </p:cNvPr>
@@ -4049,8 +4015,8 @@
         </p:blipFill>
         <p:spPr>
           <a:xfrm>
-            <a:off x="4413798" y="2554359"/>
-            <a:ext cx="3083051" cy="1325563"/>
+            <a:off x="213607" y="483547"/>
+            <a:ext cx="11764786" cy="5890906"/>
           </a:xfrm>
           <a:prstGeom prst="rect">
             <a:avLst/>
@@ -4059,10 +4025,10 @@
       </p:pic>
       <p:sp>
         <p:nvSpPr>
-          <p:cNvPr id="5" name="TextBox 4">
-            <a:extLst>
-              <a:ext uri="{FF2B5EF4-FFF2-40B4-BE49-F238E27FC236}">
-                <a16:creationId xmlns:a16="http://schemas.microsoft.com/office/drawing/2014/main" id="{AD75D2D0-81E3-1D29-CDF0-9965668C9910}"/>
+          <p:cNvPr id="6" name="TextBox 5">
+            <a:extLst>
+              <a:ext uri="{FF2B5EF4-FFF2-40B4-BE49-F238E27FC236}">
+                <a16:creationId xmlns:a16="http://schemas.microsoft.com/office/drawing/2014/main" id="{0A80ECDD-123B-8E0F-981A-D3989A452700}"/>
               </a:ext>
             </a:extLst>
           </p:cNvPr>
@@ -4071,8 +4037,8 @@
         </p:nvSpPr>
         <p:spPr>
           <a:xfrm>
-            <a:off x="4413798" y="5683591"/>
-            <a:ext cx="8335205" cy="369332"/>
+            <a:off x="8472552" y="6470413"/>
+            <a:ext cx="3506088" cy="369332"/>
           </a:xfrm>
           <a:prstGeom prst="rect">
             <a:avLst/>
@@ -4080,114 +4046,25 @@
           <a:noFill/>
         </p:spPr>
         <p:txBody>
-          <a:bodyPr wrap="square">
+          <a:bodyPr wrap="none" rtlCol="0">
             <a:spAutoFit/>
           </a:bodyPr>
           <a:lstStyle/>
           <a:p>
             <a:r>
               <a:rPr lang="en-US" dirty="0">
-                <a:hlinkClick r:id="rId3"/>
+                <a:latin typeface="Times New Roman" panose="02020603050405020304" pitchFamily="18" charset="0"/>
+                <a:cs typeface="Times New Roman" panose="02020603050405020304" pitchFamily="18" charset="0"/>
               </a:rPr>
-              <a:t>https://</a:t>
-            </a:r>
-            <a:r>
-              <a:rPr lang="en-US" dirty="0" err="1">
-                <a:hlinkClick r:id="rId3"/>
-              </a:rPr>
-              <a:t>canmod.github.io</a:t>
-            </a:r>
-            <a:r>
-              <a:rPr lang="en-US" dirty="0">
-                <a:hlinkClick r:id="rId3"/>
-              </a:rPr>
-              <a:t>/</a:t>
-            </a:r>
-            <a:r>
-              <a:rPr lang="en-US" dirty="0" err="1">
-                <a:hlinkClick r:id="rId3"/>
-              </a:rPr>
-              <a:t>macpan</a:t>
-            </a:r>
-            <a:r>
-              <a:rPr lang="en-US" dirty="0">
-                <a:hlinkClick r:id="rId3"/>
-              </a:rPr>
-              <a:t>-book/</a:t>
-            </a:r>
-            <a:r>
-              <a:rPr lang="en-US" dirty="0" err="1">
-                <a:hlinkClick r:id="rId3"/>
-              </a:rPr>
-              <a:t>index.html#history-and-motivation</a:t>
-            </a:r>
-            <a:endParaRPr lang="en-US" dirty="0"/>
-          </a:p>
-        </p:txBody>
-      </p:sp>
-      <p:sp>
-        <p:nvSpPr>
-          <p:cNvPr id="6" name="Title 1">
-            <a:extLst>
-              <a:ext uri="{FF2B5EF4-FFF2-40B4-BE49-F238E27FC236}">
-                <a16:creationId xmlns:a16="http://schemas.microsoft.com/office/drawing/2014/main" id="{5738956E-43C6-6F94-CC51-FA470FD5EAD0}"/>
-              </a:ext>
-            </a:extLst>
-          </p:cNvPr>
-          <p:cNvSpPr txBox="1">
-            <a:spLocks/>
-          </p:cNvSpPr>
-          <p:nvPr/>
-        </p:nvSpPr>
-        <p:spPr>
-          <a:xfrm>
-            <a:off x="126609" y="4303641"/>
-            <a:ext cx="12192000" cy="1325563"/>
-          </a:xfrm>
-          <a:prstGeom prst="rect">
-            <a:avLst/>
-          </a:prstGeom>
-        </p:spPr>
-        <p:txBody>
-          <a:bodyPr vert="horz" lIns="91440" tIns="45720" rIns="91440" bIns="45720" rtlCol="0" anchor="ctr">
-            <a:normAutofit fontScale="90000" lnSpcReduction="20000"/>
-          </a:bodyPr>
-          <a:lstStyle>
-            <a:lvl1pPr algn="ctr" defTabSz="914400" rtl="0" eaLnBrk="1" latinLnBrk="0" hangingPunct="1">
-              <a:lnSpc>
-                <a:spcPct val="90000"/>
-              </a:lnSpc>
-              <a:spcBef>
-                <a:spcPct val="0"/>
-              </a:spcBef>
-              <a:buNone/>
-              <a:defRPr sz="6000" b="1" kern="1200">
-                <a:solidFill>
-                  <a:schemeClr val="tx1"/>
-                </a:solidFill>
-                <a:latin typeface="+mj-lt"/>
-                <a:ea typeface="+mj-ea"/>
-                <a:cs typeface="+mj-cs"/>
-              </a:defRPr>
-            </a:lvl1pPr>
-          </a:lstStyle>
-          <a:p>
-            <a:r>
-              <a:rPr lang="en-US" dirty="0"/>
-              <a:t>…. much less epidemiological detail than </a:t>
-            </a:r>
-            <a:r>
-              <a:rPr lang="en-US" dirty="0" err="1"/>
-              <a:t>McMasterPandemic</a:t>
-            </a:r>
-            <a:endParaRPr lang="en-US" dirty="0"/>
+              <a:t>Dietz 2017. Ecological forecasting.</a:t>
+            </a:r>
           </a:p>
         </p:txBody>
       </p:sp>
     </p:spTree>
     <p:extLst>
       <p:ext uri="{BB962C8B-B14F-4D97-AF65-F5344CB8AC3E}">
-        <p14:creationId xmlns:p14="http://schemas.microsoft.com/office/powerpoint/2010/main" val="4185314468"/>
+        <p14:creationId xmlns:p14="http://schemas.microsoft.com/office/powerpoint/2010/main" val="1850620965"/>
       </p:ext>
     </p:extLst>
   </p:cSld>
@@ -4219,7 +4096,7 @@
           <p:cNvPr id="2" name="Title 1">
             <a:extLst>
               <a:ext uri="{FF2B5EF4-FFF2-40B4-BE49-F238E27FC236}">
-                <a16:creationId xmlns:a16="http://schemas.microsoft.com/office/drawing/2014/main" id="{66C419D4-E718-18DB-B37E-2B1EC7276BD0}"/>
+                <a16:creationId xmlns:a16="http://schemas.microsoft.com/office/drawing/2014/main" id="{E3C7BBDF-CA4F-908D-F67C-369EAA787300}"/>
               </a:ext>
             </a:extLst>
           </p:cNvPr>
@@ -4230,64 +4107,61 @@
             <p:ph type="title"/>
           </p:nvPr>
         </p:nvSpPr>
-        <p:spPr/>
-        <p:txBody>
-          <a:bodyPr/>
+        <p:spPr>
+          <a:xfrm>
+            <a:off x="126609" y="595030"/>
+            <a:ext cx="12192000" cy="1325563"/>
+          </a:xfrm>
+        </p:spPr>
+        <p:txBody>
+          <a:bodyPr>
+            <a:normAutofit fontScale="90000"/>
+          </a:bodyPr>
           <a:lstStyle/>
           <a:p>
             <a:r>
               <a:rPr lang="en-US" dirty="0"/>
-              <a:t>Key concepts</a:t>
-            </a:r>
-          </a:p>
-        </p:txBody>
-      </p:sp>
-      <p:sp>
-        <p:nvSpPr>
-          <p:cNvPr id="3" name="Content Placeholder 2">
-            <a:extLst>
-              <a:ext uri="{FF2B5EF4-FFF2-40B4-BE49-F238E27FC236}">
-                <a16:creationId xmlns:a16="http://schemas.microsoft.com/office/drawing/2014/main" id="{A1EC2447-5293-18EC-FFB2-0007413CC04F}"/>
-              </a:ext>
-            </a:extLst>
-          </p:cNvPr>
-          <p:cNvSpPr>
-            <a:spLocks noGrp="1"/>
-          </p:cNvSpPr>
-          <p:nvPr>
-            <p:ph idx="1"/>
-          </p:nvPr>
-        </p:nvSpPr>
-        <p:spPr/>
-        <p:txBody>
-          <a:bodyPr/>
-          <a:lstStyle/>
-          <a:p>
-            <a:pPr marL="0" indent="0">
-              <a:buNone/>
-            </a:pPr>
-            <a:r>
-              <a:rPr lang="en-US" dirty="0"/>
-              <a:t>3. Because of their capacity to flexibly capture and partition a wide range of uncertainties and address the complexities of real data, Dietz recommends state space models as the basis of forecasting.</a:t>
-            </a:r>
-          </a:p>
-          <a:p>
-            <a:pPr marL="0" indent="0">
-              <a:buNone/>
-            </a:pPr>
-            <a:r>
-              <a:rPr lang="en-US" dirty="0"/>
-              <a:t>5. Missing data gaps and irregularly spaced data are handled automatically with uncertainties increasing with distance to the nearest observation.</a:t>
-            </a:r>
-          </a:p>
-        </p:txBody>
-      </p:sp>
-      <p:sp>
-        <p:nvSpPr>
-          <p:cNvPr id="4" name="TextBox 3">
-            <a:extLst>
-              <a:ext uri="{FF2B5EF4-FFF2-40B4-BE49-F238E27FC236}">
-                <a16:creationId xmlns:a16="http://schemas.microsoft.com/office/drawing/2014/main" id="{CBD97D83-F90B-2BB8-4699-DA1E6B7197C8}"/>
+              <a:t>That process model was not SIR – that was a random walk…</a:t>
+            </a:r>
+          </a:p>
+        </p:txBody>
+      </p:sp>
+      <p:pic>
+        <p:nvPicPr>
+          <p:cNvPr id="4" name="Picture 3">
+            <a:extLst>
+              <a:ext uri="{FF2B5EF4-FFF2-40B4-BE49-F238E27FC236}">
+                <a16:creationId xmlns:a16="http://schemas.microsoft.com/office/drawing/2014/main" id="{331CC737-CCB7-47D9-F10D-2DA355C4CBDF}"/>
+              </a:ext>
+            </a:extLst>
+          </p:cNvPr>
+          <p:cNvPicPr>
+            <a:picLocks noChangeAspect="1"/>
+          </p:cNvPicPr>
+          <p:nvPr/>
+        </p:nvPicPr>
+        <p:blipFill>
+          <a:blip r:embed="rId2"/>
+          <a:stretch>
+            <a:fillRect/>
+          </a:stretch>
+        </p:blipFill>
+        <p:spPr>
+          <a:xfrm>
+            <a:off x="4413798" y="2554359"/>
+            <a:ext cx="3083051" cy="1325563"/>
+          </a:xfrm>
+          <a:prstGeom prst="rect">
+            <a:avLst/>
+          </a:prstGeom>
+        </p:spPr>
+      </p:pic>
+      <p:sp>
+        <p:nvSpPr>
+          <p:cNvPr id="5" name="TextBox 4">
+            <a:extLst>
+              <a:ext uri="{FF2B5EF4-FFF2-40B4-BE49-F238E27FC236}">
+                <a16:creationId xmlns:a16="http://schemas.microsoft.com/office/drawing/2014/main" id="{AD75D2D0-81E3-1D29-CDF0-9965668C9910}"/>
               </a:ext>
             </a:extLst>
           </p:cNvPr>
@@ -4296,8 +4170,8 @@
         </p:nvSpPr>
         <p:spPr>
           <a:xfrm>
-            <a:off x="8472552" y="6470413"/>
-            <a:ext cx="3506088" cy="369332"/>
+            <a:off x="4413798" y="5683591"/>
+            <a:ext cx="8335205" cy="369332"/>
           </a:xfrm>
           <a:prstGeom prst="rect">
             <a:avLst/>
@@ -4305,25 +4179,114 @@
           <a:noFill/>
         </p:spPr>
         <p:txBody>
-          <a:bodyPr wrap="none" rtlCol="0">
+          <a:bodyPr wrap="square">
             <a:spAutoFit/>
           </a:bodyPr>
           <a:lstStyle/>
           <a:p>
             <a:r>
               <a:rPr lang="en-US" dirty="0">
-                <a:latin typeface="Times New Roman" panose="02020603050405020304" pitchFamily="18" charset="0"/>
-                <a:cs typeface="Times New Roman" panose="02020603050405020304" pitchFamily="18" charset="0"/>
+                <a:hlinkClick r:id="rId3"/>
               </a:rPr>
-              <a:t>Dietz 2017. Ecological forecasting.</a:t>
-            </a:r>
+              <a:t>https://</a:t>
+            </a:r>
+            <a:r>
+              <a:rPr lang="en-US" dirty="0" err="1">
+                <a:hlinkClick r:id="rId3"/>
+              </a:rPr>
+              <a:t>canmod.github.io</a:t>
+            </a:r>
+            <a:r>
+              <a:rPr lang="en-US" dirty="0">
+                <a:hlinkClick r:id="rId3"/>
+              </a:rPr>
+              <a:t>/</a:t>
+            </a:r>
+            <a:r>
+              <a:rPr lang="en-US" dirty="0" err="1">
+                <a:hlinkClick r:id="rId3"/>
+              </a:rPr>
+              <a:t>macpan</a:t>
+            </a:r>
+            <a:r>
+              <a:rPr lang="en-US" dirty="0">
+                <a:hlinkClick r:id="rId3"/>
+              </a:rPr>
+              <a:t>-book/</a:t>
+            </a:r>
+            <a:r>
+              <a:rPr lang="en-US" dirty="0" err="1">
+                <a:hlinkClick r:id="rId3"/>
+              </a:rPr>
+              <a:t>index.html#history-and-motivation</a:t>
+            </a:r>
+            <a:endParaRPr lang="en-US" dirty="0"/>
+          </a:p>
+        </p:txBody>
+      </p:sp>
+      <p:sp>
+        <p:nvSpPr>
+          <p:cNvPr id="6" name="Title 1">
+            <a:extLst>
+              <a:ext uri="{FF2B5EF4-FFF2-40B4-BE49-F238E27FC236}">
+                <a16:creationId xmlns:a16="http://schemas.microsoft.com/office/drawing/2014/main" id="{5738956E-43C6-6F94-CC51-FA470FD5EAD0}"/>
+              </a:ext>
+            </a:extLst>
+          </p:cNvPr>
+          <p:cNvSpPr txBox="1">
+            <a:spLocks/>
+          </p:cNvSpPr>
+          <p:nvPr/>
+        </p:nvSpPr>
+        <p:spPr>
+          <a:xfrm>
+            <a:off x="126609" y="4303641"/>
+            <a:ext cx="12192000" cy="1325563"/>
+          </a:xfrm>
+          <a:prstGeom prst="rect">
+            <a:avLst/>
+          </a:prstGeom>
+        </p:spPr>
+        <p:txBody>
+          <a:bodyPr vert="horz" lIns="91440" tIns="45720" rIns="91440" bIns="45720" rtlCol="0" anchor="ctr">
+            <a:normAutofit fontScale="90000" lnSpcReduction="20000"/>
+          </a:bodyPr>
+          <a:lstStyle>
+            <a:lvl1pPr algn="ctr" defTabSz="914400" rtl="0" eaLnBrk="1" latinLnBrk="0" hangingPunct="1">
+              <a:lnSpc>
+                <a:spcPct val="90000"/>
+              </a:lnSpc>
+              <a:spcBef>
+                <a:spcPct val="0"/>
+              </a:spcBef>
+              <a:buNone/>
+              <a:defRPr sz="6000" b="1" kern="1200">
+                <a:solidFill>
+                  <a:schemeClr val="tx1"/>
+                </a:solidFill>
+                <a:latin typeface="+mj-lt"/>
+                <a:ea typeface="+mj-ea"/>
+                <a:cs typeface="+mj-cs"/>
+              </a:defRPr>
+            </a:lvl1pPr>
+          </a:lstStyle>
+          <a:p>
+            <a:r>
+              <a:rPr lang="en-US" dirty="0"/>
+              <a:t>…. much less epidemiological detail than </a:t>
+            </a:r>
+            <a:r>
+              <a:rPr lang="en-US" dirty="0" err="1"/>
+              <a:t>McMasterPandemic</a:t>
+            </a:r>
+            <a:endParaRPr lang="en-US" dirty="0"/>
           </a:p>
         </p:txBody>
       </p:sp>
     </p:spTree>
     <p:extLst>
       <p:ext uri="{BB962C8B-B14F-4D97-AF65-F5344CB8AC3E}">
-        <p14:creationId xmlns:p14="http://schemas.microsoft.com/office/powerpoint/2010/main" val="1730632547"/>
+        <p14:creationId xmlns:p14="http://schemas.microsoft.com/office/powerpoint/2010/main" val="4185314468"/>
       </p:ext>
     </p:extLst>
   </p:cSld>
@@ -4355,7 +4318,7 @@
           <p:cNvPr id="2" name="Title 1">
             <a:extLst>
               <a:ext uri="{FF2B5EF4-FFF2-40B4-BE49-F238E27FC236}">
-                <a16:creationId xmlns:a16="http://schemas.microsoft.com/office/drawing/2014/main" id="{31B7AC8E-9009-9E4D-4E56-AC6250D6362E}"/>
+                <a16:creationId xmlns:a16="http://schemas.microsoft.com/office/drawing/2014/main" id="{66C419D4-E718-18DB-B37E-2B1EC7276BD0}"/>
               </a:ext>
             </a:extLst>
           </p:cNvPr>
@@ -4373,7 +4336,7 @@
           <a:p>
             <a:r>
               <a:rPr lang="en-US" dirty="0"/>
-              <a:t>Ch 9 Fusing Data Sources</a:t>
+              <a:t>Key concepts</a:t>
             </a:r>
           </a:p>
         </p:txBody>
@@ -4383,7 +4346,7 @@
           <p:cNvPr id="3" name="Content Placeholder 2">
             <a:extLst>
               <a:ext uri="{FF2B5EF4-FFF2-40B4-BE49-F238E27FC236}">
-                <a16:creationId xmlns:a16="http://schemas.microsoft.com/office/drawing/2014/main" id="{E3D20841-03CF-76A8-A9C1-794B21793860}"/>
+                <a16:creationId xmlns:a16="http://schemas.microsoft.com/office/drawing/2014/main" id="{A1EC2447-5293-18EC-FFB2-0007413CC04F}"/>
               </a:ext>
             </a:extLst>
           </p:cNvPr>
@@ -4394,12 +4357,7 @@
             <p:ph idx="1"/>
           </p:nvPr>
         </p:nvSpPr>
-        <p:spPr>
-          <a:xfrm>
-            <a:off x="1545465" y="2207116"/>
-            <a:ext cx="8551572" cy="3073221"/>
-          </a:xfrm>
-        </p:spPr>
+        <p:spPr/>
         <p:txBody>
           <a:bodyPr/>
           <a:lstStyle/>
@@ -4408,8 +4366,17 @@
               <a:buNone/>
             </a:pPr>
             <a:r>
-              <a:rPr lang="en-US" i="1" dirty="0"/>
-              <a:t>“Balancing the information provided by different data sources remains among the most debated topics in ecological model-data fusion”</a:t>
+              <a:rPr lang="en-US" dirty="0"/>
+              <a:t>3. Because of their capacity to flexibly capture and partition a wide range of uncertainties and address the complexities of real data, Dietz recommends state space models as the basis of forecasting.</a:t>
+            </a:r>
+          </a:p>
+          <a:p>
+            <a:pPr marL="0" indent="0">
+              <a:buNone/>
+            </a:pPr>
+            <a:r>
+              <a:rPr lang="en-US" dirty="0"/>
+              <a:t>5. Missing data gaps and irregularly spaced data are handled automatically with uncertainties increasing with distance to the nearest observation.</a:t>
             </a:r>
           </a:p>
         </p:txBody>
@@ -4419,7 +4386,7 @@
           <p:cNvPr id="4" name="TextBox 3">
             <a:extLst>
               <a:ext uri="{FF2B5EF4-FFF2-40B4-BE49-F238E27FC236}">
-                <a16:creationId xmlns:a16="http://schemas.microsoft.com/office/drawing/2014/main" id="{9CD878D0-4EAF-E16E-89A1-B463FC2FE25F}"/>
+                <a16:creationId xmlns:a16="http://schemas.microsoft.com/office/drawing/2014/main" id="{CBD97D83-F90B-2BB8-4699-DA1E6B7197C8}"/>
               </a:ext>
             </a:extLst>
           </p:cNvPr>
@@ -4455,7 +4422,7 @@
     </p:spTree>
     <p:extLst>
       <p:ext uri="{BB962C8B-B14F-4D97-AF65-F5344CB8AC3E}">
-        <p14:creationId xmlns:p14="http://schemas.microsoft.com/office/powerpoint/2010/main" val="3694380036"/>
+        <p14:creationId xmlns:p14="http://schemas.microsoft.com/office/powerpoint/2010/main" val="1730632547"/>
       </p:ext>
     </p:extLst>
   </p:cSld>
@@ -4487,7 +4454,7 @@
           <p:cNvPr id="2" name="Title 1">
             <a:extLst>
               <a:ext uri="{FF2B5EF4-FFF2-40B4-BE49-F238E27FC236}">
-                <a16:creationId xmlns:a16="http://schemas.microsoft.com/office/drawing/2014/main" id="{E5700A19-12D5-B59A-3D6B-0B1E023348C9}"/>
+                <a16:creationId xmlns:a16="http://schemas.microsoft.com/office/drawing/2014/main" id="{31B7AC8E-9009-9E4D-4E56-AC6250D6362E}"/>
               </a:ext>
             </a:extLst>
           </p:cNvPr>
@@ -4505,7 +4472,7 @@
           <a:p>
             <a:r>
               <a:rPr lang="en-US" dirty="0"/>
-              <a:t>Fusing data sources</a:t>
+              <a:t>Ch 9 Fusing Data Sources</a:t>
             </a:r>
           </a:p>
         </p:txBody>
@@ -4515,7 +4482,7 @@
           <p:cNvPr id="3" name="Content Placeholder 2">
             <a:extLst>
               <a:ext uri="{FF2B5EF4-FFF2-40B4-BE49-F238E27FC236}">
-                <a16:creationId xmlns:a16="http://schemas.microsoft.com/office/drawing/2014/main" id="{25EDDDB5-F4D2-E3AA-306D-ECECA1A12FAF}"/>
+                <a16:creationId xmlns:a16="http://schemas.microsoft.com/office/drawing/2014/main" id="{E3D20841-03CF-76A8-A9C1-794B21793860}"/>
               </a:ext>
             </a:extLst>
           </p:cNvPr>
@@ -4526,26 +4493,22 @@
             <p:ph idx="1"/>
           </p:nvPr>
         </p:nvSpPr>
-        <p:spPr/>
+        <p:spPr>
+          <a:xfrm>
+            <a:off x="1545465" y="2207116"/>
+            <a:ext cx="8551572" cy="3073221"/>
+          </a:xfrm>
+        </p:spPr>
         <p:txBody>
           <a:bodyPr/>
           <a:lstStyle/>
           <a:p>
-            <a:r>
-              <a:rPr lang="en-US" dirty="0"/>
-              <a:t>Fusing data involves more than joining data sources</a:t>
-            </a:r>
-          </a:p>
-          <a:p>
-            <a:r>
-              <a:rPr lang="en-US" dirty="0"/>
-              <a:t>Naïve interpolation or extrapolation can lead to biased and overconfident results</a:t>
-            </a:r>
-          </a:p>
-          <a:p>
-            <a:r>
-              <a:rPr lang="en-US" dirty="0"/>
-              <a:t>Covariances are critical to leverage complementary data types</a:t>
+            <a:pPr marL="0" indent="0">
+              <a:buNone/>
+            </a:pPr>
+            <a:r>
+              <a:rPr lang="en-US" i="1" dirty="0"/>
+              <a:t>“Balancing the information provided by different data sources remains among the most debated topics in ecological model-data fusion”</a:t>
             </a:r>
           </a:p>
         </p:txBody>
@@ -4555,7 +4518,7 @@
           <p:cNvPr id="4" name="TextBox 3">
             <a:extLst>
               <a:ext uri="{FF2B5EF4-FFF2-40B4-BE49-F238E27FC236}">
-                <a16:creationId xmlns:a16="http://schemas.microsoft.com/office/drawing/2014/main" id="{C72854D6-3ED6-9E52-149C-0BF9CA182DC3}"/>
+                <a16:creationId xmlns:a16="http://schemas.microsoft.com/office/drawing/2014/main" id="{9CD878D0-4EAF-E16E-89A1-B463FC2FE25F}"/>
               </a:ext>
             </a:extLst>
           </p:cNvPr>
@@ -4591,7 +4554,7 @@
     </p:spTree>
     <p:extLst>
       <p:ext uri="{BB962C8B-B14F-4D97-AF65-F5344CB8AC3E}">
-        <p14:creationId xmlns:p14="http://schemas.microsoft.com/office/powerpoint/2010/main" val="1355424866"/>
+        <p14:creationId xmlns:p14="http://schemas.microsoft.com/office/powerpoint/2010/main" val="3694380036"/>
       </p:ext>
     </p:extLst>
   </p:cSld>
@@ -4646,42 +4609,52 @@
           </a:p>
         </p:txBody>
       </p:sp>
-      <p:pic>
-        <p:nvPicPr>
-          <p:cNvPr id="7" name="Picture 6">
-            <a:extLst>
-              <a:ext uri="{FF2B5EF4-FFF2-40B4-BE49-F238E27FC236}">
-                <a16:creationId xmlns:a16="http://schemas.microsoft.com/office/drawing/2014/main" id="{40E3C098-477F-9FF0-C55C-65B53DC0794E}"/>
-              </a:ext>
-            </a:extLst>
-          </p:cNvPr>
-          <p:cNvPicPr>
-            <a:picLocks noChangeAspect="1"/>
-          </p:cNvPicPr>
-          <p:nvPr/>
-        </p:nvPicPr>
-        <p:blipFill>
-          <a:blip r:embed="rId2"/>
-          <a:stretch>
-            <a:fillRect/>
-          </a:stretch>
-        </p:blipFill>
-        <p:spPr>
-          <a:xfrm>
-            <a:off x="274843" y="1024835"/>
-            <a:ext cx="5121405" cy="5216953"/>
-          </a:xfrm>
-          <a:prstGeom prst="rect">
-            <a:avLst/>
-          </a:prstGeom>
-        </p:spPr>
-      </p:pic>
-      <p:sp>
-        <p:nvSpPr>
-          <p:cNvPr id="9" name="TextBox 8">
-            <a:extLst>
-              <a:ext uri="{FF2B5EF4-FFF2-40B4-BE49-F238E27FC236}">
-                <a16:creationId xmlns:a16="http://schemas.microsoft.com/office/drawing/2014/main" id="{22E75DE1-8ED3-2FA3-F3EE-356E4C97CABD}"/>
+      <p:sp>
+        <p:nvSpPr>
+          <p:cNvPr id="3" name="Content Placeholder 2">
+            <a:extLst>
+              <a:ext uri="{FF2B5EF4-FFF2-40B4-BE49-F238E27FC236}">
+                <a16:creationId xmlns:a16="http://schemas.microsoft.com/office/drawing/2014/main" id="{25EDDDB5-F4D2-E3AA-306D-ECECA1A12FAF}"/>
+              </a:ext>
+            </a:extLst>
+          </p:cNvPr>
+          <p:cNvSpPr>
+            <a:spLocks noGrp="1"/>
+          </p:cNvSpPr>
+          <p:nvPr>
+            <p:ph idx="1"/>
+          </p:nvPr>
+        </p:nvSpPr>
+        <p:spPr/>
+        <p:txBody>
+          <a:bodyPr/>
+          <a:lstStyle/>
+          <a:p>
+            <a:r>
+              <a:rPr lang="en-US" dirty="0"/>
+              <a:t>Fusing data involves more than joining data sources</a:t>
+            </a:r>
+          </a:p>
+          <a:p>
+            <a:r>
+              <a:rPr lang="en-US" dirty="0"/>
+              <a:t>Naïve interpolation or extrapolation can lead to biased and overconfident results</a:t>
+            </a:r>
+          </a:p>
+          <a:p>
+            <a:r>
+              <a:rPr lang="en-US" dirty="0"/>
+              <a:t>Covariances are critical to leverage complementary data types</a:t>
+            </a:r>
+          </a:p>
+        </p:txBody>
+      </p:sp>
+      <p:sp>
+        <p:nvSpPr>
+          <p:cNvPr id="4" name="TextBox 3">
+            <a:extLst>
+              <a:ext uri="{FF2B5EF4-FFF2-40B4-BE49-F238E27FC236}">
+                <a16:creationId xmlns:a16="http://schemas.microsoft.com/office/drawing/2014/main" id="{C72854D6-3ED6-9E52-149C-0BF9CA182DC3}"/>
               </a:ext>
             </a:extLst>
           </p:cNvPr>
@@ -4690,8 +4663,8 @@
         </p:nvSpPr>
         <p:spPr>
           <a:xfrm>
-            <a:off x="0" y="6378080"/>
-            <a:ext cx="6439437" cy="461665"/>
+            <a:off x="8472552" y="6470413"/>
+            <a:ext cx="3506088" cy="369332"/>
           </a:xfrm>
           <a:prstGeom prst="rect">
             <a:avLst/>
@@ -4699,92 +4672,25 @@
           <a:noFill/>
         </p:spPr>
         <p:txBody>
-          <a:bodyPr wrap="square">
+          <a:bodyPr wrap="none" rtlCol="0">
             <a:spAutoFit/>
           </a:bodyPr>
           <a:lstStyle/>
           <a:p>
             <a:r>
-              <a:rPr lang="en-US" sz="1200" dirty="0">
+              <a:rPr lang="en-US" dirty="0">
                 <a:latin typeface="Times New Roman" panose="02020603050405020304" pitchFamily="18" charset="0"/>
                 <a:cs typeface="Times New Roman" panose="02020603050405020304" pitchFamily="18" charset="0"/>
               </a:rPr>
-              <a:t>Increased transmissibility and global spread of SARS-CoV-2 variants of concern as at June 2021</a:t>
-            </a:r>
-          </a:p>
-          <a:p>
-            <a:r>
-              <a:rPr lang="en-US" sz="1200" dirty="0">
-                <a:latin typeface="Times New Roman" panose="02020603050405020304" pitchFamily="18" charset="0"/>
-                <a:cs typeface="Times New Roman" panose="02020603050405020304" pitchFamily="18" charset="0"/>
-              </a:rPr>
-              <a:t>Campbell et al. (2021), </a:t>
-            </a:r>
-            <a:r>
-              <a:rPr lang="en-US" sz="1200" dirty="0" err="1">
-                <a:latin typeface="Times New Roman" panose="02020603050405020304" pitchFamily="18" charset="0"/>
-                <a:cs typeface="Times New Roman" panose="02020603050405020304" pitchFamily="18" charset="0"/>
-              </a:rPr>
-              <a:t>Eurosurveillence</a:t>
-            </a:r>
-            <a:r>
-              <a:rPr lang="en-US" sz="1200" dirty="0">
-                <a:latin typeface="Times New Roman" panose="02020603050405020304" pitchFamily="18" charset="0"/>
-                <a:cs typeface="Times New Roman" panose="02020603050405020304" pitchFamily="18" charset="0"/>
-              </a:rPr>
-              <a:t>. https://</a:t>
-            </a:r>
-            <a:r>
-              <a:rPr lang="en-US" sz="1200" dirty="0" err="1">
-                <a:latin typeface="Times New Roman" panose="02020603050405020304" pitchFamily="18" charset="0"/>
-                <a:cs typeface="Times New Roman" panose="02020603050405020304" pitchFamily="18" charset="0"/>
-              </a:rPr>
-              <a:t>doi.org</a:t>
-            </a:r>
-            <a:r>
-              <a:rPr lang="en-US" sz="1200" dirty="0">
-                <a:latin typeface="Times New Roman" panose="02020603050405020304" pitchFamily="18" charset="0"/>
-                <a:cs typeface="Times New Roman" panose="02020603050405020304" pitchFamily="18" charset="0"/>
-              </a:rPr>
-              <a:t>/10.2807/1560-7917.ES.2021.26.24.2100509</a:t>
-            </a:r>
-          </a:p>
-        </p:txBody>
-      </p:sp>
-      <p:pic>
-        <p:nvPicPr>
-          <p:cNvPr id="11" name="Picture 10">
-            <a:extLst>
-              <a:ext uri="{FF2B5EF4-FFF2-40B4-BE49-F238E27FC236}">
-                <a16:creationId xmlns:a16="http://schemas.microsoft.com/office/drawing/2014/main" id="{CA121A90-A424-08E3-423C-D67CF32C1274}"/>
-              </a:ext>
-            </a:extLst>
-          </p:cNvPr>
-          <p:cNvPicPr>
-            <a:picLocks noChangeAspect="1"/>
-          </p:cNvPicPr>
-          <p:nvPr/>
-        </p:nvPicPr>
-        <p:blipFill>
-          <a:blip r:embed="rId3"/>
-          <a:stretch>
-            <a:fillRect/>
-          </a:stretch>
-        </p:blipFill>
-        <p:spPr>
-          <a:xfrm>
-            <a:off x="5460546" y="1672605"/>
-            <a:ext cx="6456611" cy="3504701"/>
-          </a:xfrm>
-          <a:prstGeom prst="rect">
-            <a:avLst/>
-          </a:prstGeom>
-        </p:spPr>
-      </p:pic>
+              <a:t>Dietz 2017. Ecological forecasting.</a:t>
+            </a:r>
+          </a:p>
+        </p:txBody>
+      </p:sp>
     </p:spTree>
     <p:extLst>
       <p:ext uri="{BB962C8B-B14F-4D97-AF65-F5344CB8AC3E}">
-        <p14:creationId xmlns:p14="http://schemas.microsoft.com/office/powerpoint/2010/main" val="2435550968"/>
+        <p14:creationId xmlns:p14="http://schemas.microsoft.com/office/powerpoint/2010/main" val="1355424866"/>
       </p:ext>
     </p:extLst>
   </p:cSld>
@@ -4829,112 +4735,155 @@
         </p:nvSpPr>
         <p:spPr/>
         <p:txBody>
-          <a:bodyPr>
-            <a:normAutofit/>
-          </a:bodyPr>
+          <a:bodyPr/>
           <a:lstStyle/>
           <a:p>
             <a:r>
               <a:rPr lang="en-US" dirty="0"/>
-              <a:t>Fusing data sources - counterfactuals</a:t>
+              <a:t>Fusing data sources</a:t>
             </a:r>
           </a:p>
         </p:txBody>
       </p:sp>
       <p:pic>
         <p:nvPicPr>
-          <p:cNvPr id="3" name="Picture 2">
-            <a:extLst>
-              <a:ext uri="{FF2B5EF4-FFF2-40B4-BE49-F238E27FC236}">
-                <a16:creationId xmlns:a16="http://schemas.microsoft.com/office/drawing/2014/main" id="{D6FFD5E5-DCB6-06F9-18FC-B3B03596AD32}"/>
+          <p:cNvPr id="7" name="Picture 6">
+            <a:extLst>
+              <a:ext uri="{FF2B5EF4-FFF2-40B4-BE49-F238E27FC236}">
+                <a16:creationId xmlns:a16="http://schemas.microsoft.com/office/drawing/2014/main" id="{40E3C098-477F-9FF0-C55C-65B53DC0794E}"/>
               </a:ext>
             </a:extLst>
           </p:cNvPr>
           <p:cNvPicPr>
-            <a:picLocks noChangeAspect="1" noChangeArrowheads="1"/>
+            <a:picLocks noChangeAspect="1"/>
           </p:cNvPicPr>
           <p:nvPr/>
         </p:nvPicPr>
-        <p:blipFill rotWithShape="1">
-          <a:blip r:embed="rId2">
-            <a:extLst>
-              <a:ext uri="{28A0092B-C50C-407E-A947-70E740481C1C}">
-                <a14:useLocalDpi xmlns:a14="http://schemas.microsoft.com/office/drawing/2010/main" val="0"/>
-              </a:ext>
-            </a:extLst>
-          </a:blip>
-          <a:srcRect b="47619"/>
-          <a:stretch/>
+        <p:blipFill>
+          <a:blip r:embed="rId2"/>
+          <a:stretch>
+            <a:fillRect/>
+          </a:stretch>
         </p:blipFill>
-        <p:spPr bwMode="auto">
-          <a:xfrm>
-            <a:off x="2078945" y="1049903"/>
-            <a:ext cx="7734832" cy="5420509"/>
+        <p:spPr>
+          <a:xfrm>
+            <a:off x="274843" y="1024835"/>
+            <a:ext cx="5121405" cy="5216953"/>
+          </a:xfrm>
+          <a:prstGeom prst="rect">
+            <a:avLst/>
+          </a:prstGeom>
+        </p:spPr>
+      </p:pic>
+      <p:sp>
+        <p:nvSpPr>
+          <p:cNvPr id="9" name="TextBox 8">
+            <a:extLst>
+              <a:ext uri="{FF2B5EF4-FFF2-40B4-BE49-F238E27FC236}">
+                <a16:creationId xmlns:a16="http://schemas.microsoft.com/office/drawing/2014/main" id="{22E75DE1-8ED3-2FA3-F3EE-356E4C97CABD}"/>
+              </a:ext>
+            </a:extLst>
+          </p:cNvPr>
+          <p:cNvSpPr txBox="1"/>
+          <p:nvPr/>
+        </p:nvSpPr>
+        <p:spPr>
+          <a:xfrm>
+            <a:off x="0" y="6378080"/>
+            <a:ext cx="6439437" cy="461665"/>
           </a:xfrm>
           <a:prstGeom prst="rect">
             <a:avLst/>
           </a:prstGeom>
           <a:noFill/>
-          <a:extLst>
-            <a:ext uri="{909E8E84-426E-40DD-AFC4-6F175D3DCCD1}">
-              <a14:hiddenFill xmlns:a14="http://schemas.microsoft.com/office/drawing/2010/main">
-                <a:solidFill>
-                  <a:srgbClr val="FFFFFF"/>
-                </a:solidFill>
-              </a14:hiddenFill>
-            </a:ext>
-          </a:extLst>
-        </p:spPr>
-      </p:pic>
-      <p:sp>
-        <p:nvSpPr>
-          <p:cNvPr id="4" name="TextBox 3">
-            <a:extLst>
-              <a:ext uri="{FF2B5EF4-FFF2-40B4-BE49-F238E27FC236}">
-                <a16:creationId xmlns:a16="http://schemas.microsoft.com/office/drawing/2014/main" id="{B8CB496E-B526-4F4B-FF1E-CD8A5C91D65F}"/>
-              </a:ext>
-            </a:extLst>
-          </p:cNvPr>
-          <p:cNvSpPr txBox="1"/>
+        </p:spPr>
+        <p:txBody>
+          <a:bodyPr wrap="square">
+            <a:spAutoFit/>
+          </a:bodyPr>
+          <a:lstStyle/>
+          <a:p>
+            <a:r>
+              <a:rPr lang="en-US" sz="1200" dirty="0">
+                <a:latin typeface="Times New Roman" panose="02020603050405020304" pitchFamily="18" charset="0"/>
+                <a:cs typeface="Times New Roman" panose="02020603050405020304" pitchFamily="18" charset="0"/>
+              </a:rPr>
+              <a:t>Increased transmissibility and global spread of SARS-CoV-2 variants of concern as at June 2021</a:t>
+            </a:r>
+          </a:p>
+          <a:p>
+            <a:r>
+              <a:rPr lang="en-US" sz="1200" dirty="0">
+                <a:latin typeface="Times New Roman" panose="02020603050405020304" pitchFamily="18" charset="0"/>
+                <a:cs typeface="Times New Roman" panose="02020603050405020304" pitchFamily="18" charset="0"/>
+              </a:rPr>
+              <a:t>Campbell et al. (2021), </a:t>
+            </a:r>
+            <a:r>
+              <a:rPr lang="en-US" sz="1200" dirty="0" err="1">
+                <a:latin typeface="Times New Roman" panose="02020603050405020304" pitchFamily="18" charset="0"/>
+                <a:cs typeface="Times New Roman" panose="02020603050405020304" pitchFamily="18" charset="0"/>
+              </a:rPr>
+              <a:t>Eurosurveillence</a:t>
+            </a:r>
+            <a:r>
+              <a:rPr lang="en-US" sz="1200" dirty="0">
+                <a:latin typeface="Times New Roman" panose="02020603050405020304" pitchFamily="18" charset="0"/>
+                <a:cs typeface="Times New Roman" panose="02020603050405020304" pitchFamily="18" charset="0"/>
+              </a:rPr>
+              <a:t>. https://</a:t>
+            </a:r>
+            <a:r>
+              <a:rPr lang="en-US" sz="1200" dirty="0" err="1">
+                <a:latin typeface="Times New Roman" panose="02020603050405020304" pitchFamily="18" charset="0"/>
+                <a:cs typeface="Times New Roman" panose="02020603050405020304" pitchFamily="18" charset="0"/>
+              </a:rPr>
+              <a:t>doi.org</a:t>
+            </a:r>
+            <a:r>
+              <a:rPr lang="en-US" sz="1200" dirty="0">
+                <a:latin typeface="Times New Roman" panose="02020603050405020304" pitchFamily="18" charset="0"/>
+                <a:cs typeface="Times New Roman" panose="02020603050405020304" pitchFamily="18" charset="0"/>
+              </a:rPr>
+              <a:t>/10.2807/1560-7917.ES.2021.26.24.2100509</a:t>
+            </a:r>
+          </a:p>
+        </p:txBody>
+      </p:sp>
+      <p:pic>
+        <p:nvPicPr>
+          <p:cNvPr id="11" name="Picture 10">
+            <a:extLst>
+              <a:ext uri="{FF2B5EF4-FFF2-40B4-BE49-F238E27FC236}">
+                <a16:creationId xmlns:a16="http://schemas.microsoft.com/office/drawing/2014/main" id="{CA121A90-A424-08E3-423C-D67CF32C1274}"/>
+              </a:ext>
+            </a:extLst>
+          </p:cNvPr>
+          <p:cNvPicPr>
+            <a:picLocks noChangeAspect="1"/>
+          </p:cNvPicPr>
           <p:nvPr/>
-        </p:nvSpPr>
-        <p:spPr>
-          <a:xfrm>
-            <a:off x="291547" y="6470413"/>
-            <a:ext cx="8552341" cy="369332"/>
+        </p:nvPicPr>
+        <p:blipFill>
+          <a:blip r:embed="rId3"/>
+          <a:stretch>
+            <a:fillRect/>
+          </a:stretch>
+        </p:blipFill>
+        <p:spPr>
+          <a:xfrm>
+            <a:off x="5460546" y="1672605"/>
+            <a:ext cx="6456611" cy="3504701"/>
           </a:xfrm>
           <a:prstGeom prst="rect">
             <a:avLst/>
           </a:prstGeom>
-          <a:noFill/>
-        </p:spPr>
-        <p:txBody>
-          <a:bodyPr wrap="none" rtlCol="0">
-            <a:spAutoFit/>
-          </a:bodyPr>
-          <a:lstStyle/>
-          <a:p>
-            <a:r>
-              <a:rPr lang="en-US" dirty="0" err="1">
-                <a:latin typeface="Times New Roman" panose="02020603050405020304" pitchFamily="18" charset="0"/>
-                <a:cs typeface="Times New Roman" panose="02020603050405020304" pitchFamily="18" charset="0"/>
-              </a:rPr>
-              <a:t>Hurford</a:t>
-            </a:r>
-            <a:r>
-              <a:rPr lang="en-US" dirty="0">
-                <a:latin typeface="Times New Roman" panose="02020603050405020304" pitchFamily="18" charset="0"/>
-                <a:cs typeface="Times New Roman" panose="02020603050405020304" pitchFamily="18" charset="0"/>
-              </a:rPr>
-              <a:t> et al. 2023. Pandemic modelling for regions implementing an elimination strategy</a:t>
-            </a:r>
-          </a:p>
-        </p:txBody>
-      </p:sp>
+        </p:spPr>
+      </p:pic>
     </p:spTree>
     <p:extLst>
       <p:ext uri="{BB962C8B-B14F-4D97-AF65-F5344CB8AC3E}">
-        <p14:creationId xmlns:p14="http://schemas.microsoft.com/office/powerpoint/2010/main" val="2322757800"/>
+        <p14:creationId xmlns:p14="http://schemas.microsoft.com/office/powerpoint/2010/main" val="2435550968"/>
       </p:ext>
     </p:extLst>
   </p:cSld>
@@ -4979,39 +4928,6 @@
         </p:nvSpPr>
         <p:spPr/>
         <p:txBody>
-          <a:bodyPr/>
-          <a:lstStyle/>
-          <a:p>
-            <a:r>
-              <a:rPr lang="en-US" dirty="0"/>
-              <a:t>Meta-analysis</a:t>
-            </a:r>
-          </a:p>
-        </p:txBody>
-      </p:sp>
-      <p:sp>
-        <p:nvSpPr>
-          <p:cNvPr id="3" name="Content Placeholder 2">
-            <a:extLst>
-              <a:ext uri="{FF2B5EF4-FFF2-40B4-BE49-F238E27FC236}">
-                <a16:creationId xmlns:a16="http://schemas.microsoft.com/office/drawing/2014/main" id="{25EDDDB5-F4D2-E3AA-306D-ECECA1A12FAF}"/>
-              </a:ext>
-            </a:extLst>
-          </p:cNvPr>
-          <p:cNvSpPr>
-            <a:spLocks noGrp="1"/>
-          </p:cNvSpPr>
-          <p:nvPr>
-            <p:ph idx="1"/>
-          </p:nvPr>
-        </p:nvSpPr>
-        <p:spPr>
-          <a:xfrm>
-            <a:off x="228600" y="1485901"/>
-            <a:ext cx="11750040" cy="4567170"/>
-          </a:xfrm>
-        </p:spPr>
-        <p:txBody>
           <a:bodyPr>
             <a:normAutofit/>
           </a:bodyPr>
@@ -5019,58 +4935,77 @@
           <a:p>
             <a:r>
               <a:rPr lang="en-US" dirty="0"/>
-              <a:t>Meta-analyses combine information, usually in the form of summary statistics from independent studies</a:t>
-            </a:r>
-          </a:p>
-          <a:p>
-            <a:r>
-              <a:rPr lang="en-US" sz="3500" dirty="0"/>
-              <a:t>Reporting bias is a challenge for high quality meta-analyses; that is, that negative results are not reported</a:t>
-            </a:r>
-          </a:p>
-          <a:p>
-            <a:r>
-              <a:rPr lang="en-CA" sz="3500" dirty="0">
-                <a:effectLst/>
-              </a:rPr>
-              <a:t>While less common, meta-analysis can also be used to directly estimate priors for parameters in a larger model (</a:t>
-            </a:r>
-            <a:r>
-              <a:rPr lang="en-CA" sz="3500" dirty="0" err="1">
-                <a:effectLst/>
-              </a:rPr>
-              <a:t>LeBauer</a:t>
-            </a:r>
-            <a:r>
-              <a:rPr lang="en-CA" sz="3500" dirty="0">
-                <a:effectLst/>
-              </a:rPr>
-              <a:t> et al. 2013)</a:t>
-            </a:r>
-          </a:p>
-        </p:txBody>
-      </p:sp>
-      <p:sp>
-        <p:nvSpPr>
-          <p:cNvPr id="4" name="TextBox 3">
-            <a:extLst>
-              <a:ext uri="{FF2B5EF4-FFF2-40B4-BE49-F238E27FC236}">
-                <a16:creationId xmlns:a16="http://schemas.microsoft.com/office/drawing/2014/main" id="{D6F0EF9D-8749-0229-232B-43520BBA5D23}"/>
-              </a:ext>
-            </a:extLst>
-          </p:cNvPr>
-          <p:cNvSpPr txBox="1"/>
+              <a:t>Fusing data sources - counterfactuals</a:t>
+            </a:r>
+          </a:p>
+        </p:txBody>
+      </p:sp>
+      <p:pic>
+        <p:nvPicPr>
+          <p:cNvPr id="3" name="Picture 2">
+            <a:extLst>
+              <a:ext uri="{FF2B5EF4-FFF2-40B4-BE49-F238E27FC236}">
+                <a16:creationId xmlns:a16="http://schemas.microsoft.com/office/drawing/2014/main" id="{D6FFD5E5-DCB6-06F9-18FC-B3B03596AD32}"/>
+              </a:ext>
+            </a:extLst>
+          </p:cNvPr>
+          <p:cNvPicPr>
+            <a:picLocks noChangeAspect="1" noChangeArrowheads="1"/>
+          </p:cNvPicPr>
           <p:nvPr/>
-        </p:nvSpPr>
-        <p:spPr>
-          <a:xfrm>
-            <a:off x="8472552" y="6470413"/>
-            <a:ext cx="3506088" cy="369332"/>
+        </p:nvPicPr>
+        <p:blipFill rotWithShape="1">
+          <a:blip r:embed="rId2">
+            <a:extLst>
+              <a:ext uri="{28A0092B-C50C-407E-A947-70E740481C1C}">
+                <a14:useLocalDpi xmlns:a14="http://schemas.microsoft.com/office/drawing/2010/main" val="0"/>
+              </a:ext>
+            </a:extLst>
+          </a:blip>
+          <a:srcRect b="47619"/>
+          <a:stretch/>
+        </p:blipFill>
+        <p:spPr bwMode="auto">
+          <a:xfrm>
+            <a:off x="2078945" y="1049903"/>
+            <a:ext cx="7734832" cy="5420509"/>
           </a:xfrm>
           <a:prstGeom prst="rect">
             <a:avLst/>
           </a:prstGeom>
           <a:noFill/>
+          <a:extLst>
+            <a:ext uri="{909E8E84-426E-40DD-AFC4-6F175D3DCCD1}">
+              <a14:hiddenFill xmlns:a14="http://schemas.microsoft.com/office/drawing/2010/main">
+                <a:solidFill>
+                  <a:srgbClr val="FFFFFF"/>
+                </a:solidFill>
+              </a14:hiddenFill>
+            </a:ext>
+          </a:extLst>
+        </p:spPr>
+      </p:pic>
+      <p:sp>
+        <p:nvSpPr>
+          <p:cNvPr id="4" name="TextBox 3">
+            <a:extLst>
+              <a:ext uri="{FF2B5EF4-FFF2-40B4-BE49-F238E27FC236}">
+                <a16:creationId xmlns:a16="http://schemas.microsoft.com/office/drawing/2014/main" id="{B8CB496E-B526-4F4B-FF1E-CD8A5C91D65F}"/>
+              </a:ext>
+            </a:extLst>
+          </p:cNvPr>
+          <p:cNvSpPr txBox="1"/>
+          <p:nvPr/>
+        </p:nvSpPr>
+        <p:spPr>
+          <a:xfrm>
+            <a:off x="291547" y="6470413"/>
+            <a:ext cx="8552341" cy="369332"/>
+          </a:xfrm>
+          <a:prstGeom prst="rect">
+            <a:avLst/>
+          </a:prstGeom>
+          <a:noFill/>
         </p:spPr>
         <p:txBody>
           <a:bodyPr wrap="none" rtlCol="0">
@@ -5078,12 +5013,19 @@
           </a:bodyPr>
           <a:lstStyle/>
           <a:p>
+            <a:r>
+              <a:rPr lang="en-US" dirty="0" err="1">
+                <a:latin typeface="Times New Roman" panose="02020603050405020304" pitchFamily="18" charset="0"/>
+                <a:cs typeface="Times New Roman" panose="02020603050405020304" pitchFamily="18" charset="0"/>
+              </a:rPr>
+              <a:t>Hurford</a:t>
+            </a:r>
             <a:r>
               <a:rPr lang="en-US" dirty="0">
                 <a:latin typeface="Times New Roman" panose="02020603050405020304" pitchFamily="18" charset="0"/>
                 <a:cs typeface="Times New Roman" panose="02020603050405020304" pitchFamily="18" charset="0"/>
               </a:rPr>
-              <a:t>Dietz 2017. Ecological forecasting.</a:t>
+              <a:t> et al. 2023. Pandemic modelling for regions implementing an elimination strategy</a:t>
             </a:r>
           </a:p>
         </p:txBody>
@@ -5091,7 +5033,7 @@
     </p:spTree>
     <p:extLst>
       <p:ext uri="{BB962C8B-B14F-4D97-AF65-F5344CB8AC3E}">
-        <p14:creationId xmlns:p14="http://schemas.microsoft.com/office/powerpoint/2010/main" val="1584875888"/>
+        <p14:creationId xmlns:p14="http://schemas.microsoft.com/office/powerpoint/2010/main" val="2322757800"/>
       </p:ext>
     </p:extLst>
   </p:cSld>
@@ -5175,26 +5117,35 @@
           <a:lstStyle/>
           <a:p>
             <a:r>
-              <a:rPr lang="en-CA" dirty="0">
+              <a:rPr lang="en-US" dirty="0"/>
+              <a:t>Meta-analyses combine information, usually in the form of summary statistics from independent studies</a:t>
+            </a:r>
+          </a:p>
+          <a:p>
+            <a:r>
+              <a:rPr lang="en-US" sz="3500" dirty="0"/>
+              <a:t>Reporting bias is a challenge for high quality meta-analyses; that is, that negative results are not reported</a:t>
+            </a:r>
+          </a:p>
+          <a:p>
+            <a:r>
+              <a:rPr lang="en-CA" sz="3500" dirty="0">
                 <a:effectLst/>
               </a:rPr>
-              <a:t>Compared to parameterizing a model from a single study or site, a meta-analysis provides both greater constraint and the ability to account for the real ecological variability among multiple studies.  </a:t>
-            </a:r>
-          </a:p>
-          <a:p>
-            <a:r>
-              <a:rPr lang="en-CA" dirty="0">
+              <a:t>While less common, meta-analysis can also be used to directly estimate priors for parameters in a larger model (</a:t>
+            </a:r>
+            <a:r>
+              <a:rPr lang="en-CA" sz="3500" dirty="0" err="1">
                 <a:effectLst/>
               </a:rPr>
-              <a:t>What distinguishes a meta-analytical model from other models is that the observations are typically summary statistics, and thus there is a need for </a:t>
-            </a:r>
-            <a:r>
-              <a:rPr lang="en-CA" i="1" dirty="0">
+              <a:t>LeBauer</a:t>
+            </a:r>
+            <a:r>
+              <a:rPr lang="en-CA" sz="3500" dirty="0">
                 <a:effectLst/>
               </a:rPr>
-              <a:t>different studies to have different weights based on their sample sizes and variability </a:t>
-            </a:r>
-            <a:endParaRPr lang="en-CA" dirty="0"/>
+              <a:t> et al. 2013)</a:t>
+            </a:r>
           </a:p>
         </p:txBody>
       </p:sp>
@@ -5203,7 +5154,7 @@
           <p:cNvPr id="4" name="TextBox 3">
             <a:extLst>
               <a:ext uri="{FF2B5EF4-FFF2-40B4-BE49-F238E27FC236}">
-                <a16:creationId xmlns:a16="http://schemas.microsoft.com/office/drawing/2014/main" id="{F3656A12-56DD-0EB6-3CB1-780BE90BA1ED}"/>
+                <a16:creationId xmlns:a16="http://schemas.microsoft.com/office/drawing/2014/main" id="{D6F0EF9D-8749-0229-232B-43520BBA5D23}"/>
               </a:ext>
             </a:extLst>
           </p:cNvPr>
@@ -5239,7 +5190,7 @@
     </p:spTree>
     <p:extLst>
       <p:ext uri="{BB962C8B-B14F-4D97-AF65-F5344CB8AC3E}">
-        <p14:creationId xmlns:p14="http://schemas.microsoft.com/office/powerpoint/2010/main" val="3907890477"/>
+        <p14:creationId xmlns:p14="http://schemas.microsoft.com/office/powerpoint/2010/main" val="1584875888"/>
       </p:ext>
     </p:extLst>
   </p:cSld>
@@ -5266,189 +5217,12 @@
           <a:chExt cx="0" cy="0"/>
         </a:xfrm>
       </p:grpSpPr>
-      <p:pic>
-        <p:nvPicPr>
-          <p:cNvPr id="5" name="Picture 4">
-            <a:extLst>
-              <a:ext uri="{FF2B5EF4-FFF2-40B4-BE49-F238E27FC236}">
-                <a16:creationId xmlns:a16="http://schemas.microsoft.com/office/drawing/2014/main" id="{C0CAAB5D-CBF1-505B-42DB-E2F653B0E97F}"/>
-              </a:ext>
-            </a:extLst>
-          </p:cNvPr>
-          <p:cNvPicPr>
-            <a:picLocks noChangeAspect="1"/>
-          </p:cNvPicPr>
-          <p:nvPr/>
-        </p:nvPicPr>
-        <p:blipFill>
-          <a:blip r:embed="rId2"/>
-          <a:stretch>
-            <a:fillRect/>
-          </a:stretch>
-        </p:blipFill>
-        <p:spPr>
-          <a:xfrm>
-            <a:off x="0" y="1920593"/>
-            <a:ext cx="9480745" cy="4803764"/>
-          </a:xfrm>
-          <a:prstGeom prst="rect">
-            <a:avLst/>
-          </a:prstGeom>
-        </p:spPr>
-      </p:pic>
-      <p:sp>
-        <p:nvSpPr>
-          <p:cNvPr id="6" name="TextBox 5">
-            <a:extLst>
-              <a:ext uri="{FF2B5EF4-FFF2-40B4-BE49-F238E27FC236}">
-                <a16:creationId xmlns:a16="http://schemas.microsoft.com/office/drawing/2014/main" id="{14B530D7-5827-B641-D26A-AAAB536CDFFF}"/>
-              </a:ext>
-            </a:extLst>
-          </p:cNvPr>
-          <p:cNvSpPr txBox="1"/>
-          <p:nvPr/>
-        </p:nvSpPr>
-        <p:spPr>
-          <a:xfrm>
-            <a:off x="7589458" y="2236762"/>
-            <a:ext cx="4146648" cy="400110"/>
-          </a:xfrm>
-          <a:prstGeom prst="rect">
-            <a:avLst/>
-          </a:prstGeom>
-          <a:noFill/>
-        </p:spPr>
-        <p:txBody>
-          <a:bodyPr wrap="none" rtlCol="0">
-            <a:spAutoFit/>
-          </a:bodyPr>
-          <a:lstStyle/>
-          <a:p>
-            <a:r>
-              <a:rPr lang="en-US" sz="2000" dirty="0">
-                <a:latin typeface="Times New Roman" panose="02020603050405020304" pitchFamily="18" charset="0"/>
-                <a:cs typeface="Times New Roman" panose="02020603050405020304" pitchFamily="18" charset="0"/>
-              </a:rPr>
-              <a:t>Reported summary statistics in study, </a:t>
-            </a:r>
-            <a:r>
-              <a:rPr lang="en-US" sz="2000" i="1" dirty="0" err="1">
-                <a:latin typeface="Times New Roman" panose="02020603050405020304" pitchFamily="18" charset="0"/>
-                <a:cs typeface="Times New Roman" panose="02020603050405020304" pitchFamily="18" charset="0"/>
-              </a:rPr>
-              <a:t>i</a:t>
-            </a:r>
-            <a:endParaRPr lang="en-US" sz="2000" i="1" dirty="0">
-              <a:latin typeface="Times New Roman" panose="02020603050405020304" pitchFamily="18" charset="0"/>
-              <a:cs typeface="Times New Roman" panose="02020603050405020304" pitchFamily="18" charset="0"/>
-            </a:endParaRPr>
-          </a:p>
-        </p:txBody>
-      </p:sp>
-      <p:sp>
-        <p:nvSpPr>
-          <p:cNvPr id="7" name="TextBox 6">
-            <a:extLst>
-              <a:ext uri="{FF2B5EF4-FFF2-40B4-BE49-F238E27FC236}">
-                <a16:creationId xmlns:a16="http://schemas.microsoft.com/office/drawing/2014/main" id="{89EA4136-CC13-AD0B-DFDA-0FC3A98F5A38}"/>
-              </a:ext>
-            </a:extLst>
-          </p:cNvPr>
-          <p:cNvSpPr txBox="1"/>
-          <p:nvPr/>
-        </p:nvSpPr>
-        <p:spPr>
-          <a:xfrm>
-            <a:off x="7589458" y="3233224"/>
-            <a:ext cx="3682355" cy="400110"/>
-          </a:xfrm>
-          <a:prstGeom prst="rect">
-            <a:avLst/>
-          </a:prstGeom>
-          <a:noFill/>
-        </p:spPr>
-        <p:txBody>
-          <a:bodyPr wrap="none" rtlCol="0">
-            <a:spAutoFit/>
-          </a:bodyPr>
-          <a:lstStyle/>
-          <a:p>
-            <a:r>
-              <a:rPr lang="en-US" sz="2000" i="1" dirty="0">
-                <a:latin typeface="Times New Roman" panose="02020603050405020304" pitchFamily="18" charset="0"/>
-                <a:cs typeface="Times New Roman" panose="02020603050405020304" pitchFamily="18" charset="0"/>
-              </a:rPr>
-              <a:t>True</a:t>
-            </a:r>
-            <a:r>
-              <a:rPr lang="en-US" sz="2000" dirty="0">
-                <a:latin typeface="Times New Roman" panose="02020603050405020304" pitchFamily="18" charset="0"/>
-                <a:cs typeface="Times New Roman" panose="02020603050405020304" pitchFamily="18" charset="0"/>
-              </a:rPr>
-              <a:t> summary statistics in study, </a:t>
-            </a:r>
-            <a:r>
-              <a:rPr lang="en-US" sz="2000" i="1" dirty="0" err="1">
-                <a:latin typeface="Times New Roman" panose="02020603050405020304" pitchFamily="18" charset="0"/>
-                <a:cs typeface="Times New Roman" panose="02020603050405020304" pitchFamily="18" charset="0"/>
-              </a:rPr>
-              <a:t>i</a:t>
-            </a:r>
-            <a:endParaRPr lang="en-US" sz="2000" i="1" dirty="0">
-              <a:latin typeface="Times New Roman" panose="02020603050405020304" pitchFamily="18" charset="0"/>
-              <a:cs typeface="Times New Roman" panose="02020603050405020304" pitchFamily="18" charset="0"/>
-            </a:endParaRPr>
-          </a:p>
-        </p:txBody>
-      </p:sp>
-      <p:sp>
-        <p:nvSpPr>
-          <p:cNvPr id="8" name="TextBox 7">
-            <a:extLst>
-              <a:ext uri="{FF2B5EF4-FFF2-40B4-BE49-F238E27FC236}">
-                <a16:creationId xmlns:a16="http://schemas.microsoft.com/office/drawing/2014/main" id="{A789F4A9-2861-8911-F8CA-FD6C448DBD0C}"/>
-              </a:ext>
-            </a:extLst>
-          </p:cNvPr>
-          <p:cNvSpPr txBox="1"/>
-          <p:nvPr/>
-        </p:nvSpPr>
-        <p:spPr>
-          <a:xfrm>
-            <a:off x="7589458" y="4152313"/>
-            <a:ext cx="2671501" cy="400110"/>
-          </a:xfrm>
-          <a:prstGeom prst="rect">
-            <a:avLst/>
-          </a:prstGeom>
-          <a:noFill/>
-        </p:spPr>
-        <p:txBody>
-          <a:bodyPr wrap="none" rtlCol="0">
-            <a:spAutoFit/>
-          </a:bodyPr>
-          <a:lstStyle/>
-          <a:p>
-            <a:r>
-              <a:rPr lang="en-US" sz="2000" dirty="0">
-                <a:latin typeface="Times New Roman" panose="02020603050405020304" pitchFamily="18" charset="0"/>
-                <a:cs typeface="Times New Roman" panose="02020603050405020304" pitchFamily="18" charset="0"/>
-              </a:rPr>
-              <a:t>True across study mean</a:t>
-            </a:r>
-            <a:endParaRPr lang="en-US" sz="2000" i="1" dirty="0">
-              <a:latin typeface="Times New Roman" panose="02020603050405020304" pitchFamily="18" charset="0"/>
-              <a:cs typeface="Times New Roman" panose="02020603050405020304" pitchFamily="18" charset="0"/>
-            </a:endParaRPr>
-          </a:p>
-        </p:txBody>
-      </p:sp>
-      <p:sp>
-        <p:nvSpPr>
-          <p:cNvPr id="10" name="Title 9">
-            <a:extLst>
-              <a:ext uri="{FF2B5EF4-FFF2-40B4-BE49-F238E27FC236}">
-                <a16:creationId xmlns:a16="http://schemas.microsoft.com/office/drawing/2014/main" id="{9872DD5A-3233-E6D2-03EA-57CA78844940}"/>
+      <p:sp>
+        <p:nvSpPr>
+          <p:cNvPr id="2" name="Title 1">
+            <a:extLst>
+              <a:ext uri="{FF2B5EF4-FFF2-40B4-BE49-F238E27FC236}">
+                <a16:creationId xmlns:a16="http://schemas.microsoft.com/office/drawing/2014/main" id="{E5700A19-12D5-B59A-3D6B-0B1E023348C9}"/>
               </a:ext>
             </a:extLst>
           </p:cNvPr>
@@ -5473,10 +5247,62 @@
       </p:sp>
       <p:sp>
         <p:nvSpPr>
-          <p:cNvPr id="12" name="TextBox 11">
-            <a:extLst>
-              <a:ext uri="{FF2B5EF4-FFF2-40B4-BE49-F238E27FC236}">
-                <a16:creationId xmlns:a16="http://schemas.microsoft.com/office/drawing/2014/main" id="{8ACA5A6A-92ED-0706-AD21-2F9CB827E5B2}"/>
+          <p:cNvPr id="3" name="Content Placeholder 2">
+            <a:extLst>
+              <a:ext uri="{FF2B5EF4-FFF2-40B4-BE49-F238E27FC236}">
+                <a16:creationId xmlns:a16="http://schemas.microsoft.com/office/drawing/2014/main" id="{25EDDDB5-F4D2-E3AA-306D-ECECA1A12FAF}"/>
+              </a:ext>
+            </a:extLst>
+          </p:cNvPr>
+          <p:cNvSpPr>
+            <a:spLocks noGrp="1"/>
+          </p:cNvSpPr>
+          <p:nvPr>
+            <p:ph idx="1"/>
+          </p:nvPr>
+        </p:nvSpPr>
+        <p:spPr>
+          <a:xfrm>
+            <a:off x="228600" y="1485901"/>
+            <a:ext cx="11750040" cy="4567170"/>
+          </a:xfrm>
+        </p:spPr>
+        <p:txBody>
+          <a:bodyPr>
+            <a:normAutofit/>
+          </a:bodyPr>
+          <a:lstStyle/>
+          <a:p>
+            <a:r>
+              <a:rPr lang="en-CA" dirty="0">
+                <a:effectLst/>
+              </a:rPr>
+              <a:t>Compared to parameterizing a model from a single study or site, a meta-analysis provides both greater constraint and the ability to account for the real ecological variability among multiple studies.  </a:t>
+            </a:r>
+          </a:p>
+          <a:p>
+            <a:r>
+              <a:rPr lang="en-CA" dirty="0">
+                <a:effectLst/>
+              </a:rPr>
+              <a:t>What distinguishes a meta-analytical model from other models is that the observations are typically summary statistics, and thus there is a need for </a:t>
+            </a:r>
+            <a:r>
+              <a:rPr lang="en-CA" i="1" dirty="0">
+                <a:effectLst/>
+              </a:rPr>
+              <a:t>different studies to have different weights based on their sample sizes and variability </a:t>
+            </a:r>
+            <a:endParaRPr lang="en-CA" dirty="0"/>
+          </a:p>
+        </p:txBody>
+      </p:sp>
+      <p:sp>
+        <p:nvSpPr>
+          <p:cNvPr id="4" name="TextBox 3">
+            <a:extLst>
+              <a:ext uri="{FF2B5EF4-FFF2-40B4-BE49-F238E27FC236}">
+                <a16:creationId xmlns:a16="http://schemas.microsoft.com/office/drawing/2014/main" id="{F3656A12-56DD-0EB6-3CB1-780BE90BA1ED}"/>
               </a:ext>
             </a:extLst>
           </p:cNvPr>
@@ -5512,7 +5338,7 @@
     </p:spTree>
     <p:extLst>
       <p:ext uri="{BB962C8B-B14F-4D97-AF65-F5344CB8AC3E}">
-        <p14:creationId xmlns:p14="http://schemas.microsoft.com/office/powerpoint/2010/main" val="507590271"/>
+        <p14:creationId xmlns:p14="http://schemas.microsoft.com/office/powerpoint/2010/main" val="3907890477"/>
       </p:ext>
     </p:extLst>
   </p:cSld>
@@ -5681,7 +5507,7 @@
           <p:cNvPr id="5" name="Picture 4">
             <a:extLst>
               <a:ext uri="{FF2B5EF4-FFF2-40B4-BE49-F238E27FC236}">
-                <a16:creationId xmlns:a16="http://schemas.microsoft.com/office/drawing/2014/main" id="{1CA05E1A-439F-174F-A63A-EF3BE1A44E39}"/>
+                <a16:creationId xmlns:a16="http://schemas.microsoft.com/office/drawing/2014/main" id="{C0CAAB5D-CBF1-505B-42DB-E2F653B0E97F}"/>
               </a:ext>
             </a:extLst>
           </p:cNvPr>
@@ -5698,8 +5524,8 @@
         </p:blipFill>
         <p:spPr>
           <a:xfrm>
-            <a:off x="2764926" y="18255"/>
-            <a:ext cx="5707626" cy="6858000"/>
+            <a:off x="0" y="1920593"/>
+            <a:ext cx="9480745" cy="4803764"/>
           </a:xfrm>
           <a:prstGeom prst="rect">
             <a:avLst/>
@@ -5711,7 +5537,182 @@
           <p:cNvPr id="6" name="TextBox 5">
             <a:extLst>
               <a:ext uri="{FF2B5EF4-FFF2-40B4-BE49-F238E27FC236}">
-                <a16:creationId xmlns:a16="http://schemas.microsoft.com/office/drawing/2014/main" id="{86318CB6-E3E4-149F-DFD7-C6002DD5FD13}"/>
+                <a16:creationId xmlns:a16="http://schemas.microsoft.com/office/drawing/2014/main" id="{14B530D7-5827-B641-D26A-AAAB536CDFFF}"/>
+              </a:ext>
+            </a:extLst>
+          </p:cNvPr>
+          <p:cNvSpPr txBox="1"/>
+          <p:nvPr/>
+        </p:nvSpPr>
+        <p:spPr>
+          <a:xfrm>
+            <a:off x="7589458" y="2236762"/>
+            <a:ext cx="4146648" cy="400110"/>
+          </a:xfrm>
+          <a:prstGeom prst="rect">
+            <a:avLst/>
+          </a:prstGeom>
+          <a:noFill/>
+        </p:spPr>
+        <p:txBody>
+          <a:bodyPr wrap="none" rtlCol="0">
+            <a:spAutoFit/>
+          </a:bodyPr>
+          <a:lstStyle/>
+          <a:p>
+            <a:r>
+              <a:rPr lang="en-US" sz="2000" dirty="0">
+                <a:latin typeface="Times New Roman" panose="02020603050405020304" pitchFamily="18" charset="0"/>
+                <a:cs typeface="Times New Roman" panose="02020603050405020304" pitchFamily="18" charset="0"/>
+              </a:rPr>
+              <a:t>Reported summary statistics in study, </a:t>
+            </a:r>
+            <a:r>
+              <a:rPr lang="en-US" sz="2000" i="1" dirty="0" err="1">
+                <a:latin typeface="Times New Roman" panose="02020603050405020304" pitchFamily="18" charset="0"/>
+                <a:cs typeface="Times New Roman" panose="02020603050405020304" pitchFamily="18" charset="0"/>
+              </a:rPr>
+              <a:t>i</a:t>
+            </a:r>
+            <a:endParaRPr lang="en-US" sz="2000" i="1" dirty="0">
+              <a:latin typeface="Times New Roman" panose="02020603050405020304" pitchFamily="18" charset="0"/>
+              <a:cs typeface="Times New Roman" panose="02020603050405020304" pitchFamily="18" charset="0"/>
+            </a:endParaRPr>
+          </a:p>
+        </p:txBody>
+      </p:sp>
+      <p:sp>
+        <p:nvSpPr>
+          <p:cNvPr id="7" name="TextBox 6">
+            <a:extLst>
+              <a:ext uri="{FF2B5EF4-FFF2-40B4-BE49-F238E27FC236}">
+                <a16:creationId xmlns:a16="http://schemas.microsoft.com/office/drawing/2014/main" id="{89EA4136-CC13-AD0B-DFDA-0FC3A98F5A38}"/>
+              </a:ext>
+            </a:extLst>
+          </p:cNvPr>
+          <p:cNvSpPr txBox="1"/>
+          <p:nvPr/>
+        </p:nvSpPr>
+        <p:spPr>
+          <a:xfrm>
+            <a:off x="7589458" y="3233224"/>
+            <a:ext cx="3682355" cy="400110"/>
+          </a:xfrm>
+          <a:prstGeom prst="rect">
+            <a:avLst/>
+          </a:prstGeom>
+          <a:noFill/>
+        </p:spPr>
+        <p:txBody>
+          <a:bodyPr wrap="none" rtlCol="0">
+            <a:spAutoFit/>
+          </a:bodyPr>
+          <a:lstStyle/>
+          <a:p>
+            <a:r>
+              <a:rPr lang="en-US" sz="2000" i="1" dirty="0">
+                <a:latin typeface="Times New Roman" panose="02020603050405020304" pitchFamily="18" charset="0"/>
+                <a:cs typeface="Times New Roman" panose="02020603050405020304" pitchFamily="18" charset="0"/>
+              </a:rPr>
+              <a:t>True</a:t>
+            </a:r>
+            <a:r>
+              <a:rPr lang="en-US" sz="2000" dirty="0">
+                <a:latin typeface="Times New Roman" panose="02020603050405020304" pitchFamily="18" charset="0"/>
+                <a:cs typeface="Times New Roman" panose="02020603050405020304" pitchFamily="18" charset="0"/>
+              </a:rPr>
+              <a:t> summary statistics in study, </a:t>
+            </a:r>
+            <a:r>
+              <a:rPr lang="en-US" sz="2000" i="1" dirty="0" err="1">
+                <a:latin typeface="Times New Roman" panose="02020603050405020304" pitchFamily="18" charset="0"/>
+                <a:cs typeface="Times New Roman" panose="02020603050405020304" pitchFamily="18" charset="0"/>
+              </a:rPr>
+              <a:t>i</a:t>
+            </a:r>
+            <a:endParaRPr lang="en-US" sz="2000" i="1" dirty="0">
+              <a:latin typeface="Times New Roman" panose="02020603050405020304" pitchFamily="18" charset="0"/>
+              <a:cs typeface="Times New Roman" panose="02020603050405020304" pitchFamily="18" charset="0"/>
+            </a:endParaRPr>
+          </a:p>
+        </p:txBody>
+      </p:sp>
+      <p:sp>
+        <p:nvSpPr>
+          <p:cNvPr id="8" name="TextBox 7">
+            <a:extLst>
+              <a:ext uri="{FF2B5EF4-FFF2-40B4-BE49-F238E27FC236}">
+                <a16:creationId xmlns:a16="http://schemas.microsoft.com/office/drawing/2014/main" id="{A789F4A9-2861-8911-F8CA-FD6C448DBD0C}"/>
+              </a:ext>
+            </a:extLst>
+          </p:cNvPr>
+          <p:cNvSpPr txBox="1"/>
+          <p:nvPr/>
+        </p:nvSpPr>
+        <p:spPr>
+          <a:xfrm>
+            <a:off x="7589458" y="4152313"/>
+            <a:ext cx="2671501" cy="400110"/>
+          </a:xfrm>
+          <a:prstGeom prst="rect">
+            <a:avLst/>
+          </a:prstGeom>
+          <a:noFill/>
+        </p:spPr>
+        <p:txBody>
+          <a:bodyPr wrap="none" rtlCol="0">
+            <a:spAutoFit/>
+          </a:bodyPr>
+          <a:lstStyle/>
+          <a:p>
+            <a:r>
+              <a:rPr lang="en-US" sz="2000" dirty="0">
+                <a:latin typeface="Times New Roman" panose="02020603050405020304" pitchFamily="18" charset="0"/>
+                <a:cs typeface="Times New Roman" panose="02020603050405020304" pitchFamily="18" charset="0"/>
+              </a:rPr>
+              <a:t>True across study mean</a:t>
+            </a:r>
+            <a:endParaRPr lang="en-US" sz="2000" i="1" dirty="0">
+              <a:latin typeface="Times New Roman" panose="02020603050405020304" pitchFamily="18" charset="0"/>
+              <a:cs typeface="Times New Roman" panose="02020603050405020304" pitchFamily="18" charset="0"/>
+            </a:endParaRPr>
+          </a:p>
+        </p:txBody>
+      </p:sp>
+      <p:sp>
+        <p:nvSpPr>
+          <p:cNvPr id="10" name="Title 9">
+            <a:extLst>
+              <a:ext uri="{FF2B5EF4-FFF2-40B4-BE49-F238E27FC236}">
+                <a16:creationId xmlns:a16="http://schemas.microsoft.com/office/drawing/2014/main" id="{9872DD5A-3233-E6D2-03EA-57CA78844940}"/>
+              </a:ext>
+            </a:extLst>
+          </p:cNvPr>
+          <p:cNvSpPr>
+            <a:spLocks noGrp="1"/>
+          </p:cNvSpPr>
+          <p:nvPr>
+            <p:ph type="title"/>
+          </p:nvPr>
+        </p:nvSpPr>
+        <p:spPr/>
+        <p:txBody>
+          <a:bodyPr/>
+          <a:lstStyle/>
+          <a:p>
+            <a:r>
+              <a:rPr lang="en-US" dirty="0"/>
+              <a:t>Meta-analysis</a:t>
+            </a:r>
+          </a:p>
+        </p:txBody>
+      </p:sp>
+      <p:sp>
+        <p:nvSpPr>
+          <p:cNvPr id="12" name="TextBox 11">
+            <a:extLst>
+              <a:ext uri="{FF2B5EF4-FFF2-40B4-BE49-F238E27FC236}">
+                <a16:creationId xmlns:a16="http://schemas.microsoft.com/office/drawing/2014/main" id="{8ACA5A6A-92ED-0706-AD21-2F9CB827E5B2}"/>
               </a:ext>
             </a:extLst>
           </p:cNvPr>
@@ -5747,7 +5748,7 @@
     </p:spTree>
     <p:extLst>
       <p:ext uri="{BB962C8B-B14F-4D97-AF65-F5344CB8AC3E}">
-        <p14:creationId xmlns:p14="http://schemas.microsoft.com/office/powerpoint/2010/main" val="363800723"/>
+        <p14:creationId xmlns:p14="http://schemas.microsoft.com/office/powerpoint/2010/main" val="507590271"/>
       </p:ext>
     </p:extLst>
   </p:cSld>
@@ -5774,83 +5775,70 @@
           <a:chExt cx="0" cy="0"/>
         </a:xfrm>
       </p:grpSpPr>
-      <p:sp>
-        <p:nvSpPr>
-          <p:cNvPr id="2" name="Title 1">
-            <a:extLst>
-              <a:ext uri="{FF2B5EF4-FFF2-40B4-BE49-F238E27FC236}">
-                <a16:creationId xmlns:a16="http://schemas.microsoft.com/office/drawing/2014/main" id="{B8538095-7AAA-EA69-633A-B0BE75F9B1BF}"/>
-              </a:ext>
-            </a:extLst>
-          </p:cNvPr>
-          <p:cNvSpPr>
-            <a:spLocks noGrp="1"/>
-          </p:cNvSpPr>
-          <p:nvPr>
-            <p:ph type="title"/>
-          </p:nvPr>
-        </p:nvSpPr>
-        <p:spPr/>
-        <p:txBody>
-          <a:bodyPr/>
-          <a:lstStyle/>
-          <a:p>
-            <a:r>
-              <a:rPr lang="en-US" dirty="0"/>
-              <a:t>PHAC – Emerging Sciences Group</a:t>
-            </a:r>
-          </a:p>
-        </p:txBody>
-      </p:sp>
-      <p:sp>
-        <p:nvSpPr>
-          <p:cNvPr id="3" name="Content Placeholder 2">
-            <a:extLst>
-              <a:ext uri="{FF2B5EF4-FFF2-40B4-BE49-F238E27FC236}">
-                <a16:creationId xmlns:a16="http://schemas.microsoft.com/office/drawing/2014/main" id="{802837AC-93CA-CC99-3D17-D61CBDE0601A}"/>
-              </a:ext>
-            </a:extLst>
-          </p:cNvPr>
-          <p:cNvSpPr>
-            <a:spLocks noGrp="1"/>
-          </p:cNvSpPr>
-          <p:nvPr>
-            <p:ph idx="1"/>
-          </p:nvPr>
-        </p:nvSpPr>
-        <p:spPr/>
-        <p:txBody>
-          <a:bodyPr/>
-          <a:lstStyle/>
-          <a:p>
-            <a:pPr marL="0" indent="0">
-              <a:buNone/>
-            </a:pPr>
-            <a:r>
-              <a:rPr lang="en-US" dirty="0"/>
-              <a:t>Parameter estimation tables</a:t>
-            </a:r>
-          </a:p>
-          <a:p>
-            <a:pPr marL="0" indent="0">
-              <a:buNone/>
-            </a:pPr>
-            <a:r>
-              <a:rPr lang="en-US" dirty="0"/>
-              <a:t>IFR, CFR, Incubation period, Latent period, Infectious period, Asymptomatic-Inf, Serial interval</a:t>
-            </a:r>
-          </a:p>
-          <a:p>
-            <a:pPr marL="0" indent="0">
-              <a:buNone/>
-            </a:pPr>
-            <a:r>
-              <a:rPr lang="en-US" dirty="0" err="1"/>
-              <a:t>Epi+Model</a:t>
-            </a:r>
-            <a:r>
-              <a:rPr lang="en-US" dirty="0"/>
-              <a:t> Data Parameter Tables 2020-06-29.xls</a:t>
+      <p:pic>
+        <p:nvPicPr>
+          <p:cNvPr id="5" name="Picture 4">
+            <a:extLst>
+              <a:ext uri="{FF2B5EF4-FFF2-40B4-BE49-F238E27FC236}">
+                <a16:creationId xmlns:a16="http://schemas.microsoft.com/office/drawing/2014/main" id="{1CA05E1A-439F-174F-A63A-EF3BE1A44E39}"/>
+              </a:ext>
+            </a:extLst>
+          </p:cNvPr>
+          <p:cNvPicPr>
+            <a:picLocks noChangeAspect="1"/>
+          </p:cNvPicPr>
+          <p:nvPr/>
+        </p:nvPicPr>
+        <p:blipFill>
+          <a:blip r:embed="rId2"/>
+          <a:stretch>
+            <a:fillRect/>
+          </a:stretch>
+        </p:blipFill>
+        <p:spPr>
+          <a:xfrm>
+            <a:off x="2764926" y="18255"/>
+            <a:ext cx="5707626" cy="6858000"/>
+          </a:xfrm>
+          <a:prstGeom prst="rect">
+            <a:avLst/>
+          </a:prstGeom>
+        </p:spPr>
+      </p:pic>
+      <p:sp>
+        <p:nvSpPr>
+          <p:cNvPr id="6" name="TextBox 5">
+            <a:extLst>
+              <a:ext uri="{FF2B5EF4-FFF2-40B4-BE49-F238E27FC236}">
+                <a16:creationId xmlns:a16="http://schemas.microsoft.com/office/drawing/2014/main" id="{86318CB6-E3E4-149F-DFD7-C6002DD5FD13}"/>
+              </a:ext>
+            </a:extLst>
+          </p:cNvPr>
+          <p:cNvSpPr txBox="1"/>
+          <p:nvPr/>
+        </p:nvSpPr>
+        <p:spPr>
+          <a:xfrm>
+            <a:off x="8472552" y="6470413"/>
+            <a:ext cx="3506088" cy="369332"/>
+          </a:xfrm>
+          <a:prstGeom prst="rect">
+            <a:avLst/>
+          </a:prstGeom>
+          <a:noFill/>
+        </p:spPr>
+        <p:txBody>
+          <a:bodyPr wrap="none" rtlCol="0">
+            <a:spAutoFit/>
+          </a:bodyPr>
+          <a:lstStyle/>
+          <a:p>
+            <a:r>
+              <a:rPr lang="en-US" dirty="0">
+                <a:latin typeface="Times New Roman" panose="02020603050405020304" pitchFamily="18" charset="0"/>
+                <a:cs typeface="Times New Roman" panose="02020603050405020304" pitchFamily="18" charset="0"/>
+              </a:rPr>
+              <a:t>Dietz 2017. Ecological forecasting.</a:t>
             </a:r>
           </a:p>
         </p:txBody>
@@ -5858,7 +5846,7 @@
     </p:spTree>
     <p:extLst>
       <p:ext uri="{BB962C8B-B14F-4D97-AF65-F5344CB8AC3E}">
-        <p14:creationId xmlns:p14="http://schemas.microsoft.com/office/powerpoint/2010/main" val="1015701783"/>
+        <p14:creationId xmlns:p14="http://schemas.microsoft.com/office/powerpoint/2010/main" val="363800723"/>
       </p:ext>
     </p:extLst>
   </p:cSld>
@@ -5890,7 +5878,7 @@
           <p:cNvPr id="2" name="Title 1">
             <a:extLst>
               <a:ext uri="{FF2B5EF4-FFF2-40B4-BE49-F238E27FC236}">
-                <a16:creationId xmlns:a16="http://schemas.microsoft.com/office/drawing/2014/main" id="{62B8E5D6-D3EA-5F7E-026C-7FD5E4E55AB8}"/>
+                <a16:creationId xmlns:a16="http://schemas.microsoft.com/office/drawing/2014/main" id="{B8538095-7AAA-EA69-633A-B0BE75F9B1BF}"/>
               </a:ext>
             </a:extLst>
           </p:cNvPr>
@@ -5908,113 +5896,68 @@
           <a:p>
             <a:r>
               <a:rPr lang="en-US" dirty="0"/>
-              <a:t>Parameter estimates</a:t>
-            </a:r>
-          </a:p>
-        </p:txBody>
-      </p:sp>
-      <p:pic>
-        <p:nvPicPr>
-          <p:cNvPr id="5" name="Picture 4">
-            <a:extLst>
-              <a:ext uri="{FF2B5EF4-FFF2-40B4-BE49-F238E27FC236}">
-                <a16:creationId xmlns:a16="http://schemas.microsoft.com/office/drawing/2014/main" id="{33B5D43C-39BD-4094-9494-5E49FC0AB5DB}"/>
-              </a:ext>
-            </a:extLst>
-          </p:cNvPr>
-          <p:cNvPicPr>
-            <a:picLocks noChangeAspect="1"/>
-          </p:cNvPicPr>
-          <p:nvPr/>
-        </p:nvPicPr>
-        <p:blipFill>
-          <a:blip r:embed="rId2"/>
-          <a:stretch>
-            <a:fillRect/>
-          </a:stretch>
-        </p:blipFill>
-        <p:spPr>
-          <a:xfrm>
-            <a:off x="288289" y="1586816"/>
-            <a:ext cx="8005787" cy="2436544"/>
-          </a:xfrm>
-          <a:prstGeom prst="rect">
-            <a:avLst/>
-          </a:prstGeom>
-        </p:spPr>
-      </p:pic>
-      <p:sp>
-        <p:nvSpPr>
-          <p:cNvPr id="11" name="TextBox 10">
-            <a:extLst>
-              <a:ext uri="{FF2B5EF4-FFF2-40B4-BE49-F238E27FC236}">
-                <a16:creationId xmlns:a16="http://schemas.microsoft.com/office/drawing/2014/main" id="{83180DD0-A5E3-6301-4F67-D380E91DEB3E}"/>
-              </a:ext>
-            </a:extLst>
-          </p:cNvPr>
-          <p:cNvSpPr txBox="1"/>
-          <p:nvPr/>
-        </p:nvSpPr>
-        <p:spPr>
-          <a:xfrm>
-            <a:off x="288290" y="4273161"/>
-            <a:ext cx="8555132" cy="369332"/>
-          </a:xfrm>
-          <a:prstGeom prst="rect">
-            <a:avLst/>
-          </a:prstGeom>
-          <a:noFill/>
-        </p:spPr>
-        <p:txBody>
-          <a:bodyPr wrap="square">
-            <a:spAutoFit/>
-          </a:bodyPr>
-          <a:lstStyle/>
-          <a:p>
-            <a:r>
-              <a:rPr lang="en-US" dirty="0">
-                <a:hlinkClick r:id="rId3"/>
-              </a:rPr>
-              <a:t>https://</a:t>
-            </a:r>
-            <a:r>
-              <a:rPr lang="en-US" dirty="0" err="1">
-                <a:hlinkClick r:id="rId3"/>
-              </a:rPr>
-              <a:t>canmod.github.io</a:t>
-            </a:r>
-            <a:r>
-              <a:rPr lang="en-US" dirty="0">
-                <a:hlinkClick r:id="rId3"/>
-              </a:rPr>
-              <a:t>/</a:t>
-            </a:r>
-            <a:r>
-              <a:rPr lang="en-US" dirty="0" err="1">
-                <a:hlinkClick r:id="rId3"/>
-              </a:rPr>
-              <a:t>macpan</a:t>
-            </a:r>
-            <a:r>
-              <a:rPr lang="en-US" dirty="0">
-                <a:hlinkClick r:id="rId3"/>
-              </a:rPr>
-              <a:t>-book/</a:t>
-            </a:r>
-            <a:r>
-              <a:rPr lang="en-US" dirty="0" err="1">
-                <a:hlinkClick r:id="rId3"/>
-              </a:rPr>
-              <a:t>index.html#history-and-motivation</a:t>
-            </a:r>
-            <a:endParaRPr lang="en-US" dirty="0"/>
+              <a:t>PHAC – Emerging Sciences Group</a:t>
+            </a:r>
+          </a:p>
+        </p:txBody>
+      </p:sp>
+      <p:sp>
+        <p:nvSpPr>
+          <p:cNvPr id="3" name="Content Placeholder 2">
+            <a:extLst>
+              <a:ext uri="{FF2B5EF4-FFF2-40B4-BE49-F238E27FC236}">
+                <a16:creationId xmlns:a16="http://schemas.microsoft.com/office/drawing/2014/main" id="{802837AC-93CA-CC99-3D17-D61CBDE0601A}"/>
+              </a:ext>
+            </a:extLst>
+          </p:cNvPr>
+          <p:cNvSpPr>
+            <a:spLocks noGrp="1"/>
+          </p:cNvSpPr>
+          <p:nvPr>
+            <p:ph idx="1"/>
+          </p:nvPr>
+        </p:nvSpPr>
+        <p:spPr/>
+        <p:txBody>
+          <a:bodyPr/>
+          <a:lstStyle/>
+          <a:p>
+            <a:pPr marL="0" indent="0">
+              <a:buNone/>
+            </a:pPr>
+            <a:r>
+              <a:rPr lang="en-US" dirty="0"/>
+              <a:t>Parameter estimation tables</a:t>
+            </a:r>
+          </a:p>
+          <a:p>
+            <a:pPr marL="0" indent="0">
+              <a:buNone/>
+            </a:pPr>
+            <a:r>
+              <a:rPr lang="en-US" dirty="0"/>
+              <a:t>IFR, CFR, Incubation period, Latent period, Infectious period, Asymptomatic-Inf, Serial interval</a:t>
+            </a:r>
+          </a:p>
+          <a:p>
+            <a:pPr marL="0" indent="0">
+              <a:buNone/>
+            </a:pPr>
+            <a:r>
+              <a:rPr lang="en-US" dirty="0" err="1"/>
+              <a:t>Epi+Model</a:t>
+            </a:r>
+            <a:r>
+              <a:rPr lang="en-US" dirty="0"/>
+              <a:t> Data Parameter Tables 2020-06-29.xls</a:t>
+            </a:r>
           </a:p>
         </p:txBody>
       </p:sp>
     </p:spTree>
     <p:extLst>
       <p:ext uri="{BB962C8B-B14F-4D97-AF65-F5344CB8AC3E}">
-        <p14:creationId xmlns:p14="http://schemas.microsoft.com/office/powerpoint/2010/main" val="1473042755"/>
+        <p14:creationId xmlns:p14="http://schemas.microsoft.com/office/powerpoint/2010/main" val="1015701783"/>
       </p:ext>
     </p:extLst>
   </p:cSld>
@@ -6041,12 +5984,40 @@
           <a:chExt cx="0" cy="0"/>
         </a:xfrm>
       </p:grpSpPr>
+      <p:sp>
+        <p:nvSpPr>
+          <p:cNvPr id="2" name="Title 1">
+            <a:extLst>
+              <a:ext uri="{FF2B5EF4-FFF2-40B4-BE49-F238E27FC236}">
+                <a16:creationId xmlns:a16="http://schemas.microsoft.com/office/drawing/2014/main" id="{62B8E5D6-D3EA-5F7E-026C-7FD5E4E55AB8}"/>
+              </a:ext>
+            </a:extLst>
+          </p:cNvPr>
+          <p:cNvSpPr>
+            <a:spLocks noGrp="1"/>
+          </p:cNvSpPr>
+          <p:nvPr>
+            <p:ph type="title"/>
+          </p:nvPr>
+        </p:nvSpPr>
+        <p:spPr/>
+        <p:txBody>
+          <a:bodyPr/>
+          <a:lstStyle/>
+          <a:p>
+            <a:r>
+              <a:rPr lang="en-US" dirty="0"/>
+              <a:t>Parameter estimates</a:t>
+            </a:r>
+          </a:p>
+        </p:txBody>
+      </p:sp>
       <p:pic>
         <p:nvPicPr>
           <p:cNvPr id="5" name="Picture 4">
             <a:extLst>
               <a:ext uri="{FF2B5EF4-FFF2-40B4-BE49-F238E27FC236}">
-                <a16:creationId xmlns:a16="http://schemas.microsoft.com/office/drawing/2014/main" id="{25B41ADA-DE09-4AC8-D6B0-5F32CEFE49F1}"/>
+                <a16:creationId xmlns:a16="http://schemas.microsoft.com/office/drawing/2014/main" id="{33B5D43C-39BD-4094-9494-5E49FC0AB5DB}"/>
               </a:ext>
             </a:extLst>
           </p:cNvPr>
@@ -6063,8 +6034,8 @@
         </p:blipFill>
         <p:spPr>
           <a:xfrm>
-            <a:off x="31017" y="303192"/>
-            <a:ext cx="7134828" cy="5745915"/>
+            <a:off x="288289" y="1586816"/>
+            <a:ext cx="8005787" cy="2436544"/>
           </a:xfrm>
           <a:prstGeom prst="rect">
             <a:avLst/>
@@ -6073,10 +6044,10 @@
       </p:pic>
       <p:sp>
         <p:nvSpPr>
-          <p:cNvPr id="7" name="TextBox 6">
-            <a:extLst>
-              <a:ext uri="{FF2B5EF4-FFF2-40B4-BE49-F238E27FC236}">
-                <a16:creationId xmlns:a16="http://schemas.microsoft.com/office/drawing/2014/main" id="{071312BE-CED8-1271-9432-206A03BB7F9B}"/>
+          <p:cNvPr id="11" name="TextBox 10">
+            <a:extLst>
+              <a:ext uri="{FF2B5EF4-FFF2-40B4-BE49-F238E27FC236}">
+                <a16:creationId xmlns:a16="http://schemas.microsoft.com/office/drawing/2014/main" id="{83180DD0-A5E3-6301-4F67-D380E91DEB3E}"/>
               </a:ext>
             </a:extLst>
           </p:cNvPr>
@@ -6085,8 +6056,8 @@
         </p:nvSpPr>
         <p:spPr>
           <a:xfrm>
-            <a:off x="31017" y="6189439"/>
-            <a:ext cx="12353157" cy="646331"/>
+            <a:off x="288290" y="4273161"/>
+            <a:ext cx="8555132" cy="369332"/>
           </a:xfrm>
           <a:prstGeom prst="rect">
             <a:avLst/>
@@ -6109,88 +6080,40 @@
               <a:rPr lang="en-US" dirty="0" err="1">
                 <a:hlinkClick r:id="rId3"/>
               </a:rPr>
-              <a:t>www.canada.ca</a:t>
+              <a:t>canmod.github.io</a:t>
             </a:r>
             <a:r>
               <a:rPr lang="en-US" dirty="0">
                 <a:hlinkClick r:id="rId3"/>
               </a:rPr>
-              <a:t>/content/dam/</a:t>
+              <a:t>/</a:t>
             </a:r>
             <a:r>
               <a:rPr lang="en-US" dirty="0" err="1">
                 <a:hlinkClick r:id="rId3"/>
               </a:rPr>
-              <a:t>phac-aspc</a:t>
+              <a:t>macpan</a:t>
             </a:r>
             <a:r>
               <a:rPr lang="en-US" dirty="0">
                 <a:hlinkClick r:id="rId3"/>
               </a:rPr>
-              <a:t>/documents/services/reports-publications/</a:t>
+              <a:t>-book/</a:t>
             </a:r>
             <a:r>
               <a:rPr lang="en-US" dirty="0" err="1">
                 <a:hlinkClick r:id="rId3"/>
               </a:rPr>
-              <a:t>canada</a:t>
-            </a:r>
-            <a:r>
-              <a:rPr lang="en-US" dirty="0">
-                <a:hlinkClick r:id="rId3"/>
-              </a:rPr>
-              <a:t>-communicable-disease-report-</a:t>
-            </a:r>
-            <a:r>
-              <a:rPr lang="en-US" dirty="0" err="1">
-                <a:hlinkClick r:id="rId3"/>
-              </a:rPr>
-              <a:t>ccdr</a:t>
-            </a:r>
-            <a:r>
-              <a:rPr lang="en-US" dirty="0">
-                <a:hlinkClick r:id="rId3"/>
-              </a:rPr>
-              <a:t>/monthly-issue/2022-48/issue-7-8-july-august-2022/ccdrv48i78a01s-eng.pdf</a:t>
+              <a:t>index.html#history-and-motivation</a:t>
             </a:r>
             <a:endParaRPr lang="en-US" dirty="0"/>
           </a:p>
         </p:txBody>
       </p:sp>
-      <p:pic>
-        <p:nvPicPr>
-          <p:cNvPr id="8" name="Picture 7">
-            <a:extLst>
-              <a:ext uri="{FF2B5EF4-FFF2-40B4-BE49-F238E27FC236}">
-                <a16:creationId xmlns:a16="http://schemas.microsoft.com/office/drawing/2014/main" id="{B1A49167-1A39-3A7E-993E-9D03DF598CA9}"/>
-              </a:ext>
-            </a:extLst>
-          </p:cNvPr>
-          <p:cNvPicPr>
-            <a:picLocks noChangeAspect="1"/>
-          </p:cNvPicPr>
-          <p:nvPr/>
-        </p:nvPicPr>
-        <p:blipFill>
-          <a:blip r:embed="rId4"/>
-          <a:stretch>
-            <a:fillRect/>
-          </a:stretch>
-        </p:blipFill>
-        <p:spPr>
-          <a:xfrm>
-            <a:off x="7165845" y="486118"/>
-            <a:ext cx="4876141" cy="1244207"/>
-          </a:xfrm>
-          <a:prstGeom prst="rect">
-            <a:avLst/>
-          </a:prstGeom>
-        </p:spPr>
-      </p:pic>
     </p:spTree>
     <p:extLst>
       <p:ext uri="{BB962C8B-B14F-4D97-AF65-F5344CB8AC3E}">
-        <p14:creationId xmlns:p14="http://schemas.microsoft.com/office/powerpoint/2010/main" val="4149919658"/>
+        <p14:creationId xmlns:p14="http://schemas.microsoft.com/office/powerpoint/2010/main" val="1473042755"/>
       </p:ext>
     </p:extLst>
   </p:cSld>
@@ -6217,40 +6140,12 @@
           <a:chExt cx="0" cy="0"/>
         </a:xfrm>
       </p:grpSpPr>
-      <p:sp>
-        <p:nvSpPr>
-          <p:cNvPr id="2" name="Title 1">
-            <a:extLst>
-              <a:ext uri="{FF2B5EF4-FFF2-40B4-BE49-F238E27FC236}">
-                <a16:creationId xmlns:a16="http://schemas.microsoft.com/office/drawing/2014/main" id="{CAFA8007-A726-C4A7-BAFF-486ABF0FABA1}"/>
-              </a:ext>
-            </a:extLst>
-          </p:cNvPr>
-          <p:cNvSpPr>
-            <a:spLocks noGrp="1"/>
-          </p:cNvSpPr>
-          <p:nvPr>
-            <p:ph type="title"/>
-          </p:nvPr>
-        </p:nvSpPr>
-        <p:spPr/>
-        <p:txBody>
-          <a:bodyPr/>
-          <a:lstStyle/>
-          <a:p>
-            <a:r>
-              <a:rPr lang="en-US" dirty="0"/>
-              <a:t>Combining data</a:t>
-            </a:r>
-          </a:p>
-        </p:txBody>
-      </p:sp>
       <p:pic>
         <p:nvPicPr>
           <p:cNvPr id="5" name="Picture 4">
             <a:extLst>
               <a:ext uri="{FF2B5EF4-FFF2-40B4-BE49-F238E27FC236}">
-                <a16:creationId xmlns:a16="http://schemas.microsoft.com/office/drawing/2014/main" id="{64870873-E57D-662A-0ABC-2087F681C93A}"/>
+                <a16:creationId xmlns:a16="http://schemas.microsoft.com/office/drawing/2014/main" id="{25B41ADA-DE09-4AC8-D6B0-5F32CEFE49F1}"/>
               </a:ext>
             </a:extLst>
           </p:cNvPr>
@@ -6267,8 +6162,8 @@
         </p:blipFill>
         <p:spPr>
           <a:xfrm>
-            <a:off x="267558" y="1772529"/>
-            <a:ext cx="11839735" cy="3995225"/>
+            <a:off x="31017" y="303192"/>
+            <a:ext cx="7134828" cy="5745915"/>
           </a:xfrm>
           <a:prstGeom prst="rect">
             <a:avLst/>
@@ -6277,10 +6172,10 @@
       </p:pic>
       <p:sp>
         <p:nvSpPr>
-          <p:cNvPr id="6" name="TextBox 5">
-            <a:extLst>
-              <a:ext uri="{FF2B5EF4-FFF2-40B4-BE49-F238E27FC236}">
-                <a16:creationId xmlns:a16="http://schemas.microsoft.com/office/drawing/2014/main" id="{60590ACA-2E04-A83A-1CC3-1436B9B2F3E2}"/>
+          <p:cNvPr id="7" name="TextBox 6">
+            <a:extLst>
+              <a:ext uri="{FF2B5EF4-FFF2-40B4-BE49-F238E27FC236}">
+                <a16:creationId xmlns:a16="http://schemas.microsoft.com/office/drawing/2014/main" id="{071312BE-CED8-1271-9432-206A03BB7F9B}"/>
               </a:ext>
             </a:extLst>
           </p:cNvPr>
@@ -6289,8 +6184,8 @@
         </p:nvSpPr>
         <p:spPr>
           <a:xfrm>
-            <a:off x="7385539" y="2739682"/>
-            <a:ext cx="1970411" cy="461665"/>
+            <a:off x="31017" y="6189439"/>
+            <a:ext cx="12353157" cy="646331"/>
           </a:xfrm>
           <a:prstGeom prst="rect">
             <a:avLst/>
@@ -6298,174 +6193,103 @@
           <a:noFill/>
         </p:spPr>
         <p:txBody>
-          <a:bodyPr wrap="none" rtlCol="0">
+          <a:bodyPr wrap="square">
             <a:spAutoFit/>
           </a:bodyPr>
           <a:lstStyle/>
           <a:p>
             <a:r>
-              <a:rPr lang="en-US" sz="2400" dirty="0">
-                <a:latin typeface="Times New Roman" panose="02020603050405020304" pitchFamily="18" charset="0"/>
-                <a:cs typeface="Times New Roman" panose="02020603050405020304" pitchFamily="18" charset="0"/>
+              <a:rPr lang="en-US" dirty="0">
+                <a:hlinkClick r:id="rId3"/>
               </a:rPr>
-              <a:t>Process model</a:t>
-            </a:r>
-          </a:p>
-        </p:txBody>
-      </p:sp>
-      <p:sp>
-        <p:nvSpPr>
-          <p:cNvPr id="7" name="TextBox 6">
-            <a:extLst>
-              <a:ext uri="{FF2B5EF4-FFF2-40B4-BE49-F238E27FC236}">
-                <a16:creationId xmlns:a16="http://schemas.microsoft.com/office/drawing/2014/main" id="{66613FAF-F158-861C-A300-C91B27A98B69}"/>
-              </a:ext>
-            </a:extLst>
-          </p:cNvPr>
-          <p:cNvSpPr txBox="1"/>
+              <a:t>https://</a:t>
+            </a:r>
+            <a:r>
+              <a:rPr lang="en-US" dirty="0" err="1">
+                <a:hlinkClick r:id="rId3"/>
+              </a:rPr>
+              <a:t>www.canada.ca</a:t>
+            </a:r>
+            <a:r>
+              <a:rPr lang="en-US" dirty="0">
+                <a:hlinkClick r:id="rId3"/>
+              </a:rPr>
+              <a:t>/content/dam/</a:t>
+            </a:r>
+            <a:r>
+              <a:rPr lang="en-US" dirty="0" err="1">
+                <a:hlinkClick r:id="rId3"/>
+              </a:rPr>
+              <a:t>phac-aspc</a:t>
+            </a:r>
+            <a:r>
+              <a:rPr lang="en-US" dirty="0">
+                <a:hlinkClick r:id="rId3"/>
+              </a:rPr>
+              <a:t>/documents/services/reports-publications/</a:t>
+            </a:r>
+            <a:r>
+              <a:rPr lang="en-US" dirty="0" err="1">
+                <a:hlinkClick r:id="rId3"/>
+              </a:rPr>
+              <a:t>canada</a:t>
+            </a:r>
+            <a:r>
+              <a:rPr lang="en-US" dirty="0">
+                <a:hlinkClick r:id="rId3"/>
+              </a:rPr>
+              <a:t>-communicable-disease-report-</a:t>
+            </a:r>
+            <a:r>
+              <a:rPr lang="en-US" dirty="0" err="1">
+                <a:hlinkClick r:id="rId3"/>
+              </a:rPr>
+              <a:t>ccdr</a:t>
+            </a:r>
+            <a:r>
+              <a:rPr lang="en-US" dirty="0">
+                <a:hlinkClick r:id="rId3"/>
+              </a:rPr>
+              <a:t>/monthly-issue/2022-48/issue-7-8-july-august-2022/ccdrv48i78a01s-eng.pdf</a:t>
+            </a:r>
+            <a:endParaRPr lang="en-US" dirty="0"/>
+          </a:p>
+        </p:txBody>
+      </p:sp>
+      <p:pic>
+        <p:nvPicPr>
+          <p:cNvPr id="8" name="Picture 7">
+            <a:extLst>
+              <a:ext uri="{FF2B5EF4-FFF2-40B4-BE49-F238E27FC236}">
+                <a16:creationId xmlns:a16="http://schemas.microsoft.com/office/drawing/2014/main" id="{B1A49167-1A39-3A7E-993E-9D03DF598CA9}"/>
+              </a:ext>
+            </a:extLst>
+          </p:cNvPr>
+          <p:cNvPicPr>
+            <a:picLocks noChangeAspect="1"/>
+          </p:cNvPicPr>
           <p:nvPr/>
-        </p:nvSpPr>
-        <p:spPr>
-          <a:xfrm>
-            <a:off x="7385539" y="3308476"/>
-            <a:ext cx="4258730" cy="461665"/>
+        </p:nvPicPr>
+        <p:blipFill>
+          <a:blip r:embed="rId4"/>
+          <a:stretch>
+            <a:fillRect/>
+          </a:stretch>
+        </p:blipFill>
+        <p:spPr>
+          <a:xfrm>
+            <a:off x="7165845" y="486118"/>
+            <a:ext cx="4876141" cy="1244207"/>
           </a:xfrm>
           <a:prstGeom prst="rect">
             <a:avLst/>
           </a:prstGeom>
-          <a:noFill/>
-        </p:spPr>
-        <p:txBody>
-          <a:bodyPr wrap="none" rtlCol="0">
-            <a:spAutoFit/>
-          </a:bodyPr>
-          <a:lstStyle/>
-          <a:p>
-            <a:r>
-              <a:rPr lang="en-US" sz="2400" dirty="0">
-                <a:latin typeface="Times New Roman" panose="02020603050405020304" pitchFamily="18" charset="0"/>
-                <a:cs typeface="Times New Roman" panose="02020603050405020304" pitchFamily="18" charset="0"/>
-              </a:rPr>
-              <a:t>Observation model for study, </a:t>
-            </a:r>
-            <a:r>
-              <a:rPr lang="en-US" sz="2400" i="1" dirty="0" err="1">
-                <a:latin typeface="Times New Roman" panose="02020603050405020304" pitchFamily="18" charset="0"/>
-                <a:cs typeface="Times New Roman" panose="02020603050405020304" pitchFamily="18" charset="0"/>
-              </a:rPr>
-              <a:t>i</a:t>
-            </a:r>
-            <a:r>
-              <a:rPr lang="en-US" sz="2400" dirty="0">
-                <a:latin typeface="Times New Roman" panose="02020603050405020304" pitchFamily="18" charset="0"/>
-                <a:cs typeface="Times New Roman" panose="02020603050405020304" pitchFamily="18" charset="0"/>
-              </a:rPr>
-              <a:t>=1</a:t>
-            </a:r>
-          </a:p>
-        </p:txBody>
-      </p:sp>
-      <p:sp>
-        <p:nvSpPr>
-          <p:cNvPr id="8" name="TextBox 7">
-            <a:extLst>
-              <a:ext uri="{FF2B5EF4-FFF2-40B4-BE49-F238E27FC236}">
-                <a16:creationId xmlns:a16="http://schemas.microsoft.com/office/drawing/2014/main" id="{2FF41B45-5C39-974F-1B78-20FE16A26216}"/>
-              </a:ext>
-            </a:extLst>
-          </p:cNvPr>
-          <p:cNvSpPr txBox="1"/>
-          <p:nvPr/>
-        </p:nvSpPr>
-        <p:spPr>
-          <a:xfrm>
-            <a:off x="7385539" y="5075255"/>
-            <a:ext cx="4258730" cy="461665"/>
-          </a:xfrm>
-          <a:prstGeom prst="rect">
-            <a:avLst/>
-          </a:prstGeom>
-          <a:noFill/>
-        </p:spPr>
-        <p:txBody>
-          <a:bodyPr wrap="none" rtlCol="0">
-            <a:spAutoFit/>
-          </a:bodyPr>
-          <a:lstStyle/>
-          <a:p>
-            <a:r>
-              <a:rPr lang="en-US" sz="2400" dirty="0">
-                <a:latin typeface="Times New Roman" panose="02020603050405020304" pitchFamily="18" charset="0"/>
-                <a:cs typeface="Times New Roman" panose="02020603050405020304" pitchFamily="18" charset="0"/>
-              </a:rPr>
-              <a:t>Observation model for study, </a:t>
-            </a:r>
-            <a:r>
-              <a:rPr lang="en-US" sz="2400" i="1" dirty="0" err="1">
-                <a:latin typeface="Times New Roman" panose="02020603050405020304" pitchFamily="18" charset="0"/>
-                <a:cs typeface="Times New Roman" panose="02020603050405020304" pitchFamily="18" charset="0"/>
-              </a:rPr>
-              <a:t>i</a:t>
-            </a:r>
-            <a:r>
-              <a:rPr lang="en-US" sz="2400" dirty="0">
-                <a:latin typeface="Times New Roman" panose="02020603050405020304" pitchFamily="18" charset="0"/>
-                <a:cs typeface="Times New Roman" panose="02020603050405020304" pitchFamily="18" charset="0"/>
-              </a:rPr>
-              <a:t>=</a:t>
-            </a:r>
-            <a:r>
-              <a:rPr lang="en-US" sz="2400" i="1" dirty="0">
-                <a:latin typeface="Times New Roman" panose="02020603050405020304" pitchFamily="18" charset="0"/>
-                <a:cs typeface="Times New Roman" panose="02020603050405020304" pitchFamily="18" charset="0"/>
-              </a:rPr>
-              <a:t>k</a:t>
-            </a:r>
-          </a:p>
-        </p:txBody>
-      </p:sp>
-      <p:sp>
-        <p:nvSpPr>
-          <p:cNvPr id="9" name="TextBox 8">
-            <a:extLst>
-              <a:ext uri="{FF2B5EF4-FFF2-40B4-BE49-F238E27FC236}">
-                <a16:creationId xmlns:a16="http://schemas.microsoft.com/office/drawing/2014/main" id="{4DF5A487-1EC6-D74C-23F9-78B162002B30}"/>
-              </a:ext>
-            </a:extLst>
-          </p:cNvPr>
-          <p:cNvSpPr txBox="1"/>
-          <p:nvPr/>
-        </p:nvSpPr>
-        <p:spPr>
-          <a:xfrm>
-            <a:off x="8472552" y="6470413"/>
-            <a:ext cx="3506088" cy="369332"/>
-          </a:xfrm>
-          <a:prstGeom prst="rect">
-            <a:avLst/>
-          </a:prstGeom>
-          <a:noFill/>
-        </p:spPr>
-        <p:txBody>
-          <a:bodyPr wrap="none" rtlCol="0">
-            <a:spAutoFit/>
-          </a:bodyPr>
-          <a:lstStyle/>
-          <a:p>
-            <a:r>
-              <a:rPr lang="en-US" dirty="0">
-                <a:latin typeface="Times New Roman" panose="02020603050405020304" pitchFamily="18" charset="0"/>
-                <a:cs typeface="Times New Roman" panose="02020603050405020304" pitchFamily="18" charset="0"/>
-              </a:rPr>
-              <a:t>Dietz 2017. Ecological forecasting.</a:t>
-            </a:r>
-          </a:p>
-        </p:txBody>
-      </p:sp>
+        </p:spPr>
+      </p:pic>
     </p:spTree>
     <p:extLst>
       <p:ext uri="{BB962C8B-B14F-4D97-AF65-F5344CB8AC3E}">
-        <p14:creationId xmlns:p14="http://schemas.microsoft.com/office/powerpoint/2010/main" val="1618399874"/>
+        <p14:creationId xmlns:p14="http://schemas.microsoft.com/office/powerpoint/2010/main" val="4149919658"/>
       </p:ext>
     </p:extLst>
   </p:cSld>
@@ -6522,10 +6346,10 @@
       </p:sp>
       <p:pic>
         <p:nvPicPr>
-          <p:cNvPr id="4" name="Picture 3">
-            <a:extLst>
-              <a:ext uri="{FF2B5EF4-FFF2-40B4-BE49-F238E27FC236}">
-                <a16:creationId xmlns:a16="http://schemas.microsoft.com/office/drawing/2014/main" id="{B8A7A948-205C-EC98-0BCA-B752798AC152}"/>
+          <p:cNvPr id="5" name="Picture 4">
+            <a:extLst>
+              <a:ext uri="{FF2B5EF4-FFF2-40B4-BE49-F238E27FC236}">
+                <a16:creationId xmlns:a16="http://schemas.microsoft.com/office/drawing/2014/main" id="{64870873-E57D-662A-0ABC-2087F681C93A}"/>
               </a:ext>
             </a:extLst>
           </p:cNvPr>
@@ -6542,8 +6366,8 @@
         </p:blipFill>
         <p:spPr>
           <a:xfrm>
-            <a:off x="914401" y="1343818"/>
-            <a:ext cx="10572184" cy="4755875"/>
+            <a:off x="267558" y="1772529"/>
+            <a:ext cx="11839735" cy="3995225"/>
           </a:xfrm>
           <a:prstGeom prst="rect">
             <a:avLst/>
@@ -6552,10 +6376,159 @@
       </p:pic>
       <p:sp>
         <p:nvSpPr>
-          <p:cNvPr id="11" name="TextBox 10">
-            <a:extLst>
-              <a:ext uri="{FF2B5EF4-FFF2-40B4-BE49-F238E27FC236}">
-                <a16:creationId xmlns:a16="http://schemas.microsoft.com/office/drawing/2014/main" id="{609E90EC-D6AE-790E-5B82-B5268B000964}"/>
+          <p:cNvPr id="6" name="TextBox 5">
+            <a:extLst>
+              <a:ext uri="{FF2B5EF4-FFF2-40B4-BE49-F238E27FC236}">
+                <a16:creationId xmlns:a16="http://schemas.microsoft.com/office/drawing/2014/main" id="{60590ACA-2E04-A83A-1CC3-1436B9B2F3E2}"/>
+              </a:ext>
+            </a:extLst>
+          </p:cNvPr>
+          <p:cNvSpPr txBox="1"/>
+          <p:nvPr/>
+        </p:nvSpPr>
+        <p:spPr>
+          <a:xfrm>
+            <a:off x="7385539" y="2739682"/>
+            <a:ext cx="1970411" cy="461665"/>
+          </a:xfrm>
+          <a:prstGeom prst="rect">
+            <a:avLst/>
+          </a:prstGeom>
+          <a:noFill/>
+        </p:spPr>
+        <p:txBody>
+          <a:bodyPr wrap="none" rtlCol="0">
+            <a:spAutoFit/>
+          </a:bodyPr>
+          <a:lstStyle/>
+          <a:p>
+            <a:r>
+              <a:rPr lang="en-US" sz="2400" dirty="0">
+                <a:latin typeface="Times New Roman" panose="02020603050405020304" pitchFamily="18" charset="0"/>
+                <a:cs typeface="Times New Roman" panose="02020603050405020304" pitchFamily="18" charset="0"/>
+              </a:rPr>
+              <a:t>Process model</a:t>
+            </a:r>
+          </a:p>
+        </p:txBody>
+      </p:sp>
+      <p:sp>
+        <p:nvSpPr>
+          <p:cNvPr id="7" name="TextBox 6">
+            <a:extLst>
+              <a:ext uri="{FF2B5EF4-FFF2-40B4-BE49-F238E27FC236}">
+                <a16:creationId xmlns:a16="http://schemas.microsoft.com/office/drawing/2014/main" id="{66613FAF-F158-861C-A300-C91B27A98B69}"/>
+              </a:ext>
+            </a:extLst>
+          </p:cNvPr>
+          <p:cNvSpPr txBox="1"/>
+          <p:nvPr/>
+        </p:nvSpPr>
+        <p:spPr>
+          <a:xfrm>
+            <a:off x="7385539" y="3308476"/>
+            <a:ext cx="4258730" cy="461665"/>
+          </a:xfrm>
+          <a:prstGeom prst="rect">
+            <a:avLst/>
+          </a:prstGeom>
+          <a:noFill/>
+        </p:spPr>
+        <p:txBody>
+          <a:bodyPr wrap="none" rtlCol="0">
+            <a:spAutoFit/>
+          </a:bodyPr>
+          <a:lstStyle/>
+          <a:p>
+            <a:r>
+              <a:rPr lang="en-US" sz="2400" dirty="0">
+                <a:latin typeface="Times New Roman" panose="02020603050405020304" pitchFamily="18" charset="0"/>
+                <a:cs typeface="Times New Roman" panose="02020603050405020304" pitchFamily="18" charset="0"/>
+              </a:rPr>
+              <a:t>Observation model for study, </a:t>
+            </a:r>
+            <a:r>
+              <a:rPr lang="en-US" sz="2400" i="1" dirty="0" err="1">
+                <a:latin typeface="Times New Roman" panose="02020603050405020304" pitchFamily="18" charset="0"/>
+                <a:cs typeface="Times New Roman" panose="02020603050405020304" pitchFamily="18" charset="0"/>
+              </a:rPr>
+              <a:t>i</a:t>
+            </a:r>
+            <a:r>
+              <a:rPr lang="en-US" sz="2400" dirty="0">
+                <a:latin typeface="Times New Roman" panose="02020603050405020304" pitchFamily="18" charset="0"/>
+                <a:cs typeface="Times New Roman" panose="02020603050405020304" pitchFamily="18" charset="0"/>
+              </a:rPr>
+              <a:t>=1</a:t>
+            </a:r>
+          </a:p>
+        </p:txBody>
+      </p:sp>
+      <p:sp>
+        <p:nvSpPr>
+          <p:cNvPr id="8" name="TextBox 7">
+            <a:extLst>
+              <a:ext uri="{FF2B5EF4-FFF2-40B4-BE49-F238E27FC236}">
+                <a16:creationId xmlns:a16="http://schemas.microsoft.com/office/drawing/2014/main" id="{2FF41B45-5C39-974F-1B78-20FE16A26216}"/>
+              </a:ext>
+            </a:extLst>
+          </p:cNvPr>
+          <p:cNvSpPr txBox="1"/>
+          <p:nvPr/>
+        </p:nvSpPr>
+        <p:spPr>
+          <a:xfrm>
+            <a:off x="7385539" y="5075255"/>
+            <a:ext cx="4258730" cy="461665"/>
+          </a:xfrm>
+          <a:prstGeom prst="rect">
+            <a:avLst/>
+          </a:prstGeom>
+          <a:noFill/>
+        </p:spPr>
+        <p:txBody>
+          <a:bodyPr wrap="none" rtlCol="0">
+            <a:spAutoFit/>
+          </a:bodyPr>
+          <a:lstStyle/>
+          <a:p>
+            <a:r>
+              <a:rPr lang="en-US" sz="2400" dirty="0">
+                <a:latin typeface="Times New Roman" panose="02020603050405020304" pitchFamily="18" charset="0"/>
+                <a:cs typeface="Times New Roman" panose="02020603050405020304" pitchFamily="18" charset="0"/>
+              </a:rPr>
+              <a:t>Observation model for study, </a:t>
+            </a:r>
+            <a:r>
+              <a:rPr lang="en-US" sz="2400" i="1" dirty="0" err="1">
+                <a:latin typeface="Times New Roman" panose="02020603050405020304" pitchFamily="18" charset="0"/>
+                <a:cs typeface="Times New Roman" panose="02020603050405020304" pitchFamily="18" charset="0"/>
+              </a:rPr>
+              <a:t>i</a:t>
+            </a:r>
+            <a:r>
+              <a:rPr lang="en-US" sz="2400" dirty="0">
+                <a:latin typeface="Times New Roman" panose="02020603050405020304" pitchFamily="18" charset="0"/>
+                <a:cs typeface="Times New Roman" panose="02020603050405020304" pitchFamily="18" charset="0"/>
+              </a:rPr>
+              <a:t>=</a:t>
+            </a:r>
+            <a:r>
+              <a:rPr lang="en-US" sz="2400" i="1" dirty="0">
+                <a:latin typeface="Times New Roman" panose="02020603050405020304" pitchFamily="18" charset="0"/>
+                <a:cs typeface="Times New Roman" panose="02020603050405020304" pitchFamily="18" charset="0"/>
+              </a:rPr>
+              <a:t>k</a:t>
+            </a:r>
+          </a:p>
+        </p:txBody>
+      </p:sp>
+      <p:sp>
+        <p:nvSpPr>
+          <p:cNvPr id="9" name="TextBox 8">
+            <a:extLst>
+              <a:ext uri="{FF2B5EF4-FFF2-40B4-BE49-F238E27FC236}">
+                <a16:creationId xmlns:a16="http://schemas.microsoft.com/office/drawing/2014/main" id="{4DF5A487-1EC6-D74C-23F9-78B162002B30}"/>
               </a:ext>
             </a:extLst>
           </p:cNvPr>
@@ -6591,7 +6564,7 @@
     </p:spTree>
     <p:extLst>
       <p:ext uri="{BB962C8B-B14F-4D97-AF65-F5344CB8AC3E}">
-        <p14:creationId xmlns:p14="http://schemas.microsoft.com/office/powerpoint/2010/main" val="176976701"/>
+        <p14:creationId xmlns:p14="http://schemas.microsoft.com/office/powerpoint/2010/main" val="1618399874"/>
       </p:ext>
     </p:extLst>
   </p:cSld>
@@ -6648,6 +6621,132 @@
       </p:sp>
       <p:pic>
         <p:nvPicPr>
+          <p:cNvPr id="4" name="Picture 3">
+            <a:extLst>
+              <a:ext uri="{FF2B5EF4-FFF2-40B4-BE49-F238E27FC236}">
+                <a16:creationId xmlns:a16="http://schemas.microsoft.com/office/drawing/2014/main" id="{B8A7A948-205C-EC98-0BCA-B752798AC152}"/>
+              </a:ext>
+            </a:extLst>
+          </p:cNvPr>
+          <p:cNvPicPr>
+            <a:picLocks noChangeAspect="1"/>
+          </p:cNvPicPr>
+          <p:nvPr/>
+        </p:nvPicPr>
+        <p:blipFill>
+          <a:blip r:embed="rId2"/>
+          <a:stretch>
+            <a:fillRect/>
+          </a:stretch>
+        </p:blipFill>
+        <p:spPr>
+          <a:xfrm>
+            <a:off x="914401" y="1343818"/>
+            <a:ext cx="10572184" cy="4755875"/>
+          </a:xfrm>
+          <a:prstGeom prst="rect">
+            <a:avLst/>
+          </a:prstGeom>
+        </p:spPr>
+      </p:pic>
+      <p:sp>
+        <p:nvSpPr>
+          <p:cNvPr id="11" name="TextBox 10">
+            <a:extLst>
+              <a:ext uri="{FF2B5EF4-FFF2-40B4-BE49-F238E27FC236}">
+                <a16:creationId xmlns:a16="http://schemas.microsoft.com/office/drawing/2014/main" id="{609E90EC-D6AE-790E-5B82-B5268B000964}"/>
+              </a:ext>
+            </a:extLst>
+          </p:cNvPr>
+          <p:cNvSpPr txBox="1"/>
+          <p:nvPr/>
+        </p:nvSpPr>
+        <p:spPr>
+          <a:xfrm>
+            <a:off x="8472552" y="6470413"/>
+            <a:ext cx="3506088" cy="369332"/>
+          </a:xfrm>
+          <a:prstGeom prst="rect">
+            <a:avLst/>
+          </a:prstGeom>
+          <a:noFill/>
+        </p:spPr>
+        <p:txBody>
+          <a:bodyPr wrap="none" rtlCol="0">
+            <a:spAutoFit/>
+          </a:bodyPr>
+          <a:lstStyle/>
+          <a:p>
+            <a:r>
+              <a:rPr lang="en-US" dirty="0">
+                <a:latin typeface="Times New Roman" panose="02020603050405020304" pitchFamily="18" charset="0"/>
+                <a:cs typeface="Times New Roman" panose="02020603050405020304" pitchFamily="18" charset="0"/>
+              </a:rPr>
+              <a:t>Dietz 2017. Ecological forecasting.</a:t>
+            </a:r>
+          </a:p>
+        </p:txBody>
+      </p:sp>
+    </p:spTree>
+    <p:extLst>
+      <p:ext uri="{BB962C8B-B14F-4D97-AF65-F5344CB8AC3E}">
+        <p14:creationId xmlns:p14="http://schemas.microsoft.com/office/powerpoint/2010/main" val="176976701"/>
+      </p:ext>
+    </p:extLst>
+  </p:cSld>
+  <p:clrMapOvr>
+    <a:masterClrMapping/>
+  </p:clrMapOvr>
+</p:sld>
+</file>
+
+<file path=ppt/slides/slide27.xml><?xml version="1.0" encoding="utf-8"?>
+<p:sld xmlns:a="http://schemas.openxmlformats.org/drawingml/2006/main" xmlns:r="http://schemas.openxmlformats.org/officeDocument/2006/relationships" xmlns:p="http://schemas.openxmlformats.org/presentationml/2006/main">
+  <p:cSld>
+    <p:spTree>
+      <p:nvGrpSpPr>
+        <p:cNvPr id="1" name=""/>
+        <p:cNvGrpSpPr/>
+        <p:nvPr/>
+      </p:nvGrpSpPr>
+      <p:grpSpPr>
+        <a:xfrm>
+          <a:off x="0" y="0"/>
+          <a:ext cx="0" cy="0"/>
+          <a:chOff x="0" y="0"/>
+          <a:chExt cx="0" cy="0"/>
+        </a:xfrm>
+      </p:grpSpPr>
+      <p:sp>
+        <p:nvSpPr>
+          <p:cNvPr id="2" name="Title 1">
+            <a:extLst>
+              <a:ext uri="{FF2B5EF4-FFF2-40B4-BE49-F238E27FC236}">
+                <a16:creationId xmlns:a16="http://schemas.microsoft.com/office/drawing/2014/main" id="{CAFA8007-A726-C4A7-BAFF-486ABF0FABA1}"/>
+              </a:ext>
+            </a:extLst>
+          </p:cNvPr>
+          <p:cNvSpPr>
+            <a:spLocks noGrp="1"/>
+          </p:cNvSpPr>
+          <p:nvPr>
+            <p:ph type="title"/>
+          </p:nvPr>
+        </p:nvSpPr>
+        <p:spPr/>
+        <p:txBody>
+          <a:bodyPr/>
+          <a:lstStyle/>
+          <a:p>
+            <a:r>
+              <a:rPr lang="en-US" dirty="0"/>
+              <a:t>Combining data</a:t>
+            </a:r>
+          </a:p>
+        </p:txBody>
+      </p:sp>
+      <p:pic>
+        <p:nvPicPr>
           <p:cNvPr id="3" name="Picture 2">
             <a:extLst>
               <a:ext uri="{FF2B5EF4-FFF2-40B4-BE49-F238E27FC236}">
@@ -6727,7 +6826,7 @@
 </p:sld>
 </file>
 
-<file path=ppt/slides/slide27.xml><?xml version="1.0" encoding="utf-8"?>
+<file path=ppt/slides/slide28.xml><?xml version="1.0" encoding="utf-8"?>
 <p:sld xmlns:a="http://schemas.openxmlformats.org/drawingml/2006/main" xmlns:r="http://schemas.openxmlformats.org/officeDocument/2006/relationships" xmlns:p="http://schemas.openxmlformats.org/presentationml/2006/main">
   <p:cSld>
     <p:spTree>
@@ -7633,80 +7732,42 @@
           <a:chExt cx="0" cy="0"/>
         </a:xfrm>
       </p:grpSpPr>
-      <p:sp>
-        <p:nvSpPr>
-          <p:cNvPr id="2" name="Title 1">
-            <a:extLst>
-              <a:ext uri="{FF2B5EF4-FFF2-40B4-BE49-F238E27FC236}">
-                <a16:creationId xmlns:a16="http://schemas.microsoft.com/office/drawing/2014/main" id="{9DB04AF2-BF7A-A96F-2740-C07FFCF78F5A}"/>
-              </a:ext>
-            </a:extLst>
-          </p:cNvPr>
-          <p:cNvSpPr>
-            <a:spLocks noGrp="1"/>
-          </p:cNvSpPr>
-          <p:nvPr>
-            <p:ph type="title"/>
-          </p:nvPr>
-        </p:nvSpPr>
-        <p:spPr/>
-        <p:txBody>
-          <a:bodyPr/>
-          <a:lstStyle/>
-          <a:p>
-            <a:r>
-              <a:rPr lang="en-US" dirty="0"/>
-              <a:t>State space models</a:t>
-            </a:r>
-          </a:p>
-        </p:txBody>
-      </p:sp>
-      <p:sp>
-        <p:nvSpPr>
-          <p:cNvPr id="3" name="Content Placeholder 2">
-            <a:extLst>
-              <a:ext uri="{FF2B5EF4-FFF2-40B4-BE49-F238E27FC236}">
-                <a16:creationId xmlns:a16="http://schemas.microsoft.com/office/drawing/2014/main" id="{3A183118-89C6-53A7-E1AC-CF24905E813B}"/>
-              </a:ext>
-            </a:extLst>
-          </p:cNvPr>
-          <p:cNvSpPr>
-            <a:spLocks noGrp="1"/>
-          </p:cNvSpPr>
-          <p:nvPr>
-            <p:ph idx="1"/>
-          </p:nvPr>
-        </p:nvSpPr>
-        <p:spPr/>
-        <p:txBody>
-          <a:bodyPr/>
-          <a:lstStyle/>
-          <a:p>
-            <a:r>
-              <a:rPr lang="en-US" dirty="0"/>
-              <a:t>For time series analysis, also referred to as hidden Markov models</a:t>
-            </a:r>
-          </a:p>
-          <a:p>
-            <a:r>
-              <a:rPr lang="en-US" dirty="0"/>
-              <a:t>hidden =&gt; latent; Markov =&gt; next state depends only on current state</a:t>
-            </a:r>
-          </a:p>
-          <a:p>
-            <a:pPr marL="0" indent="0">
-              <a:buNone/>
-            </a:pPr>
-            <a:endParaRPr lang="en-US" dirty="0"/>
-          </a:p>
-        </p:txBody>
-      </p:sp>
-      <p:sp>
-        <p:nvSpPr>
-          <p:cNvPr id="4" name="TextBox 3">
-            <a:extLst>
-              <a:ext uri="{FF2B5EF4-FFF2-40B4-BE49-F238E27FC236}">
-                <a16:creationId xmlns:a16="http://schemas.microsoft.com/office/drawing/2014/main" id="{C437BBAA-BE22-519C-0518-24665B258600}"/>
+      <p:pic>
+        <p:nvPicPr>
+          <p:cNvPr id="5" name="Picture 4">
+            <a:extLst>
+              <a:ext uri="{FF2B5EF4-FFF2-40B4-BE49-F238E27FC236}">
+                <a16:creationId xmlns:a16="http://schemas.microsoft.com/office/drawing/2014/main" id="{04588943-301F-11F4-8632-5477E6956635}"/>
+              </a:ext>
+            </a:extLst>
+          </p:cNvPr>
+          <p:cNvPicPr>
+            <a:picLocks noChangeAspect="1"/>
+          </p:cNvPicPr>
+          <p:nvPr/>
+        </p:nvPicPr>
+        <p:blipFill>
+          <a:blip r:embed="rId2"/>
+          <a:stretch>
+            <a:fillRect/>
+          </a:stretch>
+        </p:blipFill>
+        <p:spPr>
+          <a:xfrm>
+            <a:off x="821689" y="0"/>
+            <a:ext cx="4720982" cy="6686904"/>
+          </a:xfrm>
+          <a:prstGeom prst="rect">
+            <a:avLst/>
+          </a:prstGeom>
+        </p:spPr>
+      </p:pic>
+      <p:sp>
+        <p:nvSpPr>
+          <p:cNvPr id="7" name="TextBox 6">
+            <a:extLst>
+              <a:ext uri="{FF2B5EF4-FFF2-40B4-BE49-F238E27FC236}">
+                <a16:creationId xmlns:a16="http://schemas.microsoft.com/office/drawing/2014/main" id="{777F37F1-F796-022A-55E1-89C3CED28A77}"/>
               </a:ext>
             </a:extLst>
           </p:cNvPr>
@@ -7715,8 +7776,8 @@
         </p:nvSpPr>
         <p:spPr>
           <a:xfrm>
-            <a:off x="8472552" y="6470413"/>
-            <a:ext cx="3506088" cy="369332"/>
+            <a:off x="5884985" y="5741532"/>
+            <a:ext cx="6098344" cy="923330"/>
           </a:xfrm>
           <a:prstGeom prst="rect">
             <a:avLst/>
@@ -7724,25 +7785,54 @@
           <a:noFill/>
         </p:spPr>
         <p:txBody>
-          <a:bodyPr wrap="none" rtlCol="0">
+          <a:bodyPr wrap="square">
             <a:spAutoFit/>
           </a:bodyPr>
           <a:lstStyle/>
           <a:p>
             <a:r>
-              <a:rPr lang="en-US" dirty="0">
+              <a:rPr lang="en-CA" i="1" dirty="0">
+                <a:effectLst/>
                 <a:latin typeface="Times New Roman" panose="02020603050405020304" pitchFamily="18" charset="0"/>
                 <a:cs typeface="Times New Roman" panose="02020603050405020304" pitchFamily="18" charset="0"/>
               </a:rPr>
-              <a:t>Dietz 2017. Ecological forecasting.</a:t>
-            </a:r>
+              <a:t>COVID-19 Case Age Distribution: Correction for Differential Testing </a:t>
+            </a:r>
+            <a:r>
+              <a:rPr lang="en-CA" dirty="0">
+                <a:effectLst/>
+                <a:latin typeface="Times New Roman" panose="02020603050405020304" pitchFamily="18" charset="0"/>
+                <a:cs typeface="Times New Roman" panose="02020603050405020304" pitchFamily="18" charset="0"/>
+              </a:rPr>
+              <a:t>by Age David N. </a:t>
+            </a:r>
+            <a:r>
+              <a:rPr lang="en-CA" dirty="0" err="1">
+                <a:effectLst/>
+                <a:latin typeface="Times New Roman" panose="02020603050405020304" pitchFamily="18" charset="0"/>
+                <a:cs typeface="Times New Roman" panose="02020603050405020304" pitchFamily="18" charset="0"/>
+              </a:rPr>
+              <a:t>Fisman</a:t>
+            </a:r>
+            <a:r>
+              <a:rPr lang="en-CA" dirty="0">
+                <a:effectLst/>
+                <a:latin typeface="Times New Roman" panose="02020603050405020304" pitchFamily="18" charset="0"/>
+                <a:cs typeface="Times New Roman" panose="02020603050405020304" pitchFamily="18" charset="0"/>
+              </a:rPr>
+              <a:t>, Amy L. Greer, et al. Annals of Internal Medicine</a:t>
+            </a:r>
+            <a:endParaRPr lang="en-US" dirty="0">
+              <a:latin typeface="Times New Roman" panose="02020603050405020304" pitchFamily="18" charset="0"/>
+              <a:cs typeface="Times New Roman" panose="02020603050405020304" pitchFamily="18" charset="0"/>
+            </a:endParaRPr>
           </a:p>
         </p:txBody>
       </p:sp>
     </p:spTree>
     <p:extLst>
       <p:ext uri="{BB962C8B-B14F-4D97-AF65-F5344CB8AC3E}">
-        <p14:creationId xmlns:p14="http://schemas.microsoft.com/office/powerpoint/2010/main" val="4036158346"/>
+        <p14:creationId xmlns:p14="http://schemas.microsoft.com/office/powerpoint/2010/main" val="4150048620"/>
       </p:ext>
     </p:extLst>
   </p:cSld>
@@ -7769,42 +7859,80 @@
           <a:chExt cx="0" cy="0"/>
         </a:xfrm>
       </p:grpSpPr>
-      <p:pic>
-        <p:nvPicPr>
-          <p:cNvPr id="5" name="Picture 4">
-            <a:extLst>
-              <a:ext uri="{FF2B5EF4-FFF2-40B4-BE49-F238E27FC236}">
-                <a16:creationId xmlns:a16="http://schemas.microsoft.com/office/drawing/2014/main" id="{E80785CC-9B43-4F67-2126-9E97CCCB8EA2}"/>
-              </a:ext>
-            </a:extLst>
-          </p:cNvPr>
-          <p:cNvPicPr>
-            <a:picLocks noChangeAspect="1"/>
-          </p:cNvPicPr>
-          <p:nvPr/>
-        </p:nvPicPr>
-        <p:blipFill>
-          <a:blip r:embed="rId2"/>
-          <a:stretch>
-            <a:fillRect/>
-          </a:stretch>
-        </p:blipFill>
-        <p:spPr>
-          <a:xfrm>
-            <a:off x="465437" y="231820"/>
-            <a:ext cx="10971001" cy="6445267"/>
-          </a:xfrm>
-          <a:prstGeom prst="rect">
-            <a:avLst/>
-          </a:prstGeom>
-        </p:spPr>
-      </p:pic>
-      <p:sp>
-        <p:nvSpPr>
-          <p:cNvPr id="6" name="TextBox 5">
-            <a:extLst>
-              <a:ext uri="{FF2B5EF4-FFF2-40B4-BE49-F238E27FC236}">
-                <a16:creationId xmlns:a16="http://schemas.microsoft.com/office/drawing/2014/main" id="{A9A5F090-F61B-B7F4-C8C9-BDACBE8D2D83}"/>
+      <p:sp>
+        <p:nvSpPr>
+          <p:cNvPr id="2" name="Title 1">
+            <a:extLst>
+              <a:ext uri="{FF2B5EF4-FFF2-40B4-BE49-F238E27FC236}">
+                <a16:creationId xmlns:a16="http://schemas.microsoft.com/office/drawing/2014/main" id="{9DB04AF2-BF7A-A96F-2740-C07FFCF78F5A}"/>
+              </a:ext>
+            </a:extLst>
+          </p:cNvPr>
+          <p:cNvSpPr>
+            <a:spLocks noGrp="1"/>
+          </p:cNvSpPr>
+          <p:nvPr>
+            <p:ph type="title"/>
+          </p:nvPr>
+        </p:nvSpPr>
+        <p:spPr/>
+        <p:txBody>
+          <a:bodyPr/>
+          <a:lstStyle/>
+          <a:p>
+            <a:r>
+              <a:rPr lang="en-US" dirty="0"/>
+              <a:t>State space models</a:t>
+            </a:r>
+          </a:p>
+        </p:txBody>
+      </p:sp>
+      <p:sp>
+        <p:nvSpPr>
+          <p:cNvPr id="3" name="Content Placeholder 2">
+            <a:extLst>
+              <a:ext uri="{FF2B5EF4-FFF2-40B4-BE49-F238E27FC236}">
+                <a16:creationId xmlns:a16="http://schemas.microsoft.com/office/drawing/2014/main" id="{3A183118-89C6-53A7-E1AC-CF24905E813B}"/>
+              </a:ext>
+            </a:extLst>
+          </p:cNvPr>
+          <p:cNvSpPr>
+            <a:spLocks noGrp="1"/>
+          </p:cNvSpPr>
+          <p:nvPr>
+            <p:ph idx="1"/>
+          </p:nvPr>
+        </p:nvSpPr>
+        <p:spPr/>
+        <p:txBody>
+          <a:bodyPr/>
+          <a:lstStyle/>
+          <a:p>
+            <a:r>
+              <a:rPr lang="en-US" dirty="0"/>
+              <a:t>For time series analysis, also referred to as hidden Markov models</a:t>
+            </a:r>
+          </a:p>
+          <a:p>
+            <a:r>
+              <a:rPr lang="en-US" dirty="0"/>
+              <a:t>hidden =&gt; latent; Markov =&gt; next state depends only on current state</a:t>
+            </a:r>
+          </a:p>
+          <a:p>
+            <a:pPr marL="0" indent="0">
+              <a:buNone/>
+            </a:pPr>
+            <a:endParaRPr lang="en-US" dirty="0"/>
+          </a:p>
+        </p:txBody>
+      </p:sp>
+      <p:sp>
+        <p:nvSpPr>
+          <p:cNvPr id="4" name="TextBox 3">
+            <a:extLst>
+              <a:ext uri="{FF2B5EF4-FFF2-40B4-BE49-F238E27FC236}">
+                <a16:creationId xmlns:a16="http://schemas.microsoft.com/office/drawing/2014/main" id="{C437BBAA-BE22-519C-0518-24665B258600}"/>
               </a:ext>
             </a:extLst>
           </p:cNvPr>
@@ -7840,7 +7968,7 @@
     </p:spTree>
     <p:extLst>
       <p:ext uri="{BB962C8B-B14F-4D97-AF65-F5344CB8AC3E}">
-        <p14:creationId xmlns:p14="http://schemas.microsoft.com/office/powerpoint/2010/main" val="1047370488"/>
+        <p14:creationId xmlns:p14="http://schemas.microsoft.com/office/powerpoint/2010/main" val="4036158346"/>
       </p:ext>
     </p:extLst>
   </p:cSld>

--- a/amy-lectures/State_Space_Models.pptx
+++ b/amy-lectures/State_Space_Models.pptx
@@ -224,7 +224,7 @@
           <a:p>
             <a:fld id="{4F607ABD-9BFA-4341-85EB-854238C078B1}" type="datetimeFigureOut">
               <a:rPr lang="en-US" smtClean="0"/>
-              <a:t>8/23/23</a:t>
+              <a:t>8/24/23</a:t>
             </a:fld>
             <a:endParaRPr lang="en-US" dirty="0"/>
           </a:p>
@@ -638,7 +638,7 @@
           <a:p>
             <a:fld id="{9BF60C95-0472-DE44-8980-673BD05BB60F}" type="datetimeFigureOut">
               <a:rPr lang="en-US" smtClean="0"/>
-              <a:t>8/23/23</a:t>
+              <a:t>8/24/23</a:t>
             </a:fld>
             <a:endParaRPr lang="en-US" dirty="0"/>
           </a:p>
@@ -836,7 +836,7 @@
           <a:p>
             <a:fld id="{9BF60C95-0472-DE44-8980-673BD05BB60F}" type="datetimeFigureOut">
               <a:rPr lang="en-US" smtClean="0"/>
-              <a:t>8/23/23</a:t>
+              <a:t>8/24/23</a:t>
             </a:fld>
             <a:endParaRPr lang="en-US" dirty="0"/>
           </a:p>
@@ -1044,7 +1044,7 @@
           <a:p>
             <a:fld id="{9BF60C95-0472-DE44-8980-673BD05BB60F}" type="datetimeFigureOut">
               <a:rPr lang="en-US" smtClean="0"/>
-              <a:t>8/23/23</a:t>
+              <a:t>8/24/23</a:t>
             </a:fld>
             <a:endParaRPr lang="en-US" dirty="0"/>
           </a:p>
@@ -1586,7 +1586,7 @@
           <a:p>
             <a:fld id="{9BF60C95-0472-DE44-8980-673BD05BB60F}" type="datetimeFigureOut">
               <a:rPr lang="en-US" smtClean="0"/>
-              <a:t>8/23/23</a:t>
+              <a:t>8/24/23</a:t>
             </a:fld>
             <a:endParaRPr lang="en-US" dirty="0"/>
           </a:p>
@@ -1851,7 +1851,7 @@
           <a:p>
             <a:fld id="{9BF60C95-0472-DE44-8980-673BD05BB60F}" type="datetimeFigureOut">
               <a:rPr lang="en-US" smtClean="0"/>
-              <a:t>8/23/23</a:t>
+              <a:t>8/24/23</a:t>
             </a:fld>
             <a:endParaRPr lang="en-US" dirty="0"/>
           </a:p>
@@ -2263,7 +2263,7 @@
           <a:p>
             <a:fld id="{9BF60C95-0472-DE44-8980-673BD05BB60F}" type="datetimeFigureOut">
               <a:rPr lang="en-US" smtClean="0"/>
-              <a:t>8/23/23</a:t>
+              <a:t>8/24/23</a:t>
             </a:fld>
             <a:endParaRPr lang="en-US" dirty="0"/>
           </a:p>
@@ -2404,7 +2404,7 @@
           <a:p>
             <a:fld id="{9BF60C95-0472-DE44-8980-673BD05BB60F}" type="datetimeFigureOut">
               <a:rPr lang="en-US" smtClean="0"/>
-              <a:t>8/23/23</a:t>
+              <a:t>8/24/23</a:t>
             </a:fld>
             <a:endParaRPr lang="en-US" dirty="0"/>
           </a:p>
@@ -2517,7 +2517,7 @@
           <a:p>
             <a:fld id="{9BF60C95-0472-DE44-8980-673BD05BB60F}" type="datetimeFigureOut">
               <a:rPr lang="en-US" smtClean="0"/>
-              <a:t>8/23/23</a:t>
+              <a:t>8/24/23</a:t>
             </a:fld>
             <a:endParaRPr lang="en-US" dirty="0"/>
           </a:p>
@@ -2828,7 +2828,7 @@
           <a:p>
             <a:fld id="{9BF60C95-0472-DE44-8980-673BD05BB60F}" type="datetimeFigureOut">
               <a:rPr lang="en-US" smtClean="0"/>
-              <a:t>8/23/23</a:t>
+              <a:t>8/24/23</a:t>
             </a:fld>
             <a:endParaRPr lang="en-US" dirty="0"/>
           </a:p>
@@ -3116,7 +3116,7 @@
           <a:p>
             <a:fld id="{9BF60C95-0472-DE44-8980-673BD05BB60F}" type="datetimeFigureOut">
               <a:rPr lang="en-US" smtClean="0"/>
-              <a:t>8/23/23</a:t>
+              <a:t>8/24/23</a:t>
             </a:fld>
             <a:endParaRPr lang="en-US" dirty="0"/>
           </a:p>
@@ -3357,7 +3357,7 @@
           <a:p>
             <a:fld id="{9BF60C95-0472-DE44-8980-673BD05BB60F}" type="datetimeFigureOut">
               <a:rPr lang="en-US" smtClean="0"/>
-              <a:t>8/23/23</a:t>
+              <a:t>8/24/23</a:t>
             </a:fld>
             <a:endParaRPr lang="en-US" dirty="0"/>
           </a:p>
